--- a/Layout.pptx
+++ b/Layout.pptx
@@ -2,19 +2,22 @@
 <file path=ppt/presentation.xml><?xml version="1.0" encoding="utf-8"?>
 <p:presentation xmlns:a="http://schemas.openxmlformats.org/drawingml/2006/main" xmlns:r="http://schemas.openxmlformats.org/officeDocument/2006/relationships" xmlns:p="http://schemas.openxmlformats.org/presentationml/2006/main" saveSubsetFonts="1">
   <p:sldMasterIdLst>
-    <p:sldMasterId id="2147483648" r:id="rId1"/>
+    <p:sldMasterId id="2147483672" r:id="rId1"/>
   </p:sldMasterIdLst>
   <p:sldIdLst>
     <p:sldId id="256" r:id="rId2"/>
+    <p:sldId id="257" r:id="rId3"/>
+    <p:sldId id="258" r:id="rId4"/>
+    <p:sldId id="259" r:id="rId5"/>
   </p:sldIdLst>
-  <p:sldSz cx="12192000" cy="6858000"/>
+  <p:sldSz cx="2879725" cy="6480175"/>
   <p:notesSz cx="6858000" cy="9144000"/>
   <p:defaultTextStyle>
     <a:defPPr>
       <a:defRPr lang="pt-BR"/>
     </a:defPPr>
-    <a:lvl1pPr marL="0" algn="l" defTabSz="914400" rtl="0" eaLnBrk="1" latinLnBrk="0" hangingPunct="1">
-      <a:defRPr sz="1800" kern="1200">
+    <a:lvl1pPr marL="0" algn="l" defTabSz="449254" rtl="0" eaLnBrk="1" latinLnBrk="0" hangingPunct="1">
+      <a:defRPr sz="884" kern="1200">
         <a:solidFill>
           <a:schemeClr val="tx1"/>
         </a:solidFill>
@@ -23,8 +26,8 @@
         <a:cs typeface="+mn-cs"/>
       </a:defRPr>
     </a:lvl1pPr>
-    <a:lvl2pPr marL="457200" algn="l" defTabSz="914400" rtl="0" eaLnBrk="1" latinLnBrk="0" hangingPunct="1">
-      <a:defRPr sz="1800" kern="1200">
+    <a:lvl2pPr marL="224627" algn="l" defTabSz="449254" rtl="0" eaLnBrk="1" latinLnBrk="0" hangingPunct="1">
+      <a:defRPr sz="884" kern="1200">
         <a:solidFill>
           <a:schemeClr val="tx1"/>
         </a:solidFill>
@@ -33,8 +36,8 @@
         <a:cs typeface="+mn-cs"/>
       </a:defRPr>
     </a:lvl2pPr>
-    <a:lvl3pPr marL="914400" algn="l" defTabSz="914400" rtl="0" eaLnBrk="1" latinLnBrk="0" hangingPunct="1">
-      <a:defRPr sz="1800" kern="1200">
+    <a:lvl3pPr marL="449254" algn="l" defTabSz="449254" rtl="0" eaLnBrk="1" latinLnBrk="0" hangingPunct="1">
+      <a:defRPr sz="884" kern="1200">
         <a:solidFill>
           <a:schemeClr val="tx1"/>
         </a:solidFill>
@@ -43,8 +46,8 @@
         <a:cs typeface="+mn-cs"/>
       </a:defRPr>
     </a:lvl3pPr>
-    <a:lvl4pPr marL="1371600" algn="l" defTabSz="914400" rtl="0" eaLnBrk="1" latinLnBrk="0" hangingPunct="1">
-      <a:defRPr sz="1800" kern="1200">
+    <a:lvl4pPr marL="673881" algn="l" defTabSz="449254" rtl="0" eaLnBrk="1" latinLnBrk="0" hangingPunct="1">
+      <a:defRPr sz="884" kern="1200">
         <a:solidFill>
           <a:schemeClr val="tx1"/>
         </a:solidFill>
@@ -53,8 +56,8 @@
         <a:cs typeface="+mn-cs"/>
       </a:defRPr>
     </a:lvl4pPr>
-    <a:lvl5pPr marL="1828800" algn="l" defTabSz="914400" rtl="0" eaLnBrk="1" latinLnBrk="0" hangingPunct="1">
-      <a:defRPr sz="1800" kern="1200">
+    <a:lvl5pPr marL="898508" algn="l" defTabSz="449254" rtl="0" eaLnBrk="1" latinLnBrk="0" hangingPunct="1">
+      <a:defRPr sz="884" kern="1200">
         <a:solidFill>
           <a:schemeClr val="tx1"/>
         </a:solidFill>
@@ -63,8 +66,8 @@
         <a:cs typeface="+mn-cs"/>
       </a:defRPr>
     </a:lvl5pPr>
-    <a:lvl6pPr marL="2286000" algn="l" defTabSz="914400" rtl="0" eaLnBrk="1" latinLnBrk="0" hangingPunct="1">
-      <a:defRPr sz="1800" kern="1200">
+    <a:lvl6pPr marL="1123135" algn="l" defTabSz="449254" rtl="0" eaLnBrk="1" latinLnBrk="0" hangingPunct="1">
+      <a:defRPr sz="884" kern="1200">
         <a:solidFill>
           <a:schemeClr val="tx1"/>
         </a:solidFill>
@@ -73,8 +76,8 @@
         <a:cs typeface="+mn-cs"/>
       </a:defRPr>
     </a:lvl6pPr>
-    <a:lvl7pPr marL="2743200" algn="l" defTabSz="914400" rtl="0" eaLnBrk="1" latinLnBrk="0" hangingPunct="1">
-      <a:defRPr sz="1800" kern="1200">
+    <a:lvl7pPr marL="1347762" algn="l" defTabSz="449254" rtl="0" eaLnBrk="1" latinLnBrk="0" hangingPunct="1">
+      <a:defRPr sz="884" kern="1200">
         <a:solidFill>
           <a:schemeClr val="tx1"/>
         </a:solidFill>
@@ -83,8 +86,8 @@
         <a:cs typeface="+mn-cs"/>
       </a:defRPr>
     </a:lvl7pPr>
-    <a:lvl8pPr marL="3200400" algn="l" defTabSz="914400" rtl="0" eaLnBrk="1" latinLnBrk="0" hangingPunct="1">
-      <a:defRPr sz="1800" kern="1200">
+    <a:lvl8pPr marL="1572389" algn="l" defTabSz="449254" rtl="0" eaLnBrk="1" latinLnBrk="0" hangingPunct="1">
+      <a:defRPr sz="884" kern="1200">
         <a:solidFill>
           <a:schemeClr val="tx1"/>
         </a:solidFill>
@@ -93,8 +96,8 @@
         <a:cs typeface="+mn-cs"/>
       </a:defRPr>
     </a:lvl8pPr>
-    <a:lvl9pPr marL="3657600" algn="l" defTabSz="914400" rtl="0" eaLnBrk="1" latinLnBrk="0" hangingPunct="1">
-      <a:defRPr sz="1800" kern="1200">
+    <a:lvl9pPr marL="1797015" algn="l" defTabSz="449254" rtl="0" eaLnBrk="1" latinLnBrk="0" hangingPunct="1">
+      <a:defRPr sz="884" kern="1200">
         <a:solidFill>
           <a:schemeClr val="tx1"/>
         </a:solidFill>
@@ -105,8 +108,90 @@
     </a:lvl9pPr>
   </p:defaultTextStyle>
   <p:extLst>
+    <p:ext uri="{521415D9-36F7-43E2-AB2F-B90AF26B5E84}">
+      <p14:sectionLst xmlns:p14="http://schemas.microsoft.com/office/powerpoint/2010/main">
+        <p14:section name="Projeto Original" id="{9F0AD65E-39E3-4F54-9E9D-BEBCE9A8D63E}">
+          <p14:sldIdLst>
+            <p14:sldId id="256"/>
+          </p14:sldIdLst>
+        </p14:section>
+        <p14:section name="Projeto Atual" id="{7CD5E03F-D574-4B79-B41F-13A73E195415}">
+          <p14:sldIdLst>
+            <p14:sldId id="257"/>
+            <p14:sldId id="258"/>
+            <p14:sldId id="259"/>
+          </p14:sldIdLst>
+        </p14:section>
+      </p14:sectionLst>
+    </p:ext>
     <p:ext uri="{EFAFB233-063F-42B5-8137-9DF3F51BA10A}">
-      <p15:sldGuideLst xmlns:p15="http://schemas.microsoft.com/office/powerpoint/2012/main"/>
+      <p15:sldGuideLst xmlns:p15="http://schemas.microsoft.com/office/powerpoint/2012/main">
+        <p15:guide id="1" pos="136" userDrawn="1">
+          <p15:clr>
+            <a:srgbClr val="A4A3A4"/>
+          </p15:clr>
+        </p15:guide>
+        <p15:guide id="2" pos="1678" userDrawn="1">
+          <p15:clr>
+            <a:srgbClr val="A4A3A4"/>
+          </p15:clr>
+        </p15:guide>
+        <p15:guide id="3" pos="907" userDrawn="1">
+          <p15:clr>
+            <a:srgbClr val="A4A3A4"/>
+          </p15:clr>
+        </p15:guide>
+        <p15:guide id="4" orient="horz" pos="113" userDrawn="1">
+          <p15:clr>
+            <a:srgbClr val="A4A3A4"/>
+          </p15:clr>
+        </p15:guide>
+        <p15:guide id="5" orient="horz" pos="3470" userDrawn="1">
+          <p15:clr>
+            <a:srgbClr val="A4A3A4"/>
+          </p15:clr>
+        </p15:guide>
+        <p15:guide id="6" orient="horz" pos="2994" userDrawn="1">
+          <p15:clr>
+            <a:srgbClr val="A4A3A4"/>
+          </p15:clr>
+        </p15:guide>
+        <p15:guide id="7" pos="1270" userDrawn="1">
+          <p15:clr>
+            <a:srgbClr val="A4A3A4"/>
+          </p15:clr>
+        </p15:guide>
+        <p15:guide id="8" pos="521" userDrawn="1">
+          <p15:clr>
+            <a:srgbClr val="A4A3A4"/>
+          </p15:clr>
+        </p15:guide>
+        <p15:guide id="9" orient="horz" pos="3946" userDrawn="1">
+          <p15:clr>
+            <a:srgbClr val="A4A3A4"/>
+          </p15:clr>
+        </p15:guide>
+        <p15:guide id="10" orient="horz" pos="1088" userDrawn="1">
+          <p15:clr>
+            <a:srgbClr val="A4A3A4"/>
+          </p15:clr>
+        </p15:guide>
+        <p15:guide id="11" orient="horz" pos="1565" userDrawn="1">
+          <p15:clr>
+            <a:srgbClr val="A4A3A4"/>
+          </p15:clr>
+        </p15:guide>
+        <p15:guide id="12" orient="horz" pos="2517" userDrawn="1">
+          <p15:clr>
+            <a:srgbClr val="A4A3A4"/>
+          </p15:clr>
+        </p15:guide>
+        <p15:guide id="13" orient="horz" pos="2041" userDrawn="1">
+          <p15:clr>
+            <a:srgbClr val="A4A3A4"/>
+          </p15:clr>
+        </p15:guide>
+      </p15:sldGuideLst>
     </p:ext>
   </p:extLst>
 </p:presentation>
@@ -114,7 +199,7 @@
 
 <file path=ppt/slideLayouts/slideLayout1.xml><?xml version="1.0" encoding="utf-8"?>
 <p:sldLayout xmlns:a="http://schemas.openxmlformats.org/drawingml/2006/main" xmlns:r="http://schemas.openxmlformats.org/officeDocument/2006/relationships" xmlns:p="http://schemas.openxmlformats.org/presentationml/2006/main" type="title" preserve="1">
-  <p:cSld name="Slide de título">
+  <p:cSld name="Slide de Título">
     <p:spTree>
       <p:nvGrpSpPr>
         <p:cNvPr id="1" name=""/>
@@ -131,7 +216,7 @@
       </p:grpSpPr>
       <p:sp>
         <p:nvSpPr>
-          <p:cNvPr id="2" name="Título 1"/>
+          <p:cNvPr id="2" name="Title 1"/>
           <p:cNvSpPr>
             <a:spLocks noGrp="1"/>
           </p:cNvSpPr>
@@ -141,15 +226,15 @@
         </p:nvSpPr>
         <p:spPr>
           <a:xfrm>
-            <a:off x="1524000" y="1122363"/>
-            <a:ext cx="9144000" cy="2387600"/>
+            <a:off x="215980" y="1060529"/>
+            <a:ext cx="2447766" cy="2256061"/>
           </a:xfrm>
         </p:spPr>
         <p:txBody>
           <a:bodyPr anchor="b"/>
           <a:lstStyle>
             <a:lvl1pPr algn="ctr">
-              <a:defRPr sz="6000"/>
+              <a:defRPr sz="1889"/>
             </a:lvl1pPr>
           </a:lstStyle>
           <a:p>
@@ -157,13 +242,13 @@
               <a:rPr lang="pt-BR" smtClean="0"/>
               <a:t>Clique para editar o título mestre</a:t>
             </a:r>
-            <a:endParaRPr lang="pt-BR"/>
-          </a:p>
-        </p:txBody>
-      </p:sp>
-      <p:sp>
-        <p:nvSpPr>
-          <p:cNvPr id="3" name="Subtítulo 2"/>
+            <a:endParaRPr lang="en-US" dirty="0"/>
+          </a:p>
+        </p:txBody>
+      </p:sp>
+      <p:sp>
+        <p:nvSpPr>
+          <p:cNvPr id="3" name="Subtitle 2"/>
           <p:cNvSpPr>
             <a:spLocks noGrp="1"/>
           </p:cNvSpPr>
@@ -173,8 +258,8 @@
         </p:nvSpPr>
         <p:spPr>
           <a:xfrm>
-            <a:off x="1524000" y="3602038"/>
-            <a:ext cx="9144000" cy="1655762"/>
+            <a:off x="359966" y="3403592"/>
+            <a:ext cx="2159794" cy="1564542"/>
           </a:xfrm>
         </p:spPr>
         <p:txBody>
@@ -182,53 +267,53 @@
           <a:lstStyle>
             <a:lvl1pPr marL="0" indent="0" algn="ctr">
               <a:buNone/>
-              <a:defRPr sz="2400"/>
+              <a:defRPr sz="756"/>
             </a:lvl1pPr>
-            <a:lvl2pPr marL="457200" indent="0" algn="ctr">
+            <a:lvl2pPr marL="143972" indent="0" algn="ctr">
               <a:buNone/>
-              <a:defRPr sz="2000"/>
+              <a:defRPr sz="630"/>
             </a:lvl2pPr>
-            <a:lvl3pPr marL="914400" indent="0" algn="ctr">
+            <a:lvl3pPr marL="287945" indent="0" algn="ctr">
               <a:buNone/>
-              <a:defRPr sz="1800"/>
+              <a:defRPr sz="567"/>
             </a:lvl3pPr>
-            <a:lvl4pPr marL="1371600" indent="0" algn="ctr">
+            <a:lvl4pPr marL="431917" indent="0" algn="ctr">
               <a:buNone/>
-              <a:defRPr sz="1600"/>
+              <a:defRPr sz="504"/>
             </a:lvl4pPr>
-            <a:lvl5pPr marL="1828800" indent="0" algn="ctr">
+            <a:lvl5pPr marL="575889" indent="0" algn="ctr">
               <a:buNone/>
-              <a:defRPr sz="1600"/>
+              <a:defRPr sz="504"/>
             </a:lvl5pPr>
-            <a:lvl6pPr marL="2286000" indent="0" algn="ctr">
+            <a:lvl6pPr marL="719861" indent="0" algn="ctr">
               <a:buNone/>
-              <a:defRPr sz="1600"/>
+              <a:defRPr sz="504"/>
             </a:lvl6pPr>
-            <a:lvl7pPr marL="2743200" indent="0" algn="ctr">
+            <a:lvl7pPr marL="863834" indent="0" algn="ctr">
               <a:buNone/>
-              <a:defRPr sz="1600"/>
+              <a:defRPr sz="504"/>
             </a:lvl7pPr>
-            <a:lvl8pPr marL="3200400" indent="0" algn="ctr">
+            <a:lvl8pPr marL="1007806" indent="0" algn="ctr">
               <a:buNone/>
-              <a:defRPr sz="1600"/>
+              <a:defRPr sz="504"/>
             </a:lvl8pPr>
-            <a:lvl9pPr marL="3657600" indent="0" algn="ctr">
+            <a:lvl9pPr marL="1151778" indent="0" algn="ctr">
               <a:buNone/>
-              <a:defRPr sz="1600"/>
+              <a:defRPr sz="504"/>
             </a:lvl9pPr>
           </a:lstStyle>
           <a:p>
             <a:r>
               <a:rPr lang="pt-BR" smtClean="0"/>
-              <a:t>Clique para editar o estilo do subtítulo mestre</a:t>
+              <a:t>Clique para editar o estilo do subtítulo Mestre</a:t>
             </a:r>
-            <a:endParaRPr lang="pt-BR"/>
-          </a:p>
-        </p:txBody>
-      </p:sp>
-      <p:sp>
-        <p:nvSpPr>
-          <p:cNvPr id="4" name="Espaço Reservado para Data 3"/>
+            <a:endParaRPr lang="en-US" dirty="0"/>
+          </a:p>
+        </p:txBody>
+      </p:sp>
+      <p:sp>
+        <p:nvSpPr>
+          <p:cNvPr id="4" name="Date Placeholder 3"/>
           <p:cNvSpPr>
             <a:spLocks noGrp="1"/>
           </p:cNvSpPr>
@@ -243,7 +328,7 @@
           <a:p>
             <a:fld id="{DA50C470-CBEA-4477-97B8-97530BBE2C07}" type="datetimeFigureOut">
               <a:rPr lang="pt-BR" smtClean="0"/>
-              <a:t>17/04/2017</a:t>
+              <a:t>18/05/2017</a:t>
             </a:fld>
             <a:endParaRPr lang="pt-BR"/>
           </a:p>
@@ -251,7 +336,7 @@
       </p:sp>
       <p:sp>
         <p:nvSpPr>
-          <p:cNvPr id="5" name="Espaço Reservado para Rodapé 4"/>
+          <p:cNvPr id="5" name="Footer Placeholder 4"/>
           <p:cNvSpPr>
             <a:spLocks noGrp="1"/>
           </p:cNvSpPr>
@@ -270,7 +355,7 @@
       </p:sp>
       <p:sp>
         <p:nvSpPr>
-          <p:cNvPr id="6" name="Espaço Reservado para Número de Slide 5"/>
+          <p:cNvPr id="6" name="Slide Number Placeholder 5"/>
           <p:cNvSpPr>
             <a:spLocks noGrp="1"/>
           </p:cNvSpPr>
@@ -294,7 +379,7 @@
     </p:spTree>
     <p:extLst>
       <p:ext uri="{BB962C8B-B14F-4D97-AF65-F5344CB8AC3E}">
-        <p14:creationId xmlns:p14="http://schemas.microsoft.com/office/powerpoint/2010/main" val="2417878430"/>
+        <p14:creationId xmlns:p14="http://schemas.microsoft.com/office/powerpoint/2010/main" val="3386368083"/>
       </p:ext>
     </p:extLst>
   </p:cSld>
@@ -306,7 +391,7 @@
 
 <file path=ppt/slideLayouts/slideLayout10.xml><?xml version="1.0" encoding="utf-8"?>
 <p:sldLayout xmlns:a="http://schemas.openxmlformats.org/drawingml/2006/main" xmlns:r="http://schemas.openxmlformats.org/officeDocument/2006/relationships" xmlns:p="http://schemas.openxmlformats.org/presentationml/2006/main" type="vertTx" preserve="1">
-  <p:cSld name="Título e texto vertical">
+  <p:cSld name="Título e Texto Vertical">
     <p:spTree>
       <p:nvGrpSpPr>
         <p:cNvPr id="1" name=""/>
@@ -323,7 +408,7 @@
       </p:grpSpPr>
       <p:sp>
         <p:nvSpPr>
-          <p:cNvPr id="2" name="Título 1"/>
+          <p:cNvPr id="2" name="Title 1"/>
           <p:cNvSpPr>
             <a:spLocks noGrp="1"/>
           </p:cNvSpPr>
@@ -340,13 +425,13 @@
               <a:rPr lang="pt-BR" smtClean="0"/>
               <a:t>Clique para editar o título mestre</a:t>
             </a:r>
-            <a:endParaRPr lang="pt-BR"/>
-          </a:p>
-        </p:txBody>
-      </p:sp>
-      <p:sp>
-        <p:nvSpPr>
-          <p:cNvPr id="3" name="Espaço Reservado para Texto Vertical 2"/>
+            <a:endParaRPr lang="en-US" dirty="0"/>
+          </a:p>
+        </p:txBody>
+      </p:sp>
+      <p:sp>
+        <p:nvSpPr>
+          <p:cNvPr id="3" name="Vertical Text Placeholder 2"/>
           <p:cNvSpPr>
             <a:spLocks noGrp="1"/>
           </p:cNvSpPr>
@@ -362,7 +447,7 @@
             <a:pPr lvl="0"/>
             <a:r>
               <a:rPr lang="pt-BR" smtClean="0"/>
-              <a:t>Clique para editar o texto mestre</a:t>
+              <a:t>Editar estilos de texto Mestre</a:t>
             </a:r>
           </a:p>
           <a:p>
@@ -392,13 +477,13 @@
               <a:rPr lang="pt-BR" smtClean="0"/>
               <a:t>Quinto nível</a:t>
             </a:r>
-            <a:endParaRPr lang="pt-BR"/>
-          </a:p>
-        </p:txBody>
-      </p:sp>
-      <p:sp>
-        <p:nvSpPr>
-          <p:cNvPr id="4" name="Espaço Reservado para Data 3"/>
+            <a:endParaRPr lang="en-US" dirty="0"/>
+          </a:p>
+        </p:txBody>
+      </p:sp>
+      <p:sp>
+        <p:nvSpPr>
+          <p:cNvPr id="4" name="Date Placeholder 3"/>
           <p:cNvSpPr>
             <a:spLocks noGrp="1"/>
           </p:cNvSpPr>
@@ -413,7 +498,7 @@
           <a:p>
             <a:fld id="{DA50C470-CBEA-4477-97B8-97530BBE2C07}" type="datetimeFigureOut">
               <a:rPr lang="pt-BR" smtClean="0"/>
-              <a:t>17/04/2017</a:t>
+              <a:t>18/05/2017</a:t>
             </a:fld>
             <a:endParaRPr lang="pt-BR"/>
           </a:p>
@@ -421,7 +506,7 @@
       </p:sp>
       <p:sp>
         <p:nvSpPr>
-          <p:cNvPr id="5" name="Espaço Reservado para Rodapé 4"/>
+          <p:cNvPr id="5" name="Footer Placeholder 4"/>
           <p:cNvSpPr>
             <a:spLocks noGrp="1"/>
           </p:cNvSpPr>
@@ -440,7 +525,7 @@
       </p:sp>
       <p:sp>
         <p:nvSpPr>
-          <p:cNvPr id="6" name="Espaço Reservado para Número de Slide 5"/>
+          <p:cNvPr id="6" name="Slide Number Placeholder 5"/>
           <p:cNvSpPr>
             <a:spLocks noGrp="1"/>
           </p:cNvSpPr>
@@ -464,7 +549,7 @@
     </p:spTree>
     <p:extLst>
       <p:ext uri="{BB962C8B-B14F-4D97-AF65-F5344CB8AC3E}">
-        <p14:creationId xmlns:p14="http://schemas.microsoft.com/office/powerpoint/2010/main" val="4277666621"/>
+        <p14:creationId xmlns:p14="http://schemas.microsoft.com/office/powerpoint/2010/main" val="3673679295"/>
       </p:ext>
     </p:extLst>
   </p:cSld>
@@ -476,7 +561,7 @@
 
 <file path=ppt/slideLayouts/slideLayout11.xml><?xml version="1.0" encoding="utf-8"?>
 <p:sldLayout xmlns:a="http://schemas.openxmlformats.org/drawingml/2006/main" xmlns:r="http://schemas.openxmlformats.org/officeDocument/2006/relationships" xmlns:p="http://schemas.openxmlformats.org/presentationml/2006/main" type="vertTitleAndTx" preserve="1">
-  <p:cSld name="Título e texto verticais">
+  <p:cSld name="Texto e Título Vertical">
     <p:spTree>
       <p:nvGrpSpPr>
         <p:cNvPr id="1" name=""/>
@@ -493,7 +578,7 @@
       </p:grpSpPr>
       <p:sp>
         <p:nvSpPr>
-          <p:cNvPr id="2" name="Título Vertical 1"/>
+          <p:cNvPr id="2" name="Vertical Title 1"/>
           <p:cNvSpPr>
             <a:spLocks noGrp="1"/>
           </p:cNvSpPr>
@@ -503,8 +588,8 @@
         </p:nvSpPr>
         <p:spPr>
           <a:xfrm>
-            <a:off x="8724900" y="365125"/>
-            <a:ext cx="2628900" cy="5811838"/>
+            <a:off x="2060803" y="345009"/>
+            <a:ext cx="620941" cy="5491649"/>
           </a:xfrm>
         </p:spPr>
         <p:txBody>
@@ -515,13 +600,13 @@
               <a:rPr lang="pt-BR" smtClean="0"/>
               <a:t>Clique para editar o título mestre</a:t>
             </a:r>
-            <a:endParaRPr lang="pt-BR"/>
-          </a:p>
-        </p:txBody>
-      </p:sp>
-      <p:sp>
-        <p:nvSpPr>
-          <p:cNvPr id="3" name="Espaço Reservado para Texto Vertical 2"/>
+            <a:endParaRPr lang="en-US" dirty="0"/>
+          </a:p>
+        </p:txBody>
+      </p:sp>
+      <p:sp>
+        <p:nvSpPr>
+          <p:cNvPr id="3" name="Vertical Text Placeholder 2"/>
           <p:cNvSpPr>
             <a:spLocks noGrp="1"/>
           </p:cNvSpPr>
@@ -531,8 +616,8 @@
         </p:nvSpPr>
         <p:spPr>
           <a:xfrm>
-            <a:off x="838200" y="365125"/>
-            <a:ext cx="7734300" cy="5811838"/>
+            <a:off x="197981" y="345009"/>
+            <a:ext cx="1826826" cy="5491649"/>
           </a:xfrm>
         </p:spPr>
         <p:txBody>
@@ -542,7 +627,7 @@
             <a:pPr lvl="0"/>
             <a:r>
               <a:rPr lang="pt-BR" smtClean="0"/>
-              <a:t>Clique para editar o texto mestre</a:t>
+              <a:t>Editar estilos de texto Mestre</a:t>
             </a:r>
           </a:p>
           <a:p>
@@ -572,13 +657,13 @@
               <a:rPr lang="pt-BR" smtClean="0"/>
               <a:t>Quinto nível</a:t>
             </a:r>
-            <a:endParaRPr lang="pt-BR"/>
-          </a:p>
-        </p:txBody>
-      </p:sp>
-      <p:sp>
-        <p:nvSpPr>
-          <p:cNvPr id="4" name="Espaço Reservado para Data 3"/>
+            <a:endParaRPr lang="en-US" dirty="0"/>
+          </a:p>
+        </p:txBody>
+      </p:sp>
+      <p:sp>
+        <p:nvSpPr>
+          <p:cNvPr id="4" name="Date Placeholder 3"/>
           <p:cNvSpPr>
             <a:spLocks noGrp="1"/>
           </p:cNvSpPr>
@@ -593,7 +678,7 @@
           <a:p>
             <a:fld id="{DA50C470-CBEA-4477-97B8-97530BBE2C07}" type="datetimeFigureOut">
               <a:rPr lang="pt-BR" smtClean="0"/>
-              <a:t>17/04/2017</a:t>
+              <a:t>18/05/2017</a:t>
             </a:fld>
             <a:endParaRPr lang="pt-BR"/>
           </a:p>
@@ -601,7 +686,7 @@
       </p:sp>
       <p:sp>
         <p:nvSpPr>
-          <p:cNvPr id="5" name="Espaço Reservado para Rodapé 4"/>
+          <p:cNvPr id="5" name="Footer Placeholder 4"/>
           <p:cNvSpPr>
             <a:spLocks noGrp="1"/>
           </p:cNvSpPr>
@@ -620,7 +705,7 @@
       </p:sp>
       <p:sp>
         <p:nvSpPr>
-          <p:cNvPr id="6" name="Espaço Reservado para Número de Slide 5"/>
+          <p:cNvPr id="6" name="Slide Number Placeholder 5"/>
           <p:cNvSpPr>
             <a:spLocks noGrp="1"/>
           </p:cNvSpPr>
@@ -644,7 +729,7 @@
     </p:spTree>
     <p:extLst>
       <p:ext uri="{BB962C8B-B14F-4D97-AF65-F5344CB8AC3E}">
-        <p14:creationId xmlns:p14="http://schemas.microsoft.com/office/powerpoint/2010/main" val="1738608642"/>
+        <p14:creationId xmlns:p14="http://schemas.microsoft.com/office/powerpoint/2010/main" val="2873638026"/>
       </p:ext>
     </p:extLst>
   </p:cSld>
@@ -656,7 +741,7 @@
 
 <file path=ppt/slideLayouts/slideLayout2.xml><?xml version="1.0" encoding="utf-8"?>
 <p:sldLayout xmlns:a="http://schemas.openxmlformats.org/drawingml/2006/main" xmlns:r="http://schemas.openxmlformats.org/officeDocument/2006/relationships" xmlns:p="http://schemas.openxmlformats.org/presentationml/2006/main" type="obj" preserve="1">
-  <p:cSld name="Título e conteúdo">
+  <p:cSld name="Título e Conteúdo">
     <p:spTree>
       <p:nvGrpSpPr>
         <p:cNvPr id="1" name=""/>
@@ -673,7 +758,7 @@
       </p:grpSpPr>
       <p:sp>
         <p:nvSpPr>
-          <p:cNvPr id="2" name="Título 1"/>
+          <p:cNvPr id="2" name="Title 1"/>
           <p:cNvSpPr>
             <a:spLocks noGrp="1"/>
           </p:cNvSpPr>
@@ -690,13 +775,13 @@
               <a:rPr lang="pt-BR" smtClean="0"/>
               <a:t>Clique para editar o título mestre</a:t>
             </a:r>
-            <a:endParaRPr lang="pt-BR"/>
-          </a:p>
-        </p:txBody>
-      </p:sp>
-      <p:sp>
-        <p:nvSpPr>
-          <p:cNvPr id="3" name="Espaço Reservado para Conteúdo 2"/>
+            <a:endParaRPr lang="en-US" dirty="0"/>
+          </a:p>
+        </p:txBody>
+      </p:sp>
+      <p:sp>
+        <p:nvSpPr>
+          <p:cNvPr id="3" name="Content Placeholder 2"/>
           <p:cNvSpPr>
             <a:spLocks noGrp="1"/>
           </p:cNvSpPr>
@@ -712,7 +797,7 @@
             <a:pPr lvl="0"/>
             <a:r>
               <a:rPr lang="pt-BR" smtClean="0"/>
-              <a:t>Clique para editar o texto mestre</a:t>
+              <a:t>Editar estilos de texto Mestre</a:t>
             </a:r>
           </a:p>
           <a:p>
@@ -742,13 +827,13 @@
               <a:rPr lang="pt-BR" smtClean="0"/>
               <a:t>Quinto nível</a:t>
             </a:r>
-            <a:endParaRPr lang="pt-BR"/>
-          </a:p>
-        </p:txBody>
-      </p:sp>
-      <p:sp>
-        <p:nvSpPr>
-          <p:cNvPr id="4" name="Espaço Reservado para Data 3"/>
+            <a:endParaRPr lang="en-US" dirty="0"/>
+          </a:p>
+        </p:txBody>
+      </p:sp>
+      <p:sp>
+        <p:nvSpPr>
+          <p:cNvPr id="4" name="Date Placeholder 3"/>
           <p:cNvSpPr>
             <a:spLocks noGrp="1"/>
           </p:cNvSpPr>
@@ -763,7 +848,7 @@
           <a:p>
             <a:fld id="{DA50C470-CBEA-4477-97B8-97530BBE2C07}" type="datetimeFigureOut">
               <a:rPr lang="pt-BR" smtClean="0"/>
-              <a:t>17/04/2017</a:t>
+              <a:t>18/05/2017</a:t>
             </a:fld>
             <a:endParaRPr lang="pt-BR"/>
           </a:p>
@@ -771,7 +856,7 @@
       </p:sp>
       <p:sp>
         <p:nvSpPr>
-          <p:cNvPr id="5" name="Espaço Reservado para Rodapé 4"/>
+          <p:cNvPr id="5" name="Footer Placeholder 4"/>
           <p:cNvSpPr>
             <a:spLocks noGrp="1"/>
           </p:cNvSpPr>
@@ -790,7 +875,7 @@
       </p:sp>
       <p:sp>
         <p:nvSpPr>
-          <p:cNvPr id="6" name="Espaço Reservado para Número de Slide 5"/>
+          <p:cNvPr id="6" name="Slide Number Placeholder 5"/>
           <p:cNvSpPr>
             <a:spLocks noGrp="1"/>
           </p:cNvSpPr>
@@ -814,7 +899,7 @@
     </p:spTree>
     <p:extLst>
       <p:ext uri="{BB962C8B-B14F-4D97-AF65-F5344CB8AC3E}">
-        <p14:creationId xmlns:p14="http://schemas.microsoft.com/office/powerpoint/2010/main" val="2644957485"/>
+        <p14:creationId xmlns:p14="http://schemas.microsoft.com/office/powerpoint/2010/main" val="1212137772"/>
       </p:ext>
     </p:extLst>
   </p:cSld>
@@ -843,7 +928,7 @@
       </p:grpSpPr>
       <p:sp>
         <p:nvSpPr>
-          <p:cNvPr id="2" name="Título 1"/>
+          <p:cNvPr id="2" name="Title 1"/>
           <p:cNvSpPr>
             <a:spLocks noGrp="1"/>
           </p:cNvSpPr>
@@ -853,15 +938,15 @@
         </p:nvSpPr>
         <p:spPr>
           <a:xfrm>
-            <a:off x="831850" y="1709738"/>
-            <a:ext cx="10515600" cy="2852737"/>
+            <a:off x="196481" y="1615546"/>
+            <a:ext cx="2483763" cy="2695572"/>
           </a:xfrm>
         </p:spPr>
         <p:txBody>
           <a:bodyPr anchor="b"/>
           <a:lstStyle>
             <a:lvl1pPr>
-              <a:defRPr sz="6000"/>
+              <a:defRPr sz="1889"/>
             </a:lvl1pPr>
           </a:lstStyle>
           <a:p>
@@ -869,13 +954,13 @@
               <a:rPr lang="pt-BR" smtClean="0"/>
               <a:t>Clique para editar o título mestre</a:t>
             </a:r>
-            <a:endParaRPr lang="pt-BR"/>
-          </a:p>
-        </p:txBody>
-      </p:sp>
-      <p:sp>
-        <p:nvSpPr>
-          <p:cNvPr id="3" name="Espaço Reservado para Texto 2"/>
+            <a:endParaRPr lang="en-US" dirty="0"/>
+          </a:p>
+        </p:txBody>
+      </p:sp>
+      <p:sp>
+        <p:nvSpPr>
+          <p:cNvPr id="3" name="Text Placeholder 2"/>
           <p:cNvSpPr>
             <a:spLocks noGrp="1"/>
           </p:cNvSpPr>
@@ -885,8 +970,8 @@
         </p:nvSpPr>
         <p:spPr>
           <a:xfrm>
-            <a:off x="831850" y="4589463"/>
-            <a:ext cx="10515600" cy="1500187"/>
+            <a:off x="196481" y="4336619"/>
+            <a:ext cx="2483763" cy="1417538"/>
           </a:xfrm>
         </p:spPr>
         <p:txBody>
@@ -894,17 +979,15 @@
           <a:lstStyle>
             <a:lvl1pPr marL="0" indent="0">
               <a:buNone/>
-              <a:defRPr sz="2400">
+              <a:defRPr sz="756">
                 <a:solidFill>
-                  <a:schemeClr val="tx1">
-                    <a:tint val="75000"/>
-                  </a:schemeClr>
+                  <a:schemeClr val="tx1"/>
                 </a:solidFill>
               </a:defRPr>
             </a:lvl1pPr>
-            <a:lvl2pPr marL="457200" indent="0">
+            <a:lvl2pPr marL="143972" indent="0">
               <a:buNone/>
-              <a:defRPr sz="2000">
+              <a:defRPr sz="630">
                 <a:solidFill>
                   <a:schemeClr val="tx1">
                     <a:tint val="75000"/>
@@ -912,9 +995,9 @@
                 </a:solidFill>
               </a:defRPr>
             </a:lvl2pPr>
-            <a:lvl3pPr marL="914400" indent="0">
+            <a:lvl3pPr marL="287945" indent="0">
               <a:buNone/>
-              <a:defRPr sz="1800">
+              <a:defRPr sz="567">
                 <a:solidFill>
                   <a:schemeClr val="tx1">
                     <a:tint val="75000"/>
@@ -922,9 +1005,9 @@
                 </a:solidFill>
               </a:defRPr>
             </a:lvl3pPr>
-            <a:lvl4pPr marL="1371600" indent="0">
+            <a:lvl4pPr marL="431917" indent="0">
               <a:buNone/>
-              <a:defRPr sz="1600">
+              <a:defRPr sz="504">
                 <a:solidFill>
                   <a:schemeClr val="tx1">
                     <a:tint val="75000"/>
@@ -932,9 +1015,9 @@
                 </a:solidFill>
               </a:defRPr>
             </a:lvl4pPr>
-            <a:lvl5pPr marL="1828800" indent="0">
+            <a:lvl5pPr marL="575889" indent="0">
               <a:buNone/>
-              <a:defRPr sz="1600">
+              <a:defRPr sz="504">
                 <a:solidFill>
                   <a:schemeClr val="tx1">
                     <a:tint val="75000"/>
@@ -942,9 +1025,9 @@
                 </a:solidFill>
               </a:defRPr>
             </a:lvl5pPr>
-            <a:lvl6pPr marL="2286000" indent="0">
+            <a:lvl6pPr marL="719861" indent="0">
               <a:buNone/>
-              <a:defRPr sz="1600">
+              <a:defRPr sz="504">
                 <a:solidFill>
                   <a:schemeClr val="tx1">
                     <a:tint val="75000"/>
@@ -952,9 +1035,9 @@
                 </a:solidFill>
               </a:defRPr>
             </a:lvl6pPr>
-            <a:lvl7pPr marL="2743200" indent="0">
+            <a:lvl7pPr marL="863834" indent="0">
               <a:buNone/>
-              <a:defRPr sz="1600">
+              <a:defRPr sz="504">
                 <a:solidFill>
                   <a:schemeClr val="tx1">
                     <a:tint val="75000"/>
@@ -962,9 +1045,9 @@
                 </a:solidFill>
               </a:defRPr>
             </a:lvl7pPr>
-            <a:lvl8pPr marL="3200400" indent="0">
+            <a:lvl8pPr marL="1007806" indent="0">
               <a:buNone/>
-              <a:defRPr sz="1600">
+              <a:defRPr sz="504">
                 <a:solidFill>
                   <a:schemeClr val="tx1">
                     <a:tint val="75000"/>
@@ -972,9 +1055,9 @@
                 </a:solidFill>
               </a:defRPr>
             </a:lvl8pPr>
-            <a:lvl9pPr marL="3657600" indent="0">
+            <a:lvl9pPr marL="1151778" indent="0">
               <a:buNone/>
-              <a:defRPr sz="1600">
+              <a:defRPr sz="504">
                 <a:solidFill>
                   <a:schemeClr val="tx1">
                     <a:tint val="75000"/>
@@ -987,14 +1070,14 @@
             <a:pPr lvl="0"/>
             <a:r>
               <a:rPr lang="pt-BR" smtClean="0"/>
-              <a:t>Clique para editar o texto mestre</a:t>
+              <a:t>Editar estilos de texto Mestre</a:t>
             </a:r>
           </a:p>
         </p:txBody>
       </p:sp>
       <p:sp>
         <p:nvSpPr>
-          <p:cNvPr id="4" name="Espaço Reservado para Data 3"/>
+          <p:cNvPr id="4" name="Date Placeholder 3"/>
           <p:cNvSpPr>
             <a:spLocks noGrp="1"/>
           </p:cNvSpPr>
@@ -1009,7 +1092,7 @@
           <a:p>
             <a:fld id="{DA50C470-CBEA-4477-97B8-97530BBE2C07}" type="datetimeFigureOut">
               <a:rPr lang="pt-BR" smtClean="0"/>
-              <a:t>17/04/2017</a:t>
+              <a:t>18/05/2017</a:t>
             </a:fld>
             <a:endParaRPr lang="pt-BR"/>
           </a:p>
@@ -1017,7 +1100,7 @@
       </p:sp>
       <p:sp>
         <p:nvSpPr>
-          <p:cNvPr id="5" name="Espaço Reservado para Rodapé 4"/>
+          <p:cNvPr id="5" name="Footer Placeholder 4"/>
           <p:cNvSpPr>
             <a:spLocks noGrp="1"/>
           </p:cNvSpPr>
@@ -1036,7 +1119,7 @@
       </p:sp>
       <p:sp>
         <p:nvSpPr>
-          <p:cNvPr id="6" name="Espaço Reservado para Número de Slide 5"/>
+          <p:cNvPr id="6" name="Slide Number Placeholder 5"/>
           <p:cNvSpPr>
             <a:spLocks noGrp="1"/>
           </p:cNvSpPr>
@@ -1060,7 +1143,7 @@
     </p:spTree>
     <p:extLst>
       <p:ext uri="{BB962C8B-B14F-4D97-AF65-F5344CB8AC3E}">
-        <p14:creationId xmlns:p14="http://schemas.microsoft.com/office/powerpoint/2010/main" val="914532301"/>
+        <p14:creationId xmlns:p14="http://schemas.microsoft.com/office/powerpoint/2010/main" val="2635551982"/>
       </p:ext>
     </p:extLst>
   </p:cSld>
@@ -1089,7 +1172,7 @@
       </p:grpSpPr>
       <p:sp>
         <p:nvSpPr>
-          <p:cNvPr id="2" name="Título 1"/>
+          <p:cNvPr id="2" name="Title 1"/>
           <p:cNvSpPr>
             <a:spLocks noGrp="1"/>
           </p:cNvSpPr>
@@ -1106,13 +1189,13 @@
               <a:rPr lang="pt-BR" smtClean="0"/>
               <a:t>Clique para editar o título mestre</a:t>
             </a:r>
-            <a:endParaRPr lang="pt-BR"/>
-          </a:p>
-        </p:txBody>
-      </p:sp>
-      <p:sp>
-        <p:nvSpPr>
-          <p:cNvPr id="3" name="Espaço Reservado para Conteúdo 2"/>
+            <a:endParaRPr lang="en-US" dirty="0"/>
+          </a:p>
+        </p:txBody>
+      </p:sp>
+      <p:sp>
+        <p:nvSpPr>
+          <p:cNvPr id="3" name="Content Placeholder 2"/>
           <p:cNvSpPr>
             <a:spLocks noGrp="1"/>
           </p:cNvSpPr>
@@ -1122,8 +1205,8 @@
         </p:nvSpPr>
         <p:spPr>
           <a:xfrm>
-            <a:off x="838200" y="1825625"/>
-            <a:ext cx="5181600" cy="4351338"/>
+            <a:off x="197981" y="1725046"/>
+            <a:ext cx="1223883" cy="4111612"/>
           </a:xfrm>
         </p:spPr>
         <p:txBody>
@@ -1133,7 +1216,7 @@
             <a:pPr lvl="0"/>
             <a:r>
               <a:rPr lang="pt-BR" smtClean="0"/>
-              <a:t>Clique para editar o texto mestre</a:t>
+              <a:t>Editar estilos de texto Mestre</a:t>
             </a:r>
           </a:p>
           <a:p>
@@ -1163,13 +1246,13 @@
               <a:rPr lang="pt-BR" smtClean="0"/>
               <a:t>Quinto nível</a:t>
             </a:r>
-            <a:endParaRPr lang="pt-BR"/>
-          </a:p>
-        </p:txBody>
-      </p:sp>
-      <p:sp>
-        <p:nvSpPr>
-          <p:cNvPr id="4" name="Espaço Reservado para Conteúdo 3"/>
+            <a:endParaRPr lang="en-US" dirty="0"/>
+          </a:p>
+        </p:txBody>
+      </p:sp>
+      <p:sp>
+        <p:nvSpPr>
+          <p:cNvPr id="4" name="Content Placeholder 3"/>
           <p:cNvSpPr>
             <a:spLocks noGrp="1"/>
           </p:cNvSpPr>
@@ -1179,8 +1262,8 @@
         </p:nvSpPr>
         <p:spPr>
           <a:xfrm>
-            <a:off x="6172200" y="1825625"/>
-            <a:ext cx="5181600" cy="4351338"/>
+            <a:off x="1457861" y="1725046"/>
+            <a:ext cx="1223883" cy="4111612"/>
           </a:xfrm>
         </p:spPr>
         <p:txBody>
@@ -1190,7 +1273,7 @@
             <a:pPr lvl="0"/>
             <a:r>
               <a:rPr lang="pt-BR" smtClean="0"/>
-              <a:t>Clique para editar o texto mestre</a:t>
+              <a:t>Editar estilos de texto Mestre</a:t>
             </a:r>
           </a:p>
           <a:p>
@@ -1220,13 +1303,13 @@
               <a:rPr lang="pt-BR" smtClean="0"/>
               <a:t>Quinto nível</a:t>
             </a:r>
-            <a:endParaRPr lang="pt-BR"/>
-          </a:p>
-        </p:txBody>
-      </p:sp>
-      <p:sp>
-        <p:nvSpPr>
-          <p:cNvPr id="5" name="Espaço Reservado para Data 4"/>
+            <a:endParaRPr lang="en-US" dirty="0"/>
+          </a:p>
+        </p:txBody>
+      </p:sp>
+      <p:sp>
+        <p:nvSpPr>
+          <p:cNvPr id="5" name="Date Placeholder 4"/>
           <p:cNvSpPr>
             <a:spLocks noGrp="1"/>
           </p:cNvSpPr>
@@ -1241,7 +1324,7 @@
           <a:p>
             <a:fld id="{DA50C470-CBEA-4477-97B8-97530BBE2C07}" type="datetimeFigureOut">
               <a:rPr lang="pt-BR" smtClean="0"/>
-              <a:t>17/04/2017</a:t>
+              <a:t>18/05/2017</a:t>
             </a:fld>
             <a:endParaRPr lang="pt-BR"/>
           </a:p>
@@ -1249,7 +1332,7 @@
       </p:sp>
       <p:sp>
         <p:nvSpPr>
-          <p:cNvPr id="6" name="Espaço Reservado para Rodapé 5"/>
+          <p:cNvPr id="6" name="Footer Placeholder 5"/>
           <p:cNvSpPr>
             <a:spLocks noGrp="1"/>
           </p:cNvSpPr>
@@ -1268,7 +1351,7 @@
       </p:sp>
       <p:sp>
         <p:nvSpPr>
-          <p:cNvPr id="7" name="Espaço Reservado para Número de Slide 6"/>
+          <p:cNvPr id="7" name="Slide Number Placeholder 6"/>
           <p:cNvSpPr>
             <a:spLocks noGrp="1"/>
           </p:cNvSpPr>
@@ -1292,7 +1375,7 @@
     </p:spTree>
     <p:extLst>
       <p:ext uri="{BB962C8B-B14F-4D97-AF65-F5344CB8AC3E}">
-        <p14:creationId xmlns:p14="http://schemas.microsoft.com/office/powerpoint/2010/main" val="862083162"/>
+        <p14:creationId xmlns:p14="http://schemas.microsoft.com/office/powerpoint/2010/main" val="3021241994"/>
       </p:ext>
     </p:extLst>
   </p:cSld>
@@ -1321,7 +1404,7 @@
       </p:grpSpPr>
       <p:sp>
         <p:nvSpPr>
-          <p:cNvPr id="2" name="Título 1"/>
+          <p:cNvPr id="2" name="Title 1"/>
           <p:cNvSpPr>
             <a:spLocks noGrp="1"/>
           </p:cNvSpPr>
@@ -1331,8 +1414,8 @@
         </p:nvSpPr>
         <p:spPr>
           <a:xfrm>
-            <a:off x="839788" y="365125"/>
-            <a:ext cx="10515600" cy="1325563"/>
+            <a:off x="198356" y="345011"/>
+            <a:ext cx="2483763" cy="1252534"/>
           </a:xfrm>
         </p:spPr>
         <p:txBody>
@@ -1343,13 +1426,13 @@
               <a:rPr lang="pt-BR" smtClean="0"/>
               <a:t>Clique para editar o título mestre</a:t>
             </a:r>
-            <a:endParaRPr lang="pt-BR"/>
-          </a:p>
-        </p:txBody>
-      </p:sp>
-      <p:sp>
-        <p:nvSpPr>
-          <p:cNvPr id="3" name="Espaço Reservado para Texto 2"/>
+            <a:endParaRPr lang="en-US" dirty="0"/>
+          </a:p>
+        </p:txBody>
+      </p:sp>
+      <p:sp>
+        <p:nvSpPr>
+          <p:cNvPr id="3" name="Text Placeholder 2"/>
           <p:cNvSpPr>
             <a:spLocks noGrp="1"/>
           </p:cNvSpPr>
@@ -1359,8 +1442,8 @@
         </p:nvSpPr>
         <p:spPr>
           <a:xfrm>
-            <a:off x="839788" y="1681163"/>
-            <a:ext cx="5157787" cy="823912"/>
+            <a:off x="198357" y="1588543"/>
+            <a:ext cx="1218258" cy="778521"/>
           </a:xfrm>
         </p:spPr>
         <p:txBody>
@@ -1368,53 +1451,53 @@
           <a:lstStyle>
             <a:lvl1pPr marL="0" indent="0">
               <a:buNone/>
-              <a:defRPr sz="2400" b="1"/>
+              <a:defRPr sz="756" b="1"/>
             </a:lvl1pPr>
-            <a:lvl2pPr marL="457200" indent="0">
+            <a:lvl2pPr marL="143972" indent="0">
               <a:buNone/>
-              <a:defRPr sz="2000" b="1"/>
+              <a:defRPr sz="630" b="1"/>
             </a:lvl2pPr>
-            <a:lvl3pPr marL="914400" indent="0">
+            <a:lvl3pPr marL="287945" indent="0">
               <a:buNone/>
-              <a:defRPr sz="1800" b="1"/>
+              <a:defRPr sz="567" b="1"/>
             </a:lvl3pPr>
-            <a:lvl4pPr marL="1371600" indent="0">
+            <a:lvl4pPr marL="431917" indent="0">
               <a:buNone/>
-              <a:defRPr sz="1600" b="1"/>
+              <a:defRPr sz="504" b="1"/>
             </a:lvl4pPr>
-            <a:lvl5pPr marL="1828800" indent="0">
+            <a:lvl5pPr marL="575889" indent="0">
               <a:buNone/>
-              <a:defRPr sz="1600" b="1"/>
+              <a:defRPr sz="504" b="1"/>
             </a:lvl5pPr>
-            <a:lvl6pPr marL="2286000" indent="0">
+            <a:lvl6pPr marL="719861" indent="0">
               <a:buNone/>
-              <a:defRPr sz="1600" b="1"/>
+              <a:defRPr sz="504" b="1"/>
             </a:lvl6pPr>
-            <a:lvl7pPr marL="2743200" indent="0">
+            <a:lvl7pPr marL="863834" indent="0">
               <a:buNone/>
-              <a:defRPr sz="1600" b="1"/>
+              <a:defRPr sz="504" b="1"/>
             </a:lvl7pPr>
-            <a:lvl8pPr marL="3200400" indent="0">
+            <a:lvl8pPr marL="1007806" indent="0">
               <a:buNone/>
-              <a:defRPr sz="1600" b="1"/>
+              <a:defRPr sz="504" b="1"/>
             </a:lvl8pPr>
-            <a:lvl9pPr marL="3657600" indent="0">
+            <a:lvl9pPr marL="1151778" indent="0">
               <a:buNone/>
-              <a:defRPr sz="1600" b="1"/>
+              <a:defRPr sz="504" b="1"/>
             </a:lvl9pPr>
           </a:lstStyle>
           <a:p>
             <a:pPr lvl="0"/>
             <a:r>
               <a:rPr lang="pt-BR" smtClean="0"/>
-              <a:t>Clique para editar o texto mestre</a:t>
+              <a:t>Editar estilos de texto Mestre</a:t>
             </a:r>
           </a:p>
         </p:txBody>
       </p:sp>
       <p:sp>
         <p:nvSpPr>
-          <p:cNvPr id="4" name="Espaço Reservado para Conteúdo 3"/>
+          <p:cNvPr id="4" name="Content Placeholder 3"/>
           <p:cNvSpPr>
             <a:spLocks noGrp="1"/>
           </p:cNvSpPr>
@@ -1424,8 +1507,8 @@
         </p:nvSpPr>
         <p:spPr>
           <a:xfrm>
-            <a:off x="839788" y="2505075"/>
-            <a:ext cx="5157787" cy="3684588"/>
+            <a:off x="198357" y="2367064"/>
+            <a:ext cx="1218258" cy="3481594"/>
           </a:xfrm>
         </p:spPr>
         <p:txBody>
@@ -1435,7 +1518,7 @@
             <a:pPr lvl="0"/>
             <a:r>
               <a:rPr lang="pt-BR" smtClean="0"/>
-              <a:t>Clique para editar o texto mestre</a:t>
+              <a:t>Editar estilos de texto Mestre</a:t>
             </a:r>
           </a:p>
           <a:p>
@@ -1465,13 +1548,13 @@
               <a:rPr lang="pt-BR" smtClean="0"/>
               <a:t>Quinto nível</a:t>
             </a:r>
-            <a:endParaRPr lang="pt-BR"/>
-          </a:p>
-        </p:txBody>
-      </p:sp>
-      <p:sp>
-        <p:nvSpPr>
-          <p:cNvPr id="5" name="Espaço Reservado para Texto 4"/>
+            <a:endParaRPr lang="en-US" dirty="0"/>
+          </a:p>
+        </p:txBody>
+      </p:sp>
+      <p:sp>
+        <p:nvSpPr>
+          <p:cNvPr id="5" name="Text Placeholder 4"/>
           <p:cNvSpPr>
             <a:spLocks noGrp="1"/>
           </p:cNvSpPr>
@@ -1481,8 +1564,8 @@
         </p:nvSpPr>
         <p:spPr>
           <a:xfrm>
-            <a:off x="6172200" y="1681163"/>
-            <a:ext cx="5183188" cy="823912"/>
+            <a:off x="1457861" y="1588543"/>
+            <a:ext cx="1224258" cy="778521"/>
           </a:xfrm>
         </p:spPr>
         <p:txBody>
@@ -1490,53 +1573,53 @@
           <a:lstStyle>
             <a:lvl1pPr marL="0" indent="0">
               <a:buNone/>
-              <a:defRPr sz="2400" b="1"/>
+              <a:defRPr sz="756" b="1"/>
             </a:lvl1pPr>
-            <a:lvl2pPr marL="457200" indent="0">
+            <a:lvl2pPr marL="143972" indent="0">
               <a:buNone/>
-              <a:defRPr sz="2000" b="1"/>
+              <a:defRPr sz="630" b="1"/>
             </a:lvl2pPr>
-            <a:lvl3pPr marL="914400" indent="0">
+            <a:lvl3pPr marL="287945" indent="0">
               <a:buNone/>
-              <a:defRPr sz="1800" b="1"/>
+              <a:defRPr sz="567" b="1"/>
             </a:lvl3pPr>
-            <a:lvl4pPr marL="1371600" indent="0">
+            <a:lvl4pPr marL="431917" indent="0">
               <a:buNone/>
-              <a:defRPr sz="1600" b="1"/>
+              <a:defRPr sz="504" b="1"/>
             </a:lvl4pPr>
-            <a:lvl5pPr marL="1828800" indent="0">
+            <a:lvl5pPr marL="575889" indent="0">
               <a:buNone/>
-              <a:defRPr sz="1600" b="1"/>
+              <a:defRPr sz="504" b="1"/>
             </a:lvl5pPr>
-            <a:lvl6pPr marL="2286000" indent="0">
+            <a:lvl6pPr marL="719861" indent="0">
               <a:buNone/>
-              <a:defRPr sz="1600" b="1"/>
+              <a:defRPr sz="504" b="1"/>
             </a:lvl6pPr>
-            <a:lvl7pPr marL="2743200" indent="0">
+            <a:lvl7pPr marL="863834" indent="0">
               <a:buNone/>
-              <a:defRPr sz="1600" b="1"/>
+              <a:defRPr sz="504" b="1"/>
             </a:lvl7pPr>
-            <a:lvl8pPr marL="3200400" indent="0">
+            <a:lvl8pPr marL="1007806" indent="0">
               <a:buNone/>
-              <a:defRPr sz="1600" b="1"/>
+              <a:defRPr sz="504" b="1"/>
             </a:lvl8pPr>
-            <a:lvl9pPr marL="3657600" indent="0">
+            <a:lvl9pPr marL="1151778" indent="0">
               <a:buNone/>
-              <a:defRPr sz="1600" b="1"/>
+              <a:defRPr sz="504" b="1"/>
             </a:lvl9pPr>
           </a:lstStyle>
           <a:p>
             <a:pPr lvl="0"/>
             <a:r>
               <a:rPr lang="pt-BR" smtClean="0"/>
-              <a:t>Clique para editar o texto mestre</a:t>
+              <a:t>Editar estilos de texto Mestre</a:t>
             </a:r>
           </a:p>
         </p:txBody>
       </p:sp>
       <p:sp>
         <p:nvSpPr>
-          <p:cNvPr id="6" name="Espaço Reservado para Conteúdo 5"/>
+          <p:cNvPr id="6" name="Content Placeholder 5"/>
           <p:cNvSpPr>
             <a:spLocks noGrp="1"/>
           </p:cNvSpPr>
@@ -1546,8 +1629,8 @@
         </p:nvSpPr>
         <p:spPr>
           <a:xfrm>
-            <a:off x="6172200" y="2505075"/>
-            <a:ext cx="5183188" cy="3684588"/>
+            <a:off x="1457861" y="2367064"/>
+            <a:ext cx="1224258" cy="3481594"/>
           </a:xfrm>
         </p:spPr>
         <p:txBody>
@@ -1557,7 +1640,7 @@
             <a:pPr lvl="0"/>
             <a:r>
               <a:rPr lang="pt-BR" smtClean="0"/>
-              <a:t>Clique para editar o texto mestre</a:t>
+              <a:t>Editar estilos de texto Mestre</a:t>
             </a:r>
           </a:p>
           <a:p>
@@ -1587,13 +1670,13 @@
               <a:rPr lang="pt-BR" smtClean="0"/>
               <a:t>Quinto nível</a:t>
             </a:r>
-            <a:endParaRPr lang="pt-BR"/>
-          </a:p>
-        </p:txBody>
-      </p:sp>
-      <p:sp>
-        <p:nvSpPr>
-          <p:cNvPr id="7" name="Espaço Reservado para Data 6"/>
+            <a:endParaRPr lang="en-US" dirty="0"/>
+          </a:p>
+        </p:txBody>
+      </p:sp>
+      <p:sp>
+        <p:nvSpPr>
+          <p:cNvPr id="7" name="Date Placeholder 6"/>
           <p:cNvSpPr>
             <a:spLocks noGrp="1"/>
           </p:cNvSpPr>
@@ -1608,7 +1691,7 @@
           <a:p>
             <a:fld id="{DA50C470-CBEA-4477-97B8-97530BBE2C07}" type="datetimeFigureOut">
               <a:rPr lang="pt-BR" smtClean="0"/>
-              <a:t>17/04/2017</a:t>
+              <a:t>18/05/2017</a:t>
             </a:fld>
             <a:endParaRPr lang="pt-BR"/>
           </a:p>
@@ -1616,7 +1699,7 @@
       </p:sp>
       <p:sp>
         <p:nvSpPr>
-          <p:cNvPr id="8" name="Espaço Reservado para Rodapé 7"/>
+          <p:cNvPr id="8" name="Footer Placeholder 7"/>
           <p:cNvSpPr>
             <a:spLocks noGrp="1"/>
           </p:cNvSpPr>
@@ -1635,7 +1718,7 @@
       </p:sp>
       <p:sp>
         <p:nvSpPr>
-          <p:cNvPr id="9" name="Espaço Reservado para Número de Slide 8"/>
+          <p:cNvPr id="9" name="Slide Number Placeholder 8"/>
           <p:cNvSpPr>
             <a:spLocks noGrp="1"/>
           </p:cNvSpPr>
@@ -1659,7 +1742,7 @@
     </p:spTree>
     <p:extLst>
       <p:ext uri="{BB962C8B-B14F-4D97-AF65-F5344CB8AC3E}">
-        <p14:creationId xmlns:p14="http://schemas.microsoft.com/office/powerpoint/2010/main" val="673005180"/>
+        <p14:creationId xmlns:p14="http://schemas.microsoft.com/office/powerpoint/2010/main" val="2041867923"/>
       </p:ext>
     </p:extLst>
   </p:cSld>
@@ -1671,7 +1754,7 @@
 
 <file path=ppt/slideLayouts/slideLayout6.xml><?xml version="1.0" encoding="utf-8"?>
 <p:sldLayout xmlns:a="http://schemas.openxmlformats.org/drawingml/2006/main" xmlns:r="http://schemas.openxmlformats.org/officeDocument/2006/relationships" xmlns:p="http://schemas.openxmlformats.org/presentationml/2006/main" type="titleOnly" preserve="1">
-  <p:cSld name="Somente título">
+  <p:cSld name="Somente Título">
     <p:spTree>
       <p:nvGrpSpPr>
         <p:cNvPr id="1" name=""/>
@@ -1688,7 +1771,7 @@
       </p:grpSpPr>
       <p:sp>
         <p:nvSpPr>
-          <p:cNvPr id="2" name="Título 1"/>
+          <p:cNvPr id="2" name="Title 1"/>
           <p:cNvSpPr>
             <a:spLocks noGrp="1"/>
           </p:cNvSpPr>
@@ -1705,13 +1788,13 @@
               <a:rPr lang="pt-BR" smtClean="0"/>
               <a:t>Clique para editar o título mestre</a:t>
             </a:r>
-            <a:endParaRPr lang="pt-BR"/>
-          </a:p>
-        </p:txBody>
-      </p:sp>
-      <p:sp>
-        <p:nvSpPr>
-          <p:cNvPr id="3" name="Espaço Reservado para Data 2"/>
+            <a:endParaRPr lang="en-US" dirty="0"/>
+          </a:p>
+        </p:txBody>
+      </p:sp>
+      <p:sp>
+        <p:nvSpPr>
+          <p:cNvPr id="3" name="Date Placeholder 2"/>
           <p:cNvSpPr>
             <a:spLocks noGrp="1"/>
           </p:cNvSpPr>
@@ -1726,7 +1809,7 @@
           <a:p>
             <a:fld id="{DA50C470-CBEA-4477-97B8-97530BBE2C07}" type="datetimeFigureOut">
               <a:rPr lang="pt-BR" smtClean="0"/>
-              <a:t>17/04/2017</a:t>
+              <a:t>18/05/2017</a:t>
             </a:fld>
             <a:endParaRPr lang="pt-BR"/>
           </a:p>
@@ -1734,7 +1817,7 @@
       </p:sp>
       <p:sp>
         <p:nvSpPr>
-          <p:cNvPr id="4" name="Espaço Reservado para Rodapé 3"/>
+          <p:cNvPr id="4" name="Footer Placeholder 3"/>
           <p:cNvSpPr>
             <a:spLocks noGrp="1"/>
           </p:cNvSpPr>
@@ -1753,7 +1836,7 @@
       </p:sp>
       <p:sp>
         <p:nvSpPr>
-          <p:cNvPr id="5" name="Espaço Reservado para Número de Slide 4"/>
+          <p:cNvPr id="5" name="Slide Number Placeholder 4"/>
           <p:cNvSpPr>
             <a:spLocks noGrp="1"/>
           </p:cNvSpPr>
@@ -1777,7 +1860,7 @@
     </p:spTree>
     <p:extLst>
       <p:ext uri="{BB962C8B-B14F-4D97-AF65-F5344CB8AC3E}">
-        <p14:creationId xmlns:p14="http://schemas.microsoft.com/office/powerpoint/2010/main" val="121177446"/>
+        <p14:creationId xmlns:p14="http://schemas.microsoft.com/office/powerpoint/2010/main" val="1731856642"/>
       </p:ext>
     </p:extLst>
   </p:cSld>
@@ -1806,7 +1889,7 @@
       </p:grpSpPr>
       <p:sp>
         <p:nvSpPr>
-          <p:cNvPr id="2" name="Espaço Reservado para Data 1"/>
+          <p:cNvPr id="2" name="Date Placeholder 1"/>
           <p:cNvSpPr>
             <a:spLocks noGrp="1"/>
           </p:cNvSpPr>
@@ -1821,7 +1904,7 @@
           <a:p>
             <a:fld id="{DA50C470-CBEA-4477-97B8-97530BBE2C07}" type="datetimeFigureOut">
               <a:rPr lang="pt-BR" smtClean="0"/>
-              <a:t>17/04/2017</a:t>
+              <a:t>18/05/2017</a:t>
             </a:fld>
             <a:endParaRPr lang="pt-BR"/>
           </a:p>
@@ -1829,7 +1912,7 @@
       </p:sp>
       <p:sp>
         <p:nvSpPr>
-          <p:cNvPr id="3" name="Espaço Reservado para Rodapé 2"/>
+          <p:cNvPr id="3" name="Footer Placeholder 2"/>
           <p:cNvSpPr>
             <a:spLocks noGrp="1"/>
           </p:cNvSpPr>
@@ -1848,7 +1931,7 @@
       </p:sp>
       <p:sp>
         <p:nvSpPr>
-          <p:cNvPr id="4" name="Espaço Reservado para Número de Slide 3"/>
+          <p:cNvPr id="4" name="Slide Number Placeholder 3"/>
           <p:cNvSpPr>
             <a:spLocks noGrp="1"/>
           </p:cNvSpPr>
@@ -1872,7 +1955,7 @@
     </p:spTree>
     <p:extLst>
       <p:ext uri="{BB962C8B-B14F-4D97-AF65-F5344CB8AC3E}">
-        <p14:creationId xmlns:p14="http://schemas.microsoft.com/office/powerpoint/2010/main" val="3537579289"/>
+        <p14:creationId xmlns:p14="http://schemas.microsoft.com/office/powerpoint/2010/main" val="4014337437"/>
       </p:ext>
     </p:extLst>
   </p:cSld>
@@ -1901,7 +1984,7 @@
       </p:grpSpPr>
       <p:sp>
         <p:nvSpPr>
-          <p:cNvPr id="2" name="Título 1"/>
+          <p:cNvPr id="2" name="Title 1"/>
           <p:cNvSpPr>
             <a:spLocks noGrp="1"/>
           </p:cNvSpPr>
@@ -1911,15 +1994,15 @@
         </p:nvSpPr>
         <p:spPr>
           <a:xfrm>
-            <a:off x="839788" y="457200"/>
-            <a:ext cx="3932237" cy="1600200"/>
+            <a:off x="198356" y="432012"/>
+            <a:ext cx="928786" cy="1512041"/>
           </a:xfrm>
         </p:spPr>
         <p:txBody>
           <a:bodyPr anchor="b"/>
           <a:lstStyle>
             <a:lvl1pPr>
-              <a:defRPr sz="3200"/>
+              <a:defRPr sz="1008"/>
             </a:lvl1pPr>
           </a:lstStyle>
           <a:p>
@@ -1927,13 +2010,13 @@
               <a:rPr lang="pt-BR" smtClean="0"/>
               <a:t>Clique para editar o título mestre</a:t>
             </a:r>
-            <a:endParaRPr lang="pt-BR"/>
-          </a:p>
-        </p:txBody>
-      </p:sp>
-      <p:sp>
-        <p:nvSpPr>
-          <p:cNvPr id="3" name="Espaço Reservado para Conteúdo 2"/>
+            <a:endParaRPr lang="en-US" dirty="0"/>
+          </a:p>
+        </p:txBody>
+      </p:sp>
+      <p:sp>
+        <p:nvSpPr>
+          <p:cNvPr id="3" name="Content Placeholder 2"/>
           <p:cNvSpPr>
             <a:spLocks noGrp="1"/>
           </p:cNvSpPr>
@@ -1943,46 +2026,46 @@
         </p:nvSpPr>
         <p:spPr>
           <a:xfrm>
-            <a:off x="5183188" y="987425"/>
-            <a:ext cx="6172200" cy="4873625"/>
+            <a:off x="1224258" y="933027"/>
+            <a:ext cx="1457861" cy="4605124"/>
           </a:xfrm>
         </p:spPr>
         <p:txBody>
           <a:bodyPr/>
           <a:lstStyle>
             <a:lvl1pPr>
-              <a:defRPr sz="3200"/>
+              <a:defRPr sz="1008"/>
             </a:lvl1pPr>
             <a:lvl2pPr>
-              <a:defRPr sz="2800"/>
+              <a:defRPr sz="882"/>
             </a:lvl2pPr>
             <a:lvl3pPr>
-              <a:defRPr sz="2400"/>
+              <a:defRPr sz="756"/>
             </a:lvl3pPr>
             <a:lvl4pPr>
-              <a:defRPr sz="2000"/>
+              <a:defRPr sz="630"/>
             </a:lvl4pPr>
             <a:lvl5pPr>
-              <a:defRPr sz="2000"/>
+              <a:defRPr sz="630"/>
             </a:lvl5pPr>
             <a:lvl6pPr>
-              <a:defRPr sz="2000"/>
+              <a:defRPr sz="630"/>
             </a:lvl6pPr>
             <a:lvl7pPr>
-              <a:defRPr sz="2000"/>
+              <a:defRPr sz="630"/>
             </a:lvl7pPr>
             <a:lvl8pPr>
-              <a:defRPr sz="2000"/>
+              <a:defRPr sz="630"/>
             </a:lvl8pPr>
             <a:lvl9pPr>
-              <a:defRPr sz="2000"/>
+              <a:defRPr sz="630"/>
             </a:lvl9pPr>
           </a:lstStyle>
           <a:p>
             <a:pPr lvl="0"/>
             <a:r>
               <a:rPr lang="pt-BR" smtClean="0"/>
-              <a:t>Clique para editar o texto mestre</a:t>
+              <a:t>Editar estilos de texto Mestre</a:t>
             </a:r>
           </a:p>
           <a:p>
@@ -2012,13 +2095,13 @@
               <a:rPr lang="pt-BR" smtClean="0"/>
               <a:t>Quinto nível</a:t>
             </a:r>
-            <a:endParaRPr lang="pt-BR"/>
-          </a:p>
-        </p:txBody>
-      </p:sp>
-      <p:sp>
-        <p:nvSpPr>
-          <p:cNvPr id="4" name="Espaço Reservado para Texto 3"/>
+            <a:endParaRPr lang="en-US" dirty="0"/>
+          </a:p>
+        </p:txBody>
+      </p:sp>
+      <p:sp>
+        <p:nvSpPr>
+          <p:cNvPr id="4" name="Text Placeholder 3"/>
           <p:cNvSpPr>
             <a:spLocks noGrp="1"/>
           </p:cNvSpPr>
@@ -2028,8 +2111,8 @@
         </p:nvSpPr>
         <p:spPr>
           <a:xfrm>
-            <a:off x="839788" y="2057400"/>
-            <a:ext cx="3932237" cy="3811588"/>
+            <a:off x="198356" y="1944052"/>
+            <a:ext cx="928786" cy="3601598"/>
           </a:xfrm>
         </p:spPr>
         <p:txBody>
@@ -2037,53 +2120,53 @@
           <a:lstStyle>
             <a:lvl1pPr marL="0" indent="0">
               <a:buNone/>
-              <a:defRPr sz="1600"/>
+              <a:defRPr sz="504"/>
             </a:lvl1pPr>
-            <a:lvl2pPr marL="457200" indent="0">
+            <a:lvl2pPr marL="143972" indent="0">
               <a:buNone/>
-              <a:defRPr sz="1400"/>
+              <a:defRPr sz="441"/>
             </a:lvl2pPr>
-            <a:lvl3pPr marL="914400" indent="0">
+            <a:lvl3pPr marL="287945" indent="0">
               <a:buNone/>
-              <a:defRPr sz="1200"/>
+              <a:defRPr sz="378"/>
             </a:lvl3pPr>
-            <a:lvl4pPr marL="1371600" indent="0">
+            <a:lvl4pPr marL="431917" indent="0">
               <a:buNone/>
-              <a:defRPr sz="1000"/>
+              <a:defRPr sz="315"/>
             </a:lvl4pPr>
-            <a:lvl5pPr marL="1828800" indent="0">
+            <a:lvl5pPr marL="575889" indent="0">
               <a:buNone/>
-              <a:defRPr sz="1000"/>
+              <a:defRPr sz="315"/>
             </a:lvl5pPr>
-            <a:lvl6pPr marL="2286000" indent="0">
+            <a:lvl6pPr marL="719861" indent="0">
               <a:buNone/>
-              <a:defRPr sz="1000"/>
+              <a:defRPr sz="315"/>
             </a:lvl6pPr>
-            <a:lvl7pPr marL="2743200" indent="0">
+            <a:lvl7pPr marL="863834" indent="0">
               <a:buNone/>
-              <a:defRPr sz="1000"/>
+              <a:defRPr sz="315"/>
             </a:lvl7pPr>
-            <a:lvl8pPr marL="3200400" indent="0">
+            <a:lvl8pPr marL="1007806" indent="0">
               <a:buNone/>
-              <a:defRPr sz="1000"/>
+              <a:defRPr sz="315"/>
             </a:lvl8pPr>
-            <a:lvl9pPr marL="3657600" indent="0">
+            <a:lvl9pPr marL="1151778" indent="0">
               <a:buNone/>
-              <a:defRPr sz="1000"/>
+              <a:defRPr sz="315"/>
             </a:lvl9pPr>
           </a:lstStyle>
           <a:p>
             <a:pPr lvl="0"/>
             <a:r>
               <a:rPr lang="pt-BR" smtClean="0"/>
-              <a:t>Clique para editar o texto mestre</a:t>
+              <a:t>Editar estilos de texto Mestre</a:t>
             </a:r>
           </a:p>
         </p:txBody>
       </p:sp>
       <p:sp>
         <p:nvSpPr>
-          <p:cNvPr id="5" name="Espaço Reservado para Data 4"/>
+          <p:cNvPr id="5" name="Date Placeholder 4"/>
           <p:cNvSpPr>
             <a:spLocks noGrp="1"/>
           </p:cNvSpPr>
@@ -2098,7 +2181,7 @@
           <a:p>
             <a:fld id="{DA50C470-CBEA-4477-97B8-97530BBE2C07}" type="datetimeFigureOut">
               <a:rPr lang="pt-BR" smtClean="0"/>
-              <a:t>17/04/2017</a:t>
+              <a:t>18/05/2017</a:t>
             </a:fld>
             <a:endParaRPr lang="pt-BR"/>
           </a:p>
@@ -2106,7 +2189,7 @@
       </p:sp>
       <p:sp>
         <p:nvSpPr>
-          <p:cNvPr id="6" name="Espaço Reservado para Rodapé 5"/>
+          <p:cNvPr id="6" name="Footer Placeholder 5"/>
           <p:cNvSpPr>
             <a:spLocks noGrp="1"/>
           </p:cNvSpPr>
@@ -2125,7 +2208,7 @@
       </p:sp>
       <p:sp>
         <p:nvSpPr>
-          <p:cNvPr id="7" name="Espaço Reservado para Número de Slide 6"/>
+          <p:cNvPr id="7" name="Slide Number Placeholder 6"/>
           <p:cNvSpPr>
             <a:spLocks noGrp="1"/>
           </p:cNvSpPr>
@@ -2149,7 +2232,7 @@
     </p:spTree>
     <p:extLst>
       <p:ext uri="{BB962C8B-B14F-4D97-AF65-F5344CB8AC3E}">
-        <p14:creationId xmlns:p14="http://schemas.microsoft.com/office/powerpoint/2010/main" val="3402611249"/>
+        <p14:creationId xmlns:p14="http://schemas.microsoft.com/office/powerpoint/2010/main" val="1973450974"/>
       </p:ext>
     </p:extLst>
   </p:cSld>
@@ -2178,7 +2261,7 @@
       </p:grpSpPr>
       <p:sp>
         <p:nvSpPr>
-          <p:cNvPr id="2" name="Título 1"/>
+          <p:cNvPr id="2" name="Title 1"/>
           <p:cNvSpPr>
             <a:spLocks noGrp="1"/>
           </p:cNvSpPr>
@@ -2188,15 +2271,15 @@
         </p:nvSpPr>
         <p:spPr>
           <a:xfrm>
-            <a:off x="839788" y="457200"/>
-            <a:ext cx="3932237" cy="1600200"/>
+            <a:off x="198356" y="432012"/>
+            <a:ext cx="928786" cy="1512041"/>
           </a:xfrm>
         </p:spPr>
         <p:txBody>
           <a:bodyPr anchor="b"/>
           <a:lstStyle>
             <a:lvl1pPr>
-              <a:defRPr sz="3200"/>
+              <a:defRPr sz="1008"/>
             </a:lvl1pPr>
           </a:lstStyle>
           <a:p>
@@ -2204,15 +2287,15 @@
               <a:rPr lang="pt-BR" smtClean="0"/>
               <a:t>Clique para editar o título mestre</a:t>
             </a:r>
-            <a:endParaRPr lang="pt-BR"/>
-          </a:p>
-        </p:txBody>
-      </p:sp>
-      <p:sp>
-        <p:nvSpPr>
-          <p:cNvPr id="3" name="Espaço Reservado para Imagem 2"/>
+            <a:endParaRPr lang="en-US" dirty="0"/>
+          </a:p>
+        </p:txBody>
+      </p:sp>
+      <p:sp>
+        <p:nvSpPr>
+          <p:cNvPr id="3" name="Picture Placeholder 2"/>
           <p:cNvSpPr>
-            <a:spLocks noGrp="1"/>
+            <a:spLocks noGrp="1" noChangeAspect="1"/>
           </p:cNvSpPr>
           <p:nvPr>
             <p:ph type="pic" idx="1"/>
@@ -2220,58 +2303,62 @@
         </p:nvSpPr>
         <p:spPr>
           <a:xfrm>
-            <a:off x="5183188" y="987425"/>
-            <a:ext cx="6172200" cy="4873625"/>
-          </a:xfrm>
-        </p:spPr>
-        <p:txBody>
-          <a:bodyPr/>
+            <a:off x="1224258" y="933027"/>
+            <a:ext cx="1457861" cy="4605124"/>
+          </a:xfrm>
+        </p:spPr>
+        <p:txBody>
+          <a:bodyPr anchor="t"/>
           <a:lstStyle>
             <a:lvl1pPr marL="0" indent="0">
               <a:buNone/>
-              <a:defRPr sz="3200"/>
+              <a:defRPr sz="1008"/>
             </a:lvl1pPr>
-            <a:lvl2pPr marL="457200" indent="0">
+            <a:lvl2pPr marL="143972" indent="0">
               <a:buNone/>
-              <a:defRPr sz="2800"/>
+              <a:defRPr sz="882"/>
             </a:lvl2pPr>
-            <a:lvl3pPr marL="914400" indent="0">
+            <a:lvl3pPr marL="287945" indent="0">
               <a:buNone/>
-              <a:defRPr sz="2400"/>
+              <a:defRPr sz="756"/>
             </a:lvl3pPr>
-            <a:lvl4pPr marL="1371600" indent="0">
+            <a:lvl4pPr marL="431917" indent="0">
               <a:buNone/>
-              <a:defRPr sz="2000"/>
+              <a:defRPr sz="630"/>
             </a:lvl4pPr>
-            <a:lvl5pPr marL="1828800" indent="0">
+            <a:lvl5pPr marL="575889" indent="0">
               <a:buNone/>
-              <a:defRPr sz="2000"/>
+              <a:defRPr sz="630"/>
             </a:lvl5pPr>
-            <a:lvl6pPr marL="2286000" indent="0">
+            <a:lvl6pPr marL="719861" indent="0">
               <a:buNone/>
-              <a:defRPr sz="2000"/>
+              <a:defRPr sz="630"/>
             </a:lvl6pPr>
-            <a:lvl7pPr marL="2743200" indent="0">
+            <a:lvl7pPr marL="863834" indent="0">
               <a:buNone/>
-              <a:defRPr sz="2000"/>
+              <a:defRPr sz="630"/>
             </a:lvl7pPr>
-            <a:lvl8pPr marL="3200400" indent="0">
+            <a:lvl8pPr marL="1007806" indent="0">
               <a:buNone/>
-              <a:defRPr sz="2000"/>
+              <a:defRPr sz="630"/>
             </a:lvl8pPr>
-            <a:lvl9pPr marL="3657600" indent="0">
+            <a:lvl9pPr marL="1151778" indent="0">
               <a:buNone/>
-              <a:defRPr sz="2000"/>
+              <a:defRPr sz="630"/>
             </a:lvl9pPr>
           </a:lstStyle>
           <a:p>
-            <a:endParaRPr lang="pt-BR"/>
-          </a:p>
-        </p:txBody>
-      </p:sp>
-      <p:sp>
-        <p:nvSpPr>
-          <p:cNvPr id="4" name="Espaço Reservado para Texto 3"/>
+            <a:r>
+              <a:rPr lang="pt-BR" smtClean="0"/>
+              <a:t>Clique no ícone para adicionar uma imagem</a:t>
+            </a:r>
+            <a:endParaRPr lang="en-US" dirty="0"/>
+          </a:p>
+        </p:txBody>
+      </p:sp>
+      <p:sp>
+        <p:nvSpPr>
+          <p:cNvPr id="4" name="Text Placeholder 3"/>
           <p:cNvSpPr>
             <a:spLocks noGrp="1"/>
           </p:cNvSpPr>
@@ -2281,8 +2368,8 @@
         </p:nvSpPr>
         <p:spPr>
           <a:xfrm>
-            <a:off x="839788" y="2057400"/>
-            <a:ext cx="3932237" cy="3811588"/>
+            <a:off x="198356" y="1944052"/>
+            <a:ext cx="928786" cy="3601598"/>
           </a:xfrm>
         </p:spPr>
         <p:txBody>
@@ -2290,53 +2377,53 @@
           <a:lstStyle>
             <a:lvl1pPr marL="0" indent="0">
               <a:buNone/>
-              <a:defRPr sz="1600"/>
+              <a:defRPr sz="504"/>
             </a:lvl1pPr>
-            <a:lvl2pPr marL="457200" indent="0">
+            <a:lvl2pPr marL="143972" indent="0">
               <a:buNone/>
-              <a:defRPr sz="1400"/>
+              <a:defRPr sz="441"/>
             </a:lvl2pPr>
-            <a:lvl3pPr marL="914400" indent="0">
+            <a:lvl3pPr marL="287945" indent="0">
               <a:buNone/>
-              <a:defRPr sz="1200"/>
+              <a:defRPr sz="378"/>
             </a:lvl3pPr>
-            <a:lvl4pPr marL="1371600" indent="0">
+            <a:lvl4pPr marL="431917" indent="0">
               <a:buNone/>
-              <a:defRPr sz="1000"/>
+              <a:defRPr sz="315"/>
             </a:lvl4pPr>
-            <a:lvl5pPr marL="1828800" indent="0">
+            <a:lvl5pPr marL="575889" indent="0">
               <a:buNone/>
-              <a:defRPr sz="1000"/>
+              <a:defRPr sz="315"/>
             </a:lvl5pPr>
-            <a:lvl6pPr marL="2286000" indent="0">
+            <a:lvl6pPr marL="719861" indent="0">
               <a:buNone/>
-              <a:defRPr sz="1000"/>
+              <a:defRPr sz="315"/>
             </a:lvl6pPr>
-            <a:lvl7pPr marL="2743200" indent="0">
+            <a:lvl7pPr marL="863834" indent="0">
               <a:buNone/>
-              <a:defRPr sz="1000"/>
+              <a:defRPr sz="315"/>
             </a:lvl7pPr>
-            <a:lvl8pPr marL="3200400" indent="0">
+            <a:lvl8pPr marL="1007806" indent="0">
               <a:buNone/>
-              <a:defRPr sz="1000"/>
+              <a:defRPr sz="315"/>
             </a:lvl8pPr>
-            <a:lvl9pPr marL="3657600" indent="0">
+            <a:lvl9pPr marL="1151778" indent="0">
               <a:buNone/>
-              <a:defRPr sz="1000"/>
+              <a:defRPr sz="315"/>
             </a:lvl9pPr>
           </a:lstStyle>
           <a:p>
             <a:pPr lvl="0"/>
             <a:r>
               <a:rPr lang="pt-BR" smtClean="0"/>
-              <a:t>Clique para editar o texto mestre</a:t>
+              <a:t>Editar estilos de texto Mestre</a:t>
             </a:r>
           </a:p>
         </p:txBody>
       </p:sp>
       <p:sp>
         <p:nvSpPr>
-          <p:cNvPr id="5" name="Espaço Reservado para Data 4"/>
+          <p:cNvPr id="5" name="Date Placeholder 4"/>
           <p:cNvSpPr>
             <a:spLocks noGrp="1"/>
           </p:cNvSpPr>
@@ -2351,7 +2438,7 @@
           <a:p>
             <a:fld id="{DA50C470-CBEA-4477-97B8-97530BBE2C07}" type="datetimeFigureOut">
               <a:rPr lang="pt-BR" smtClean="0"/>
-              <a:t>17/04/2017</a:t>
+              <a:t>18/05/2017</a:t>
             </a:fld>
             <a:endParaRPr lang="pt-BR"/>
           </a:p>
@@ -2359,7 +2446,7 @@
       </p:sp>
       <p:sp>
         <p:nvSpPr>
-          <p:cNvPr id="6" name="Espaço Reservado para Rodapé 5"/>
+          <p:cNvPr id="6" name="Footer Placeholder 5"/>
           <p:cNvSpPr>
             <a:spLocks noGrp="1"/>
           </p:cNvSpPr>
@@ -2378,7 +2465,7 @@
       </p:sp>
       <p:sp>
         <p:nvSpPr>
-          <p:cNvPr id="7" name="Espaço Reservado para Número de Slide 6"/>
+          <p:cNvPr id="7" name="Slide Number Placeholder 6"/>
           <p:cNvSpPr>
             <a:spLocks noGrp="1"/>
           </p:cNvSpPr>
@@ -2402,7 +2489,7 @@
     </p:spTree>
     <p:extLst>
       <p:ext uri="{BB962C8B-B14F-4D97-AF65-F5344CB8AC3E}">
-        <p14:creationId xmlns:p14="http://schemas.microsoft.com/office/powerpoint/2010/main" val="1959960318"/>
+        <p14:creationId xmlns:p14="http://schemas.microsoft.com/office/powerpoint/2010/main" val="1013994420"/>
       </p:ext>
     </p:extLst>
   </p:cSld>
@@ -2436,7 +2523,7 @@
       </p:grpSpPr>
       <p:sp>
         <p:nvSpPr>
-          <p:cNvPr id="2" name="Espaço Reservado para Título 1"/>
+          <p:cNvPr id="2" name="Title Placeholder 1"/>
           <p:cNvSpPr>
             <a:spLocks noGrp="1"/>
           </p:cNvSpPr>
@@ -2446,8 +2533,8 @@
         </p:nvSpPr>
         <p:spPr>
           <a:xfrm>
-            <a:off x="838200" y="365125"/>
-            <a:ext cx="10515600" cy="1325563"/>
+            <a:off x="197981" y="345011"/>
+            <a:ext cx="2483763" cy="1252534"/>
           </a:xfrm>
           <a:prstGeom prst="rect">
             <a:avLst/>
@@ -2463,13 +2550,13 @@
               <a:rPr lang="pt-BR" smtClean="0"/>
               <a:t>Clique para editar o título mestre</a:t>
             </a:r>
-            <a:endParaRPr lang="pt-BR"/>
-          </a:p>
-        </p:txBody>
-      </p:sp>
-      <p:sp>
-        <p:nvSpPr>
-          <p:cNvPr id="3" name="Espaço Reservado para Texto 2"/>
+            <a:endParaRPr lang="en-US" dirty="0"/>
+          </a:p>
+        </p:txBody>
+      </p:sp>
+      <p:sp>
+        <p:nvSpPr>
+          <p:cNvPr id="3" name="Text Placeholder 2"/>
           <p:cNvSpPr>
             <a:spLocks noGrp="1"/>
           </p:cNvSpPr>
@@ -2479,8 +2566,8 @@
         </p:nvSpPr>
         <p:spPr>
           <a:xfrm>
-            <a:off x="838200" y="1825625"/>
-            <a:ext cx="10515600" cy="4351338"/>
+            <a:off x="197981" y="1725046"/>
+            <a:ext cx="2483763" cy="4111612"/>
           </a:xfrm>
           <a:prstGeom prst="rect">
             <a:avLst/>
@@ -2495,7 +2582,7 @@
             <a:pPr lvl="0"/>
             <a:r>
               <a:rPr lang="pt-BR" smtClean="0"/>
-              <a:t>Clique para editar o texto mestre</a:t>
+              <a:t>Editar estilos de texto Mestre</a:t>
             </a:r>
           </a:p>
           <a:p>
@@ -2525,13 +2612,13 @@
               <a:rPr lang="pt-BR" smtClean="0"/>
               <a:t>Quinto nível</a:t>
             </a:r>
-            <a:endParaRPr lang="pt-BR"/>
-          </a:p>
-        </p:txBody>
-      </p:sp>
-      <p:sp>
-        <p:nvSpPr>
-          <p:cNvPr id="4" name="Espaço Reservado para Data 3"/>
+            <a:endParaRPr lang="en-US" dirty="0"/>
+          </a:p>
+        </p:txBody>
+      </p:sp>
+      <p:sp>
+        <p:nvSpPr>
+          <p:cNvPr id="4" name="Date Placeholder 3"/>
           <p:cNvSpPr>
             <a:spLocks noGrp="1"/>
           </p:cNvSpPr>
@@ -2541,8 +2628,8 @@
         </p:nvSpPr>
         <p:spPr>
           <a:xfrm>
-            <a:off x="838200" y="6356350"/>
-            <a:ext cx="2743200" cy="365125"/>
+            <a:off x="197981" y="6006164"/>
+            <a:ext cx="647938" cy="345009"/>
           </a:xfrm>
           <a:prstGeom prst="rect">
             <a:avLst/>
@@ -2552,7 +2639,7 @@
           <a:bodyPr vert="horz" lIns="91440" tIns="45720" rIns="91440" bIns="45720" rtlCol="0" anchor="ctr"/>
           <a:lstStyle>
             <a:lvl1pPr algn="l">
-              <a:defRPr sz="1200">
+              <a:defRPr sz="378">
                 <a:solidFill>
                   <a:schemeClr val="tx1">
                     <a:tint val="75000"/>
@@ -2564,7 +2651,7 @@
           <a:p>
             <a:fld id="{DA50C470-CBEA-4477-97B8-97530BBE2C07}" type="datetimeFigureOut">
               <a:rPr lang="pt-BR" smtClean="0"/>
-              <a:t>17/04/2017</a:t>
+              <a:t>18/05/2017</a:t>
             </a:fld>
             <a:endParaRPr lang="pt-BR"/>
           </a:p>
@@ -2572,7 +2659,7 @@
       </p:sp>
       <p:sp>
         <p:nvSpPr>
-          <p:cNvPr id="5" name="Espaço Reservado para Rodapé 4"/>
+          <p:cNvPr id="5" name="Footer Placeholder 4"/>
           <p:cNvSpPr>
             <a:spLocks noGrp="1"/>
           </p:cNvSpPr>
@@ -2582,8 +2669,8 @@
         </p:nvSpPr>
         <p:spPr>
           <a:xfrm>
-            <a:off x="4038600" y="6356350"/>
-            <a:ext cx="4114800" cy="365125"/>
+            <a:off x="953909" y="6006164"/>
+            <a:ext cx="971907" cy="345009"/>
           </a:xfrm>
           <a:prstGeom prst="rect">
             <a:avLst/>
@@ -2593,7 +2680,7 @@
           <a:bodyPr vert="horz" lIns="91440" tIns="45720" rIns="91440" bIns="45720" rtlCol="0" anchor="ctr"/>
           <a:lstStyle>
             <a:lvl1pPr algn="ctr">
-              <a:defRPr sz="1200">
+              <a:defRPr sz="378">
                 <a:solidFill>
                   <a:schemeClr val="tx1">
                     <a:tint val="75000"/>
@@ -2609,7 +2696,7 @@
       </p:sp>
       <p:sp>
         <p:nvSpPr>
-          <p:cNvPr id="6" name="Espaço Reservado para Número de Slide 5"/>
+          <p:cNvPr id="6" name="Slide Number Placeholder 5"/>
           <p:cNvSpPr>
             <a:spLocks noGrp="1"/>
           </p:cNvSpPr>
@@ -2619,8 +2706,8 @@
         </p:nvSpPr>
         <p:spPr>
           <a:xfrm>
-            <a:off x="8610600" y="6356350"/>
-            <a:ext cx="2743200" cy="365125"/>
+            <a:off x="2033806" y="6006164"/>
+            <a:ext cx="647938" cy="345009"/>
           </a:xfrm>
           <a:prstGeom prst="rect">
             <a:avLst/>
@@ -2630,7 +2717,7 @@
           <a:bodyPr vert="horz" lIns="91440" tIns="45720" rIns="91440" bIns="45720" rtlCol="0" anchor="ctr"/>
           <a:lstStyle>
             <a:lvl1pPr algn="r">
-              <a:defRPr sz="1200">
+              <a:defRPr sz="378">
                 <a:solidFill>
                   <a:schemeClr val="tx1">
                     <a:tint val="75000"/>
@@ -2651,27 +2738,27 @@
     </p:spTree>
     <p:extLst>
       <p:ext uri="{BB962C8B-B14F-4D97-AF65-F5344CB8AC3E}">
-        <p14:creationId xmlns:p14="http://schemas.microsoft.com/office/powerpoint/2010/main" val="2639081600"/>
+        <p14:creationId xmlns:p14="http://schemas.microsoft.com/office/powerpoint/2010/main" val="3346648778"/>
       </p:ext>
     </p:extLst>
   </p:cSld>
   <p:clrMap bg1="lt1" tx1="dk1" bg2="lt2" tx2="dk2" accent1="accent1" accent2="accent2" accent3="accent3" accent4="accent4" accent5="accent5" accent6="accent6" hlink="hlink" folHlink="folHlink"/>
   <p:sldLayoutIdLst>
-    <p:sldLayoutId id="2147483649" r:id="rId1"/>
-    <p:sldLayoutId id="2147483650" r:id="rId2"/>
-    <p:sldLayoutId id="2147483651" r:id="rId3"/>
-    <p:sldLayoutId id="2147483652" r:id="rId4"/>
-    <p:sldLayoutId id="2147483653" r:id="rId5"/>
-    <p:sldLayoutId id="2147483654" r:id="rId6"/>
-    <p:sldLayoutId id="2147483655" r:id="rId7"/>
-    <p:sldLayoutId id="2147483656" r:id="rId8"/>
-    <p:sldLayoutId id="2147483657" r:id="rId9"/>
-    <p:sldLayoutId id="2147483658" r:id="rId10"/>
-    <p:sldLayoutId id="2147483659" r:id="rId11"/>
+    <p:sldLayoutId id="2147483673" r:id="rId1"/>
+    <p:sldLayoutId id="2147483674" r:id="rId2"/>
+    <p:sldLayoutId id="2147483675" r:id="rId3"/>
+    <p:sldLayoutId id="2147483676" r:id="rId4"/>
+    <p:sldLayoutId id="2147483677" r:id="rId5"/>
+    <p:sldLayoutId id="2147483678" r:id="rId6"/>
+    <p:sldLayoutId id="2147483679" r:id="rId7"/>
+    <p:sldLayoutId id="2147483680" r:id="rId8"/>
+    <p:sldLayoutId id="2147483681" r:id="rId9"/>
+    <p:sldLayoutId id="2147483682" r:id="rId10"/>
+    <p:sldLayoutId id="2147483683" r:id="rId11"/>
   </p:sldLayoutIdLst>
   <p:txStyles>
     <p:titleStyle>
-      <a:lvl1pPr algn="l" defTabSz="914400" rtl="0" eaLnBrk="1" latinLnBrk="0" hangingPunct="1">
+      <a:lvl1pPr algn="l" defTabSz="287945" rtl="0" eaLnBrk="1" latinLnBrk="0" hangingPunct="1">
         <a:lnSpc>
           <a:spcPct val="90000"/>
         </a:lnSpc>
@@ -2679,7 +2766,7 @@
           <a:spcPct val="0"/>
         </a:spcBef>
         <a:buNone/>
-        <a:defRPr sz="4400" kern="1200">
+        <a:defRPr sz="1386" kern="1200">
           <a:solidFill>
             <a:schemeClr val="tx1"/>
           </a:solidFill>
@@ -2690,16 +2777,16 @@
       </a:lvl1pPr>
     </p:titleStyle>
     <p:bodyStyle>
-      <a:lvl1pPr marL="228600" indent="-228600" algn="l" defTabSz="914400" rtl="0" eaLnBrk="1" latinLnBrk="0" hangingPunct="1">
+      <a:lvl1pPr marL="71986" indent="-71986" algn="l" defTabSz="287945" rtl="0" eaLnBrk="1" latinLnBrk="0" hangingPunct="1">
         <a:lnSpc>
           <a:spcPct val="90000"/>
         </a:lnSpc>
         <a:spcBef>
-          <a:spcPts val="1000"/>
+          <a:spcPts val="315"/>
         </a:spcBef>
         <a:buFont typeface="Arial" panose="020B0604020202020204" pitchFamily="34" charset="0"/>
         <a:buChar char="•"/>
-        <a:defRPr sz="2800" kern="1200">
+        <a:defRPr sz="882" kern="1200">
           <a:solidFill>
             <a:schemeClr val="tx1"/>
           </a:solidFill>
@@ -2708,16 +2795,16 @@
           <a:cs typeface="+mn-cs"/>
         </a:defRPr>
       </a:lvl1pPr>
-      <a:lvl2pPr marL="685800" indent="-228600" algn="l" defTabSz="914400" rtl="0" eaLnBrk="1" latinLnBrk="0" hangingPunct="1">
+      <a:lvl2pPr marL="215958" indent="-71986" algn="l" defTabSz="287945" rtl="0" eaLnBrk="1" latinLnBrk="0" hangingPunct="1">
         <a:lnSpc>
           <a:spcPct val="90000"/>
         </a:lnSpc>
         <a:spcBef>
-          <a:spcPts val="500"/>
+          <a:spcPts val="157"/>
         </a:spcBef>
         <a:buFont typeface="Arial" panose="020B0604020202020204" pitchFamily="34" charset="0"/>
         <a:buChar char="•"/>
-        <a:defRPr sz="2400" kern="1200">
+        <a:defRPr sz="756" kern="1200">
           <a:solidFill>
             <a:schemeClr val="tx1"/>
           </a:solidFill>
@@ -2726,16 +2813,16 @@
           <a:cs typeface="+mn-cs"/>
         </a:defRPr>
       </a:lvl2pPr>
-      <a:lvl3pPr marL="1143000" indent="-228600" algn="l" defTabSz="914400" rtl="0" eaLnBrk="1" latinLnBrk="0" hangingPunct="1">
+      <a:lvl3pPr marL="359931" indent="-71986" algn="l" defTabSz="287945" rtl="0" eaLnBrk="1" latinLnBrk="0" hangingPunct="1">
         <a:lnSpc>
           <a:spcPct val="90000"/>
         </a:lnSpc>
         <a:spcBef>
-          <a:spcPts val="500"/>
+          <a:spcPts val="157"/>
         </a:spcBef>
         <a:buFont typeface="Arial" panose="020B0604020202020204" pitchFamily="34" charset="0"/>
         <a:buChar char="•"/>
-        <a:defRPr sz="2000" kern="1200">
+        <a:defRPr sz="630" kern="1200">
           <a:solidFill>
             <a:schemeClr val="tx1"/>
           </a:solidFill>
@@ -2744,16 +2831,16 @@
           <a:cs typeface="+mn-cs"/>
         </a:defRPr>
       </a:lvl3pPr>
-      <a:lvl4pPr marL="1600200" indent="-228600" algn="l" defTabSz="914400" rtl="0" eaLnBrk="1" latinLnBrk="0" hangingPunct="1">
+      <a:lvl4pPr marL="503903" indent="-71986" algn="l" defTabSz="287945" rtl="0" eaLnBrk="1" latinLnBrk="0" hangingPunct="1">
         <a:lnSpc>
           <a:spcPct val="90000"/>
         </a:lnSpc>
         <a:spcBef>
-          <a:spcPts val="500"/>
+          <a:spcPts val="157"/>
         </a:spcBef>
         <a:buFont typeface="Arial" panose="020B0604020202020204" pitchFamily="34" charset="0"/>
         <a:buChar char="•"/>
-        <a:defRPr sz="1800" kern="1200">
+        <a:defRPr sz="567" kern="1200">
           <a:solidFill>
             <a:schemeClr val="tx1"/>
           </a:solidFill>
@@ -2762,16 +2849,16 @@
           <a:cs typeface="+mn-cs"/>
         </a:defRPr>
       </a:lvl4pPr>
-      <a:lvl5pPr marL="2057400" indent="-228600" algn="l" defTabSz="914400" rtl="0" eaLnBrk="1" latinLnBrk="0" hangingPunct="1">
+      <a:lvl5pPr marL="647875" indent="-71986" algn="l" defTabSz="287945" rtl="0" eaLnBrk="1" latinLnBrk="0" hangingPunct="1">
         <a:lnSpc>
           <a:spcPct val="90000"/>
         </a:lnSpc>
         <a:spcBef>
-          <a:spcPts val="500"/>
+          <a:spcPts val="157"/>
         </a:spcBef>
         <a:buFont typeface="Arial" panose="020B0604020202020204" pitchFamily="34" charset="0"/>
         <a:buChar char="•"/>
-        <a:defRPr sz="1800" kern="1200">
+        <a:defRPr sz="567" kern="1200">
           <a:solidFill>
             <a:schemeClr val="tx1"/>
           </a:solidFill>
@@ -2780,16 +2867,16 @@
           <a:cs typeface="+mn-cs"/>
         </a:defRPr>
       </a:lvl5pPr>
-      <a:lvl6pPr marL="2514600" indent="-228600" algn="l" defTabSz="914400" rtl="0" eaLnBrk="1" latinLnBrk="0" hangingPunct="1">
+      <a:lvl6pPr marL="791848" indent="-71986" algn="l" defTabSz="287945" rtl="0" eaLnBrk="1" latinLnBrk="0" hangingPunct="1">
         <a:lnSpc>
           <a:spcPct val="90000"/>
         </a:lnSpc>
         <a:spcBef>
-          <a:spcPts val="500"/>
+          <a:spcPts val="157"/>
         </a:spcBef>
         <a:buFont typeface="Arial" panose="020B0604020202020204" pitchFamily="34" charset="0"/>
         <a:buChar char="•"/>
-        <a:defRPr sz="1800" kern="1200">
+        <a:defRPr sz="567" kern="1200">
           <a:solidFill>
             <a:schemeClr val="tx1"/>
           </a:solidFill>
@@ -2798,16 +2885,16 @@
           <a:cs typeface="+mn-cs"/>
         </a:defRPr>
       </a:lvl6pPr>
-      <a:lvl7pPr marL="2971800" indent="-228600" algn="l" defTabSz="914400" rtl="0" eaLnBrk="1" latinLnBrk="0" hangingPunct="1">
+      <a:lvl7pPr marL="935820" indent="-71986" algn="l" defTabSz="287945" rtl="0" eaLnBrk="1" latinLnBrk="0" hangingPunct="1">
         <a:lnSpc>
           <a:spcPct val="90000"/>
         </a:lnSpc>
         <a:spcBef>
-          <a:spcPts val="500"/>
+          <a:spcPts val="157"/>
         </a:spcBef>
         <a:buFont typeface="Arial" panose="020B0604020202020204" pitchFamily="34" charset="0"/>
         <a:buChar char="•"/>
-        <a:defRPr sz="1800" kern="1200">
+        <a:defRPr sz="567" kern="1200">
           <a:solidFill>
             <a:schemeClr val="tx1"/>
           </a:solidFill>
@@ -2816,16 +2903,16 @@
           <a:cs typeface="+mn-cs"/>
         </a:defRPr>
       </a:lvl7pPr>
-      <a:lvl8pPr marL="3429000" indent="-228600" algn="l" defTabSz="914400" rtl="0" eaLnBrk="1" latinLnBrk="0" hangingPunct="1">
+      <a:lvl8pPr marL="1079792" indent="-71986" algn="l" defTabSz="287945" rtl="0" eaLnBrk="1" latinLnBrk="0" hangingPunct="1">
         <a:lnSpc>
           <a:spcPct val="90000"/>
         </a:lnSpc>
         <a:spcBef>
-          <a:spcPts val="500"/>
+          <a:spcPts val="157"/>
         </a:spcBef>
         <a:buFont typeface="Arial" panose="020B0604020202020204" pitchFamily="34" charset="0"/>
         <a:buChar char="•"/>
-        <a:defRPr sz="1800" kern="1200">
+        <a:defRPr sz="567" kern="1200">
           <a:solidFill>
             <a:schemeClr val="tx1"/>
           </a:solidFill>
@@ -2834,16 +2921,16 @@
           <a:cs typeface="+mn-cs"/>
         </a:defRPr>
       </a:lvl8pPr>
-      <a:lvl9pPr marL="3886200" indent="-228600" algn="l" defTabSz="914400" rtl="0" eaLnBrk="1" latinLnBrk="0" hangingPunct="1">
+      <a:lvl9pPr marL="1223764" indent="-71986" algn="l" defTabSz="287945" rtl="0" eaLnBrk="1" latinLnBrk="0" hangingPunct="1">
         <a:lnSpc>
           <a:spcPct val="90000"/>
         </a:lnSpc>
         <a:spcBef>
-          <a:spcPts val="500"/>
+          <a:spcPts val="157"/>
         </a:spcBef>
         <a:buFont typeface="Arial" panose="020B0604020202020204" pitchFamily="34" charset="0"/>
         <a:buChar char="•"/>
-        <a:defRPr sz="1800" kern="1200">
+        <a:defRPr sz="567" kern="1200">
           <a:solidFill>
             <a:schemeClr val="tx1"/>
           </a:solidFill>
@@ -2855,10 +2942,10 @@
     </p:bodyStyle>
     <p:otherStyle>
       <a:defPPr>
-        <a:defRPr lang="pt-BR"/>
+        <a:defRPr lang="en-US"/>
       </a:defPPr>
-      <a:lvl1pPr marL="0" algn="l" defTabSz="914400" rtl="0" eaLnBrk="1" latinLnBrk="0" hangingPunct="1">
-        <a:defRPr sz="1800" kern="1200">
+      <a:lvl1pPr marL="0" algn="l" defTabSz="287945" rtl="0" eaLnBrk="1" latinLnBrk="0" hangingPunct="1">
+        <a:defRPr sz="567" kern="1200">
           <a:solidFill>
             <a:schemeClr val="tx1"/>
           </a:solidFill>
@@ -2867,8 +2954,8 @@
           <a:cs typeface="+mn-cs"/>
         </a:defRPr>
       </a:lvl1pPr>
-      <a:lvl2pPr marL="457200" algn="l" defTabSz="914400" rtl="0" eaLnBrk="1" latinLnBrk="0" hangingPunct="1">
-        <a:defRPr sz="1800" kern="1200">
+      <a:lvl2pPr marL="143972" algn="l" defTabSz="287945" rtl="0" eaLnBrk="1" latinLnBrk="0" hangingPunct="1">
+        <a:defRPr sz="567" kern="1200">
           <a:solidFill>
             <a:schemeClr val="tx1"/>
           </a:solidFill>
@@ -2877,8 +2964,8 @@
           <a:cs typeface="+mn-cs"/>
         </a:defRPr>
       </a:lvl2pPr>
-      <a:lvl3pPr marL="914400" algn="l" defTabSz="914400" rtl="0" eaLnBrk="1" latinLnBrk="0" hangingPunct="1">
-        <a:defRPr sz="1800" kern="1200">
+      <a:lvl3pPr marL="287945" algn="l" defTabSz="287945" rtl="0" eaLnBrk="1" latinLnBrk="0" hangingPunct="1">
+        <a:defRPr sz="567" kern="1200">
           <a:solidFill>
             <a:schemeClr val="tx1"/>
           </a:solidFill>
@@ -2887,8 +2974,8 @@
           <a:cs typeface="+mn-cs"/>
         </a:defRPr>
       </a:lvl3pPr>
-      <a:lvl4pPr marL="1371600" algn="l" defTabSz="914400" rtl="0" eaLnBrk="1" latinLnBrk="0" hangingPunct="1">
-        <a:defRPr sz="1800" kern="1200">
+      <a:lvl4pPr marL="431917" algn="l" defTabSz="287945" rtl="0" eaLnBrk="1" latinLnBrk="0" hangingPunct="1">
+        <a:defRPr sz="567" kern="1200">
           <a:solidFill>
             <a:schemeClr val="tx1"/>
           </a:solidFill>
@@ -2897,8 +2984,8 @@
           <a:cs typeface="+mn-cs"/>
         </a:defRPr>
       </a:lvl4pPr>
-      <a:lvl5pPr marL="1828800" algn="l" defTabSz="914400" rtl="0" eaLnBrk="1" latinLnBrk="0" hangingPunct="1">
-        <a:defRPr sz="1800" kern="1200">
+      <a:lvl5pPr marL="575889" algn="l" defTabSz="287945" rtl="0" eaLnBrk="1" latinLnBrk="0" hangingPunct="1">
+        <a:defRPr sz="567" kern="1200">
           <a:solidFill>
             <a:schemeClr val="tx1"/>
           </a:solidFill>
@@ -2907,8 +2994,8 @@
           <a:cs typeface="+mn-cs"/>
         </a:defRPr>
       </a:lvl5pPr>
-      <a:lvl6pPr marL="2286000" algn="l" defTabSz="914400" rtl="0" eaLnBrk="1" latinLnBrk="0" hangingPunct="1">
-        <a:defRPr sz="1800" kern="1200">
+      <a:lvl6pPr marL="719861" algn="l" defTabSz="287945" rtl="0" eaLnBrk="1" latinLnBrk="0" hangingPunct="1">
+        <a:defRPr sz="567" kern="1200">
           <a:solidFill>
             <a:schemeClr val="tx1"/>
           </a:solidFill>
@@ -2917,8 +3004,8 @@
           <a:cs typeface="+mn-cs"/>
         </a:defRPr>
       </a:lvl6pPr>
-      <a:lvl7pPr marL="2743200" algn="l" defTabSz="914400" rtl="0" eaLnBrk="1" latinLnBrk="0" hangingPunct="1">
-        <a:defRPr sz="1800" kern="1200">
+      <a:lvl7pPr marL="863834" algn="l" defTabSz="287945" rtl="0" eaLnBrk="1" latinLnBrk="0" hangingPunct="1">
+        <a:defRPr sz="567" kern="1200">
           <a:solidFill>
             <a:schemeClr val="tx1"/>
           </a:solidFill>
@@ -2927,8 +3014,8 @@
           <a:cs typeface="+mn-cs"/>
         </a:defRPr>
       </a:lvl7pPr>
-      <a:lvl8pPr marL="3200400" algn="l" defTabSz="914400" rtl="0" eaLnBrk="1" latinLnBrk="0" hangingPunct="1">
-        <a:defRPr sz="1800" kern="1200">
+      <a:lvl8pPr marL="1007806" algn="l" defTabSz="287945" rtl="0" eaLnBrk="1" latinLnBrk="0" hangingPunct="1">
+        <a:defRPr sz="567" kern="1200">
           <a:solidFill>
             <a:schemeClr val="tx1"/>
           </a:solidFill>
@@ -2937,8 +3024,8 @@
           <a:cs typeface="+mn-cs"/>
         </a:defRPr>
       </a:lvl8pPr>
-      <a:lvl9pPr marL="3657600" algn="l" defTabSz="914400" rtl="0" eaLnBrk="1" latinLnBrk="0" hangingPunct="1">
-        <a:defRPr sz="1800" kern="1200">
+      <a:lvl9pPr marL="1151778" algn="l" defTabSz="287945" rtl="0" eaLnBrk="1" latinLnBrk="0" hangingPunct="1">
+        <a:defRPr sz="567" kern="1200">
           <a:solidFill>
             <a:schemeClr val="tx1"/>
           </a:solidFill>
@@ -2977,7 +3064,7 @@
         </p:nvSpPr>
         <p:spPr>
           <a:xfrm>
-            <a:off x="0" y="0"/>
+            <a:off x="-4656138" y="-188913"/>
             <a:ext cx="12192000" cy="6858000"/>
           </a:xfrm>
           <a:prstGeom prst="rect">
@@ -3022,7 +3109,7 @@
         </p:nvSpPr>
         <p:spPr>
           <a:xfrm rot="5400000" flipV="1">
-            <a:off x="1377078" y="1653131"/>
+            <a:off x="-3290172" y="1464218"/>
             <a:ext cx="1550658" cy="1447442"/>
           </a:xfrm>
           <a:prstGeom prst="blockArc">
@@ -3103,7 +3190,7 @@
         </p:nvSpPr>
         <p:spPr>
           <a:xfrm rot="5400000">
-            <a:off x="51289" y="1622518"/>
+            <a:off x="-4615960" y="1433607"/>
             <a:ext cx="1552573" cy="1510579"/>
           </a:xfrm>
           <a:prstGeom prst="blockArc">
@@ -3184,7 +3271,7 @@
         </p:nvSpPr>
         <p:spPr>
           <a:xfrm>
-            <a:off x="3033487" y="232229"/>
+            <a:off x="-1622651" y="43316"/>
             <a:ext cx="8824686" cy="6328228"/>
           </a:xfrm>
           <a:prstGeom prst="rect">
@@ -3225,7 +3312,7 @@
         </p:nvSpPr>
         <p:spPr>
           <a:xfrm>
-            <a:off x="234004" y="4815691"/>
+            <a:off x="-4433246" y="4626780"/>
             <a:ext cx="922047" cy="307777"/>
           </a:xfrm>
           <a:prstGeom prst="rect">
@@ -3257,7 +3344,7 @@
         </p:nvSpPr>
         <p:spPr>
           <a:xfrm>
-            <a:off x="230610" y="4372687"/>
+            <a:off x="-4436640" y="4183776"/>
             <a:ext cx="1061253" cy="307777"/>
           </a:xfrm>
           <a:prstGeom prst="rect">
@@ -3277,10 +3364,6 @@
               </a:rPr>
               <a:t>Velocidade</a:t>
             </a:r>
-            <a:endParaRPr lang="pt-BR" sz="1400" dirty="0">
-              <a:latin typeface="Arial" panose="020B0604020202020204" pitchFamily="34" charset="0"/>
-              <a:cs typeface="Arial" panose="020B0604020202020204" pitchFamily="34" charset="0"/>
-            </a:endParaRPr>
           </a:p>
         </p:txBody>
       </p:sp>
@@ -3292,7 +3375,7 @@
         </p:nvSpPr>
         <p:spPr>
           <a:xfrm>
-            <a:off x="230610" y="5273410"/>
+            <a:off x="-4436640" y="5084499"/>
             <a:ext cx="752129" cy="307777"/>
           </a:xfrm>
           <a:prstGeom prst="rect">
@@ -3324,7 +3407,7 @@
         </p:nvSpPr>
         <p:spPr>
           <a:xfrm>
-            <a:off x="216732" y="5709513"/>
+            <a:off x="-4450518" y="5520602"/>
             <a:ext cx="1187505" cy="307777"/>
           </a:xfrm>
           <a:prstGeom prst="rect">
@@ -3356,7 +3439,7 @@
         </p:nvSpPr>
         <p:spPr>
           <a:xfrm>
-            <a:off x="211290" y="3382691"/>
+            <a:off x="-4455960" y="3193780"/>
             <a:ext cx="1050288" cy="307777"/>
           </a:xfrm>
           <a:prstGeom prst="rect">
@@ -3370,7 +3453,7 @@
           <a:lstStyle/>
           <a:p>
             <a:r>
-              <a:rPr lang="pt-BR" sz="1400" dirty="0" smtClean="0">
+              <a:rPr lang="pt-BR" sz="1400" dirty="0">
                 <a:latin typeface="Arial" panose="020B0604020202020204" pitchFamily="34" charset="0"/>
                 <a:cs typeface="Arial" panose="020B0604020202020204" pitchFamily="34" charset="0"/>
               </a:rPr>
@@ -3391,7 +3474,7 @@
         </p:nvSpPr>
         <p:spPr>
           <a:xfrm>
-            <a:off x="231300" y="6188147"/>
+            <a:off x="-4435950" y="5999236"/>
             <a:ext cx="583814" cy="307777"/>
           </a:xfrm>
           <a:prstGeom prst="rect">
@@ -3423,7 +3506,7 @@
         </p:nvSpPr>
         <p:spPr>
           <a:xfrm>
-            <a:off x="127106" y="1768438"/>
+            <a:off x="-4540144" y="1579527"/>
             <a:ext cx="1257300" cy="1204913"/>
           </a:xfrm>
           <a:prstGeom prst="ellipse">
@@ -3504,7 +3587,7 @@
         </p:nvSpPr>
         <p:spPr>
           <a:xfrm>
-            <a:off x="1587802" y="1768438"/>
+            <a:off x="-3079448" y="1579527"/>
             <a:ext cx="1257300" cy="1204913"/>
           </a:xfrm>
           <a:prstGeom prst="ellipse">
@@ -3588,7 +3671,7 @@
         </p:nvCxnSpPr>
         <p:spPr>
           <a:xfrm flipV="1">
-            <a:off x="755756" y="1768438"/>
+            <a:off x="-3911494" y="1579527"/>
             <a:ext cx="0" cy="1204913"/>
           </a:xfrm>
           <a:prstGeom prst="line">
@@ -3625,7 +3708,7 @@
         </p:nvGrpSpPr>
         <p:grpSpPr>
           <a:xfrm rot="2519862">
-            <a:off x="789789" y="2294058"/>
+            <a:off x="-3877461" y="2105145"/>
             <a:ext cx="692135" cy="356600"/>
             <a:chOff x="936740" y="2750541"/>
             <a:chExt cx="692135" cy="356600"/>
@@ -3751,7 +3834,7 @@
         </p:nvCxnSpPr>
         <p:spPr>
           <a:xfrm>
-            <a:off x="1260180" y="1891269"/>
+            <a:off x="-3407070" y="1702356"/>
             <a:ext cx="457238" cy="0"/>
           </a:xfrm>
           <a:prstGeom prst="line">
@@ -3788,7 +3871,7 @@
         </p:nvCxnSpPr>
         <p:spPr>
           <a:xfrm>
-            <a:off x="1262561" y="2850520"/>
+            <a:off x="-3404689" y="2661607"/>
             <a:ext cx="457238" cy="0"/>
           </a:xfrm>
           <a:prstGeom prst="line">
@@ -3828,7 +3911,7 @@
         </p:nvCxnSpPr>
         <p:spPr>
           <a:xfrm>
-            <a:off x="2216452" y="1768438"/>
+            <a:off x="-2450798" y="1579527"/>
             <a:ext cx="0" cy="1204913"/>
           </a:xfrm>
           <a:prstGeom prst="line">
@@ -3867,7 +3950,7 @@
         </p:nvCxnSpPr>
         <p:spPr>
           <a:xfrm flipH="1" flipV="1">
-            <a:off x="1717418" y="1891269"/>
+            <a:off x="-2949832" y="1702358"/>
             <a:ext cx="943557" cy="905627"/>
           </a:xfrm>
           <a:prstGeom prst="line">
@@ -3904,7 +3987,7 @@
         </p:nvCxnSpPr>
         <p:spPr>
           <a:xfrm flipH="1">
-            <a:off x="1721116" y="1948068"/>
+            <a:off x="-2946134" y="1759155"/>
             <a:ext cx="936684" cy="899530"/>
           </a:xfrm>
           <a:prstGeom prst="line">
@@ -3941,7 +4024,7 @@
         </p:nvSpPr>
         <p:spPr>
           <a:xfrm>
-            <a:off x="1310712" y="1721874"/>
+            <a:off x="-3356538" y="1532963"/>
             <a:ext cx="346452" cy="246221"/>
           </a:xfrm>
           <a:prstGeom prst="rect">
@@ -3957,7 +4040,7 @@
           <a:p>
             <a:pPr algn="ctr"/>
             <a:r>
-              <a:rPr lang="pt-BR" sz="1000" dirty="0" smtClean="0"/>
+              <a:rPr lang="pt-BR" sz="1000" dirty="0"/>
               <a:t>45</a:t>
             </a:r>
             <a:endParaRPr lang="pt-BR" sz="1000" dirty="0"/>
@@ -3972,7 +4055,7 @@
         </p:nvSpPr>
         <p:spPr>
           <a:xfrm>
-            <a:off x="1310950" y="1848200"/>
+            <a:off x="-3356300" y="1659289"/>
             <a:ext cx="350196" cy="246221"/>
           </a:xfrm>
           <a:prstGeom prst="rect">
@@ -3988,7 +4071,7 @@
           <a:p>
             <a:pPr algn="ctr"/>
             <a:r>
-              <a:rPr lang="pt-BR" sz="1000" dirty="0" smtClean="0"/>
+              <a:rPr lang="pt-BR" sz="1000" dirty="0"/>
               <a:t>30</a:t>
             </a:r>
             <a:endParaRPr lang="pt-BR" sz="1000" dirty="0"/>
@@ -4003,7 +4086,7 @@
         </p:nvSpPr>
         <p:spPr>
           <a:xfrm>
-            <a:off x="1311521" y="2561971"/>
+            <a:off x="-3355729" y="2373060"/>
             <a:ext cx="342322" cy="246221"/>
           </a:xfrm>
           <a:prstGeom prst="rect">
@@ -4019,7 +4102,7 @@
           <a:p>
             <a:pPr algn="ctr"/>
             <a:r>
-              <a:rPr lang="pt-BR" sz="1000" dirty="0" smtClean="0"/>
+              <a:rPr lang="pt-BR" sz="1000" dirty="0"/>
               <a:t>20</a:t>
             </a:r>
             <a:endParaRPr lang="pt-BR" sz="1000" dirty="0"/>
@@ -4034,7 +4117,7 @@
         </p:nvSpPr>
         <p:spPr>
           <a:xfrm>
-            <a:off x="1306590" y="2671905"/>
+            <a:off x="-3360660" y="2482994"/>
             <a:ext cx="350196" cy="246221"/>
           </a:xfrm>
           <a:prstGeom prst="rect">
@@ -4050,7 +4133,7 @@
           <a:p>
             <a:pPr algn="ctr"/>
             <a:r>
-              <a:rPr lang="pt-BR" sz="1000" dirty="0" smtClean="0"/>
+              <a:rPr lang="pt-BR" sz="1000" dirty="0"/>
               <a:t>30</a:t>
             </a:r>
             <a:endParaRPr lang="pt-BR" sz="1000" dirty="0"/>
@@ -4065,7 +4148,7 @@
         </p:nvSpPr>
         <p:spPr>
           <a:xfrm>
-            <a:off x="1304064" y="2783419"/>
+            <a:off x="-3363186" y="2594508"/>
             <a:ext cx="346452" cy="246221"/>
           </a:xfrm>
           <a:prstGeom prst="rect">
@@ -4081,7 +4164,7 @@
           <a:p>
             <a:pPr algn="ctr"/>
             <a:r>
-              <a:rPr lang="pt-BR" sz="1000" dirty="0" smtClean="0"/>
+              <a:rPr lang="pt-BR" sz="1000" dirty="0"/>
               <a:t>45</a:t>
             </a:r>
             <a:endParaRPr lang="pt-BR" sz="1000" dirty="0"/>
@@ -4096,7 +4179,7 @@
         </p:nvSpPr>
         <p:spPr>
           <a:xfrm>
-            <a:off x="1587802" y="303267"/>
+            <a:off x="-3079448" y="114355"/>
             <a:ext cx="1257300" cy="1204913"/>
           </a:xfrm>
           <a:prstGeom prst="ellipse">
@@ -4180,7 +4263,7 @@
         </p:nvCxnSpPr>
         <p:spPr>
           <a:xfrm>
-            <a:off x="2216452" y="303267"/>
+            <a:off x="-2450798" y="114355"/>
             <a:ext cx="0" cy="1204913"/>
           </a:xfrm>
           <a:prstGeom prst="line">
@@ -4217,7 +4300,7 @@
         </p:nvSpPr>
         <p:spPr>
           <a:xfrm rot="5400000" flipH="1">
-            <a:off x="2088491" y="374352"/>
+            <a:off x="-2578758" y="185439"/>
             <a:ext cx="235929" cy="164594"/>
           </a:xfrm>
           <a:prstGeom prst="triangle">
@@ -4269,7 +4352,7 @@
         </p:nvSpPr>
         <p:spPr>
           <a:xfrm>
-            <a:off x="649575" y="3859378"/>
+            <a:off x="-4017675" y="3670465"/>
             <a:ext cx="1678278" cy="190570"/>
           </a:xfrm>
           <a:prstGeom prst="roundRect">
@@ -4323,7 +4406,7 @@
         </p:nvSpPr>
         <p:spPr>
           <a:xfrm>
-            <a:off x="1700179" y="4816040"/>
+            <a:off x="-2967071" y="4627127"/>
             <a:ext cx="713210" cy="369332"/>
           </a:xfrm>
           <a:prstGeom prst="roundRect">
@@ -4366,7 +4449,7 @@
         </p:nvSpPr>
         <p:spPr>
           <a:xfrm>
-            <a:off x="1693829" y="5267758"/>
+            <a:off x="-2973421" y="5078845"/>
             <a:ext cx="71101" cy="360000"/>
           </a:xfrm>
           <a:prstGeom prst="roundRect">
@@ -4406,7 +4489,7 @@
         </p:nvSpPr>
         <p:spPr>
           <a:xfrm>
-            <a:off x="1700179" y="5717094"/>
+            <a:off x="-2967071" y="5528181"/>
             <a:ext cx="713210" cy="369332"/>
           </a:xfrm>
           <a:prstGeom prst="roundRect">
@@ -4449,7 +4532,7 @@
         </p:nvSpPr>
         <p:spPr>
           <a:xfrm>
-            <a:off x="2431358" y="4816040"/>
+            <a:off x="-2235892" y="4627129"/>
             <a:ext cx="333746" cy="307777"/>
           </a:xfrm>
           <a:prstGeom prst="rect">
@@ -4488,7 +4571,7 @@
         </p:nvSpPr>
         <p:spPr>
           <a:xfrm>
-            <a:off x="2413389" y="5717094"/>
+            <a:off x="-2253861" y="5528183"/>
             <a:ext cx="381836" cy="307777"/>
           </a:xfrm>
           <a:prstGeom prst="rect">
@@ -4516,10 +4599,6 @@
               </a:rPr>
               <a:t>C</a:t>
             </a:r>
-            <a:endParaRPr lang="pt-BR" sz="1400" dirty="0">
-              <a:latin typeface="Arial" panose="020B0604020202020204" pitchFamily="34" charset="0"/>
-              <a:cs typeface="Arial" panose="020B0604020202020204" pitchFamily="34" charset="0"/>
-            </a:endParaRPr>
           </a:p>
         </p:txBody>
       </p:sp>
@@ -4531,7 +4610,7 @@
         </p:nvSpPr>
         <p:spPr>
           <a:xfrm>
-            <a:off x="1800411" y="5271761"/>
+            <a:off x="-2866839" y="5082848"/>
             <a:ext cx="71101" cy="360000"/>
           </a:xfrm>
           <a:prstGeom prst="roundRect">
@@ -4571,7 +4650,7 @@
         </p:nvSpPr>
         <p:spPr>
           <a:xfrm>
-            <a:off x="1916755" y="5271761"/>
+            <a:off x="-2750495" y="5082848"/>
             <a:ext cx="71101" cy="360000"/>
           </a:xfrm>
           <a:prstGeom prst="roundRect">
@@ -4611,7 +4690,7 @@
         </p:nvSpPr>
         <p:spPr>
           <a:xfrm>
-            <a:off x="2033754" y="5278076"/>
+            <a:off x="-2633496" y="5089163"/>
             <a:ext cx="71101" cy="360000"/>
           </a:xfrm>
           <a:prstGeom prst="roundRect">
@@ -4651,7 +4730,7 @@
         </p:nvSpPr>
         <p:spPr>
           <a:xfrm>
-            <a:off x="2143332" y="5278076"/>
+            <a:off x="-2523918" y="5089163"/>
             <a:ext cx="71101" cy="360000"/>
           </a:xfrm>
           <a:prstGeom prst="roundRect">
@@ -4691,7 +4770,7 @@
         </p:nvSpPr>
         <p:spPr>
           <a:xfrm>
-            <a:off x="2257632" y="5278076"/>
+            <a:off x="-2409618" y="5089163"/>
             <a:ext cx="71101" cy="360000"/>
           </a:xfrm>
           <a:prstGeom prst="roundRect">
@@ -4731,7 +4810,7 @@
         </p:nvSpPr>
         <p:spPr>
           <a:xfrm>
-            <a:off x="1700179" y="6169458"/>
+            <a:off x="-2967071" y="5980545"/>
             <a:ext cx="71101" cy="369332"/>
           </a:xfrm>
           <a:prstGeom prst="roundRect">
@@ -4779,7 +4858,7 @@
         </p:nvSpPr>
         <p:spPr>
           <a:xfrm>
-            <a:off x="1819461" y="6217911"/>
+            <a:off x="-2847789" y="6028998"/>
             <a:ext cx="71101" cy="324000"/>
           </a:xfrm>
           <a:prstGeom prst="roundRect">
@@ -4827,7 +4906,7 @@
         </p:nvSpPr>
         <p:spPr>
           <a:xfrm>
-            <a:off x="1954855" y="6256011"/>
+            <a:off x="-2712395" y="6067098"/>
             <a:ext cx="71101" cy="288000"/>
           </a:xfrm>
           <a:prstGeom prst="roundRect">
@@ -4875,7 +4954,7 @@
         </p:nvSpPr>
         <p:spPr>
           <a:xfrm>
-            <a:off x="2084554" y="6332176"/>
+            <a:off x="-2582696" y="6525851"/>
             <a:ext cx="71101" cy="216000"/>
           </a:xfrm>
           <a:prstGeom prst="roundRect">
@@ -4923,7 +5002,7 @@
         </p:nvSpPr>
         <p:spPr>
           <a:xfrm>
-            <a:off x="2206831" y="6394450"/>
+            <a:off x="-2460419" y="6588125"/>
             <a:ext cx="72000" cy="144000"/>
           </a:xfrm>
           <a:prstGeom prst="roundRect">
@@ -4971,7 +5050,7 @@
         </p:nvSpPr>
         <p:spPr>
           <a:xfrm>
-            <a:off x="2333832" y="6432550"/>
+            <a:off x="-2333418" y="6626225"/>
             <a:ext cx="72000" cy="108000"/>
           </a:xfrm>
           <a:prstGeom prst="roundRect">
@@ -5019,7 +5098,7 @@
         </p:nvSpPr>
         <p:spPr>
           <a:xfrm>
-            <a:off x="2371932" y="5284426"/>
+            <a:off x="-2295318" y="5095513"/>
             <a:ext cx="71101" cy="360000"/>
           </a:xfrm>
           <a:prstGeom prst="roundRect">
@@ -5059,7 +5138,7 @@
         </p:nvSpPr>
         <p:spPr>
           <a:xfrm>
-            <a:off x="1411511" y="3801441"/>
+            <a:off x="-3255739" y="3612528"/>
             <a:ext cx="90377" cy="272072"/>
           </a:xfrm>
           <a:prstGeom prst="ellipse">
@@ -5111,7 +5190,7 @@
         </p:nvCxnSpPr>
         <p:spPr>
           <a:xfrm rot="20996361" flipV="1">
-            <a:off x="705115" y="1943413"/>
+            <a:off x="-3962135" y="1754502"/>
             <a:ext cx="594386" cy="353229"/>
           </a:xfrm>
           <a:prstGeom prst="line">
@@ -5148,7 +5227,7 @@
         </p:nvSpPr>
         <p:spPr>
           <a:xfrm>
-            <a:off x="230610" y="3804808"/>
+            <a:off x="-4436640" y="3615895"/>
             <a:ext cx="292929" cy="317308"/>
           </a:xfrm>
           <a:prstGeom prst="ellipse">
@@ -5208,7 +5287,7 @@
         </p:nvSpPr>
         <p:spPr>
           <a:xfrm>
-            <a:off x="2426169" y="3788100"/>
+            <a:off x="-2241081" y="3599187"/>
             <a:ext cx="328238" cy="328036"/>
           </a:xfrm>
           <a:prstGeom prst="ellipse">
@@ -5274,7 +5353,7 @@
         </p:nvSpPr>
         <p:spPr>
           <a:xfrm>
-            <a:off x="592620" y="217154"/>
+            <a:off x="-4074630" y="28242"/>
             <a:ext cx="351527" cy="495027"/>
           </a:xfrm>
           <a:prstGeom prst="upArrow">
@@ -5314,7 +5393,7 @@
         </p:nvSpPr>
         <p:spPr>
           <a:xfrm rot="5400000">
-            <a:off x="1000946" y="625745"/>
+            <a:off x="-3666303" y="436834"/>
             <a:ext cx="351527" cy="465129"/>
           </a:xfrm>
           <a:prstGeom prst="upArrow">
@@ -5354,7 +5433,7 @@
         </p:nvSpPr>
         <p:spPr>
           <a:xfrm rot="5400000" flipV="1">
-            <a:off x="172180" y="622895"/>
+            <a:off x="-4495069" y="433982"/>
             <a:ext cx="351527" cy="489354"/>
           </a:xfrm>
           <a:prstGeom prst="upArrow">
@@ -5394,7 +5473,7 @@
         </p:nvSpPr>
         <p:spPr>
           <a:xfrm flipV="1">
-            <a:off x="592619" y="1019294"/>
+            <a:off x="-4074631" y="830383"/>
             <a:ext cx="351527" cy="468799"/>
           </a:xfrm>
           <a:prstGeom prst="upArrow">
@@ -5434,7 +5513,7 @@
         </p:nvSpPr>
         <p:spPr>
           <a:xfrm>
-            <a:off x="2171755" y="3091924"/>
+            <a:off x="-2495495" y="2903013"/>
             <a:ext cx="631904" cy="307777"/>
           </a:xfrm>
           <a:prstGeom prst="rect">
@@ -5449,7 +5528,7 @@
           <a:lstStyle/>
           <a:p>
             <a:r>
-              <a:rPr lang="pt-BR" sz="1400" dirty="0" smtClean="0">
+              <a:rPr lang="pt-BR" sz="1400" dirty="0">
                 <a:latin typeface="Arial" panose="020B0604020202020204" pitchFamily="34" charset="0"/>
                 <a:cs typeface="Arial" panose="020B0604020202020204" pitchFamily="34" charset="0"/>
               </a:rPr>
@@ -5470,7 +5549,7 @@
         </p:nvSpPr>
         <p:spPr>
           <a:xfrm>
-            <a:off x="1854067" y="3149787"/>
+            <a:off x="-2813183" y="2960874"/>
             <a:ext cx="373562" cy="219262"/>
           </a:xfrm>
           <a:prstGeom prst="roundRect">
@@ -5513,7 +5592,7 @@
         </p:nvSpPr>
         <p:spPr>
           <a:xfrm>
-            <a:off x="684116" y="3092433"/>
+            <a:off x="-3983134" y="2903522"/>
             <a:ext cx="631904" cy="307777"/>
           </a:xfrm>
           <a:prstGeom prst="rect">
@@ -5528,7 +5607,7 @@
           <a:lstStyle/>
           <a:p>
             <a:r>
-              <a:rPr lang="pt-BR" sz="1400" dirty="0" smtClean="0">
+              <a:rPr lang="pt-BR" sz="1400" dirty="0">
                 <a:latin typeface="Arial" panose="020B0604020202020204" pitchFamily="34" charset="0"/>
                 <a:cs typeface="Arial" panose="020B0604020202020204" pitchFamily="34" charset="0"/>
               </a:rPr>
@@ -5549,7 +5628,7 @@
         </p:nvSpPr>
         <p:spPr>
           <a:xfrm>
-            <a:off x="366428" y="3150296"/>
+            <a:off x="-4300822" y="2961383"/>
             <a:ext cx="373562" cy="219262"/>
           </a:xfrm>
           <a:prstGeom prst="roundRect">
@@ -5592,7 +5671,7 @@
         </p:nvSpPr>
         <p:spPr>
           <a:xfrm>
-            <a:off x="35438" y="2797154"/>
+            <a:off x="-4631812" y="2608243"/>
             <a:ext cx="268430" cy="275251"/>
           </a:xfrm>
           <a:prstGeom prst="ellipse">
@@ -5643,7 +5722,7 @@
         </p:nvSpPr>
         <p:spPr>
           <a:xfrm>
-            <a:off x="2674143" y="2778992"/>
+            <a:off x="-1993107" y="2590081"/>
             <a:ext cx="268430" cy="275251"/>
           </a:xfrm>
           <a:prstGeom prst="ellipse">
@@ -5694,7 +5773,7 @@
         </p:nvSpPr>
         <p:spPr>
           <a:xfrm>
-            <a:off x="228668" y="2891305"/>
+            <a:off x="-4438582" y="2702394"/>
             <a:ext cx="461986" cy="246221"/>
           </a:xfrm>
           <a:prstGeom prst="rect">
@@ -5709,7 +5788,7 @@
           <a:lstStyle/>
           <a:p>
             <a:r>
-              <a:rPr lang="pt-BR" sz="1000" dirty="0" smtClean="0">
+              <a:rPr lang="pt-BR" sz="1000" dirty="0">
                 <a:latin typeface="Arial" panose="020B0604020202020204" pitchFamily="34" charset="0"/>
                 <a:cs typeface="Arial" panose="020B0604020202020204" pitchFamily="34" charset="0"/>
               </a:rPr>
@@ -5730,7 +5809,7 @@
         </p:nvSpPr>
         <p:spPr>
           <a:xfrm>
-            <a:off x="2325527" y="2890371"/>
+            <a:off x="-2341723" y="2701460"/>
             <a:ext cx="461986" cy="246221"/>
           </a:xfrm>
           <a:prstGeom prst="rect">
@@ -5745,7 +5824,7 @@
           <a:lstStyle/>
           <a:p>
             <a:r>
-              <a:rPr lang="pt-BR" sz="1000" dirty="0" smtClean="0">
+              <a:rPr lang="pt-BR" sz="1000" dirty="0">
                 <a:latin typeface="Arial" panose="020B0604020202020204" pitchFamily="34" charset="0"/>
                 <a:cs typeface="Arial" panose="020B0604020202020204" pitchFamily="34" charset="0"/>
               </a:rPr>
@@ -5766,7 +5845,7 @@
         </p:nvSpPr>
         <p:spPr>
           <a:xfrm>
-            <a:off x="1708152" y="4328027"/>
+            <a:off x="-2959098" y="4139114"/>
             <a:ext cx="713210" cy="369332"/>
           </a:xfrm>
           <a:prstGeom prst="roundRect">
@@ -5809,7 +5888,7 @@
         </p:nvSpPr>
         <p:spPr>
           <a:xfrm>
-            <a:off x="2446951" y="4328027"/>
+            <a:off x="-2220299" y="4139116"/>
             <a:ext cx="473206" cy="307777"/>
           </a:xfrm>
           <a:prstGeom prst="rect">
@@ -5834,7 +5913,7 @@
           </a:lstStyle>
           <a:p>
             <a:r>
-              <a:rPr lang="pt-BR" dirty="0" smtClean="0"/>
+              <a:rPr lang="pt-BR" dirty="0"/>
               <a:t>m/s</a:t>
             </a:r>
             <a:endParaRPr lang="pt-BR" dirty="0"/>
@@ -5849,7 +5928,7 @@
         </p:nvSpPr>
         <p:spPr>
           <a:xfrm>
-            <a:off x="1804221" y="916399"/>
+            <a:off x="-2863029" y="727488"/>
             <a:ext cx="838339" cy="265317"/>
           </a:xfrm>
           <a:prstGeom prst="rect">
@@ -5901,7 +5980,7 @@
         </p:nvSpPr>
         <p:spPr>
           <a:xfrm>
-            <a:off x="1735546" y="1019294"/>
+            <a:off x="-2931704" y="830381"/>
             <a:ext cx="311902" cy="308214"/>
           </a:xfrm>
           <a:prstGeom prst="ellipse">
@@ -5953,7 +6032,7 @@
         </p:nvCxnSpPr>
         <p:spPr>
           <a:xfrm>
-            <a:off x="2037923" y="456649"/>
+            <a:off x="-2629327" y="-114851"/>
             <a:ext cx="419527" cy="0"/>
           </a:xfrm>
           <a:prstGeom prst="line">
@@ -5983,7 +6062,7 @@
         </p:nvCxnSpPr>
         <p:spPr>
           <a:xfrm>
-            <a:off x="2216321" y="472254"/>
+            <a:off x="-2450929" y="283342"/>
             <a:ext cx="7070" cy="436525"/>
           </a:xfrm>
           <a:prstGeom prst="straightConnector1">
@@ -6017,7 +6096,7 @@
         </p:nvSpPr>
         <p:spPr>
           <a:xfrm>
-            <a:off x="2276145" y="574614"/>
+            <a:off x="-2391105" y="385703"/>
             <a:ext cx="276555" cy="185857"/>
           </a:xfrm>
           <a:prstGeom prst="roundRect">
@@ -6063,7 +6142,7 @@
         </p:nvSpPr>
         <p:spPr>
           <a:xfrm>
-            <a:off x="2494398" y="578653"/>
+            <a:off x="-2172852" y="389742"/>
             <a:ext cx="373820" cy="276999"/>
           </a:xfrm>
           <a:prstGeom prst="rect">
@@ -6078,7 +6157,7 @@
           <a:lstStyle/>
           <a:p>
             <a:r>
-              <a:rPr lang="pt-BR" sz="1200" dirty="0" smtClean="0"/>
+              <a:rPr lang="pt-BR" sz="1200" dirty="0"/>
               <a:t>cm</a:t>
             </a:r>
             <a:endParaRPr lang="pt-BR" sz="1200" dirty="0"/>
@@ -6093,7 +6172,7 @@
         </p:nvSpPr>
         <p:spPr>
           <a:xfrm>
-            <a:off x="2383309" y="1019294"/>
+            <a:off x="-2283941" y="830381"/>
             <a:ext cx="311902" cy="308214"/>
           </a:xfrm>
           <a:prstGeom prst="ellipse">
@@ -6147,7 +6226,7 @@
         </p:nvCxnSpPr>
         <p:spPr>
           <a:xfrm>
-            <a:off x="311233" y="1944893"/>
+            <a:off x="-4356017" y="1755982"/>
             <a:ext cx="948947" cy="905627"/>
           </a:xfrm>
           <a:prstGeom prst="line">
@@ -6184,7 +6263,7 @@
         </p:nvSpPr>
         <p:spPr>
           <a:xfrm>
-            <a:off x="1717418" y="2082532"/>
+            <a:off x="-2949832" y="1893621"/>
             <a:ext cx="990986" cy="335755"/>
           </a:xfrm>
           <a:prstGeom prst="rect">
@@ -6236,7 +6315,7 @@
         </p:nvSpPr>
         <p:spPr>
           <a:xfrm>
-            <a:off x="1664436" y="2177712"/>
+            <a:off x="-3002814" y="1988801"/>
             <a:ext cx="373487" cy="386367"/>
           </a:xfrm>
           <a:prstGeom prst="ellipse">
@@ -6288,7 +6367,7 @@
         </p:nvSpPr>
         <p:spPr>
           <a:xfrm>
-            <a:off x="2371395" y="2177713"/>
+            <a:off x="-2295855" y="1988802"/>
             <a:ext cx="373487" cy="386367"/>
           </a:xfrm>
           <a:prstGeom prst="ellipse">
@@ -6340,7 +6419,7 @@
         </p:nvCxnSpPr>
         <p:spPr>
           <a:xfrm>
-            <a:off x="1358969" y="2016042"/>
+            <a:off x="-3308281" y="1827129"/>
             <a:ext cx="270600" cy="0"/>
           </a:xfrm>
           <a:prstGeom prst="line">
@@ -6377,7 +6456,7 @@
         </p:nvCxnSpPr>
         <p:spPr>
           <a:xfrm>
-            <a:off x="1422319" y="2127938"/>
+            <a:off x="-3244931" y="1939025"/>
             <a:ext cx="149306" cy="0"/>
           </a:xfrm>
           <a:prstGeom prst="line">
@@ -6414,7 +6493,7 @@
         </p:nvCxnSpPr>
         <p:spPr>
           <a:xfrm>
-            <a:off x="1455054" y="2248834"/>
+            <a:off x="-3212196" y="2059921"/>
             <a:ext cx="90377" cy="0"/>
           </a:xfrm>
           <a:prstGeom prst="line">
@@ -6451,7 +6530,7 @@
         </p:nvCxnSpPr>
         <p:spPr>
           <a:xfrm>
-            <a:off x="1358175" y="2744704"/>
+            <a:off x="-3309075" y="2555791"/>
             <a:ext cx="270600" cy="0"/>
           </a:xfrm>
           <a:prstGeom prst="line">
@@ -6488,7 +6567,7 @@
         </p:nvCxnSpPr>
         <p:spPr>
           <a:xfrm>
-            <a:off x="1420692" y="2632763"/>
+            <a:off x="-3246558" y="2443850"/>
             <a:ext cx="149306" cy="0"/>
           </a:xfrm>
           <a:prstGeom prst="line">
@@ -6525,7 +6604,7 @@
         </p:nvCxnSpPr>
         <p:spPr>
           <a:xfrm>
-            <a:off x="1450544" y="2512212"/>
+            <a:off x="-3216706" y="2323299"/>
             <a:ext cx="90377" cy="0"/>
           </a:xfrm>
           <a:prstGeom prst="line">
@@ -6562,7 +6641,7 @@
         </p:nvCxnSpPr>
         <p:spPr>
           <a:xfrm>
-            <a:off x="1630998" y="2014101"/>
+            <a:off x="-3036252" y="1825188"/>
             <a:ext cx="581913" cy="359258"/>
           </a:xfrm>
           <a:prstGeom prst="line">
@@ -6599,7 +6678,7 @@
         </p:nvCxnSpPr>
         <p:spPr>
           <a:xfrm>
-            <a:off x="1567962" y="2129129"/>
+            <a:off x="-3099288" y="1940218"/>
             <a:ext cx="644949" cy="238351"/>
           </a:xfrm>
           <a:prstGeom prst="line">
@@ -6636,7 +6715,7 @@
         </p:nvCxnSpPr>
         <p:spPr>
           <a:xfrm flipH="1" flipV="1">
-            <a:off x="1540921" y="2248064"/>
+            <a:off x="-3126329" y="2059151"/>
             <a:ext cx="675090" cy="119688"/>
           </a:xfrm>
           <a:prstGeom prst="line">
@@ -6673,7 +6752,7 @@
         </p:nvCxnSpPr>
         <p:spPr>
           <a:xfrm flipV="1">
-            <a:off x="1539081" y="2373990"/>
+            <a:off x="-3128169" y="2185077"/>
             <a:ext cx="673830" cy="141710"/>
           </a:xfrm>
           <a:prstGeom prst="line">
@@ -6710,7 +6789,7 @@
         </p:nvCxnSpPr>
         <p:spPr>
           <a:xfrm flipV="1">
-            <a:off x="1627341" y="2376134"/>
+            <a:off x="-3039909" y="2187223"/>
             <a:ext cx="582073" cy="368569"/>
           </a:xfrm>
           <a:prstGeom prst="line">
@@ -6747,7 +6826,7 @@
         </p:nvCxnSpPr>
         <p:spPr>
           <a:xfrm flipV="1">
-            <a:off x="1562935" y="2383073"/>
+            <a:off x="-3104315" y="2194160"/>
             <a:ext cx="643521" cy="252932"/>
           </a:xfrm>
           <a:prstGeom prst="line">
@@ -6786,7 +6865,7 @@
         </p:nvCxnSpPr>
         <p:spPr>
           <a:xfrm>
-            <a:off x="126192" y="2370894"/>
+            <a:off x="-4541058" y="2181983"/>
             <a:ext cx="1258214" cy="1"/>
           </a:xfrm>
           <a:prstGeom prst="line">
@@ -6821,7 +6900,7 @@
         </p:nvCxnSpPr>
         <p:spPr>
           <a:xfrm>
-            <a:off x="1589804" y="2370894"/>
+            <a:off x="-3077446" y="2181983"/>
             <a:ext cx="1258214" cy="1"/>
           </a:xfrm>
           <a:prstGeom prst="line">
@@ -6856,7 +6935,7 @@
         </p:nvSpPr>
         <p:spPr>
           <a:xfrm>
-            <a:off x="1420837" y="2246658"/>
+            <a:off x="-3246413" y="2057747"/>
             <a:ext cx="129432" cy="246221"/>
           </a:xfrm>
           <a:prstGeom prst="rect">
@@ -6872,7 +6951,7 @@
           <a:p>
             <a:pPr algn="ctr"/>
             <a:r>
-              <a:rPr lang="pt-BR" sz="1000" dirty="0" smtClean="0"/>
+              <a:rPr lang="pt-BR" sz="1000" dirty="0"/>
               <a:t>0</a:t>
             </a:r>
             <a:endParaRPr lang="pt-BR" sz="1000" dirty="0"/>
@@ -6887,7 +6966,7 @@
         </p:nvSpPr>
         <p:spPr>
           <a:xfrm>
-            <a:off x="1311727" y="1957288"/>
+            <a:off x="-3355523" y="1768377"/>
             <a:ext cx="342322" cy="246221"/>
           </a:xfrm>
           <a:prstGeom prst="rect">
@@ -6903,7 +6982,7 @@
           <a:p>
             <a:pPr algn="ctr"/>
             <a:r>
-              <a:rPr lang="pt-BR" sz="1000" dirty="0" smtClean="0"/>
+              <a:rPr lang="pt-BR" sz="1000" dirty="0"/>
               <a:t>20</a:t>
             </a:r>
             <a:endParaRPr lang="pt-BR" sz="1000" dirty="0"/>
@@ -6918,7 +6997,7 @@
         </p:nvSpPr>
         <p:spPr>
           <a:xfrm>
-            <a:off x="1293592" y="2073414"/>
+            <a:off x="-3373658" y="1884503"/>
             <a:ext cx="373023" cy="246221"/>
           </a:xfrm>
           <a:prstGeom prst="rect">
@@ -6934,7 +7013,7 @@
           <a:p>
             <a:pPr algn="ctr"/>
             <a:r>
-              <a:rPr lang="pt-BR" sz="1000" dirty="0" smtClean="0"/>
+              <a:rPr lang="pt-BR" sz="1000" dirty="0"/>
               <a:t>10</a:t>
             </a:r>
             <a:endParaRPr lang="pt-BR" sz="1000" dirty="0"/>
@@ -6949,7 +7028,7 @@
         </p:nvSpPr>
         <p:spPr>
           <a:xfrm>
-            <a:off x="1292900" y="2445889"/>
+            <a:off x="-3374350" y="2256978"/>
             <a:ext cx="373023" cy="246221"/>
           </a:xfrm>
           <a:prstGeom prst="rect">
@@ -6965,7 +7044,7 @@
           <a:p>
             <a:pPr algn="ctr"/>
             <a:r>
-              <a:rPr lang="pt-BR" sz="1000" dirty="0" smtClean="0"/>
+              <a:rPr lang="pt-BR" sz="1000" dirty="0"/>
               <a:t>10</a:t>
             </a:r>
             <a:endParaRPr lang="pt-BR" sz="1000" dirty="0"/>
@@ -6980,7 +7059,7 @@
         </p:nvCxnSpPr>
         <p:spPr>
           <a:xfrm rot="20996361" flipV="1">
-            <a:off x="731589" y="2186650"/>
+            <a:off x="-3935661" y="1997737"/>
             <a:ext cx="692135" cy="123424"/>
           </a:xfrm>
           <a:prstGeom prst="line">
@@ -7017,7 +7096,7 @@
         </p:nvCxnSpPr>
         <p:spPr>
           <a:xfrm rot="20996361" flipV="1">
-            <a:off x="723494" y="2068979"/>
+            <a:off x="-3943756" y="1880068"/>
             <a:ext cx="656709" cy="241793"/>
           </a:xfrm>
           <a:prstGeom prst="line">
@@ -7054,7 +7133,7 @@
         </p:nvSpPr>
         <p:spPr>
           <a:xfrm>
-            <a:off x="446787" y="2080150"/>
+            <a:off x="-4220463" y="1891239"/>
             <a:ext cx="629334" cy="338137"/>
           </a:xfrm>
           <a:prstGeom prst="rect">
@@ -7106,7 +7185,7 @@
         </p:nvSpPr>
         <p:spPr>
           <a:xfrm>
-            <a:off x="1120219" y="2175330"/>
+            <a:off x="-3547031" y="1986419"/>
             <a:ext cx="118540" cy="386367"/>
           </a:xfrm>
           <a:prstGeom prst="roundRect">
@@ -7158,7 +7237,7 @@
         </p:nvSpPr>
         <p:spPr>
           <a:xfrm>
-            <a:off x="296328" y="2175330"/>
+            <a:off x="-4370922" y="1986419"/>
             <a:ext cx="118540" cy="386367"/>
           </a:xfrm>
           <a:prstGeom prst="roundRect">
@@ -7222,10 +7301,4246 @@
 </p:sld>
 </file>
 
+<file path=ppt/slides/slide2.xml><?xml version="1.0" encoding="utf-8"?>
+<p:sld xmlns:a="http://schemas.openxmlformats.org/drawingml/2006/main" xmlns:r="http://schemas.openxmlformats.org/officeDocument/2006/relationships" xmlns:p="http://schemas.openxmlformats.org/presentationml/2006/main">
+  <p:cSld>
+    <p:bg>
+      <p:bgPr>
+        <a:solidFill>
+          <a:schemeClr val="bg1">
+            <a:lumMod val="75000"/>
+          </a:schemeClr>
+        </a:solidFill>
+        <a:effectLst/>
+      </p:bgPr>
+    </p:bg>
+    <p:spTree>
+      <p:nvGrpSpPr>
+        <p:cNvPr id="1" name=""/>
+        <p:cNvGrpSpPr/>
+        <p:nvPr/>
+      </p:nvGrpSpPr>
+      <p:grpSpPr>
+        <a:xfrm>
+          <a:off x="0" y="0"/>
+          <a:ext cx="0" cy="0"/>
+          <a:chOff x="0" y="0"/>
+          <a:chExt cx="0" cy="0"/>
+        </a:xfrm>
+      </p:grpSpPr>
+      <p:sp>
+        <p:nvSpPr>
+          <p:cNvPr id="146" name="Retângulo de cantos arredondados 145"/>
+          <p:cNvSpPr>
+            <a:spLocks/>
+          </p:cNvSpPr>
+          <p:nvPr/>
+        </p:nvSpPr>
+        <p:spPr>
+          <a:xfrm>
+            <a:off x="1967480" y="4652898"/>
+            <a:ext cx="56881" cy="288001"/>
+          </a:xfrm>
+          <a:prstGeom prst="roundRect">
+            <a:avLst/>
+          </a:prstGeom>
+        </p:spPr>
+        <p:style>
+          <a:lnRef idx="2">
+            <a:schemeClr val="accent1">
+              <a:shade val="50000"/>
+            </a:schemeClr>
+          </a:lnRef>
+          <a:fillRef idx="1">
+            <a:schemeClr val="accent1"/>
+          </a:fillRef>
+          <a:effectRef idx="0">
+            <a:schemeClr val="accent1"/>
+          </a:effectRef>
+          <a:fontRef idx="minor">
+            <a:schemeClr val="lt1"/>
+          </a:fontRef>
+        </p:style>
+        <p:txBody>
+          <a:bodyPr rtlCol="0" anchor="ctr"/>
+          <a:lstStyle/>
+          <a:p>
+            <a:pPr algn="ctr"/>
+            <a:endParaRPr lang="pt-BR"/>
+          </a:p>
+        </p:txBody>
+      </p:sp>
+      <p:grpSp>
+        <p:nvGrpSpPr>
+          <p:cNvPr id="54" name="Agrupar 53"/>
+          <p:cNvGrpSpPr>
+            <a:grpSpLocks/>
+          </p:cNvGrpSpPr>
+          <p:nvPr/>
+        </p:nvGrpSpPr>
+        <p:grpSpPr>
+          <a:xfrm>
+            <a:off x="206249" y="5052308"/>
+            <a:ext cx="2360321" cy="315523"/>
+            <a:chOff x="-5910349" y="4990303"/>
+            <a:chExt cx="2950402" cy="394403"/>
+          </a:xfrm>
+        </p:grpSpPr>
+        <p:sp>
+          <p:nvSpPr>
+            <p:cNvPr id="9" name="CaixaDeTexto 8"/>
+            <p:cNvSpPr txBox="1"/>
+            <p:nvPr/>
+          </p:nvSpPr>
+          <p:spPr>
+            <a:xfrm>
+              <a:off x="-5910349" y="4997333"/>
+              <a:ext cx="1152559" cy="384721"/>
+            </a:xfrm>
+            <a:prstGeom prst="rect">
+              <a:avLst/>
+            </a:prstGeom>
+            <a:noFill/>
+          </p:spPr>
+          <p:txBody>
+            <a:bodyPr wrap="none" rtlCol="0">
+              <a:spAutoFit/>
+            </a:bodyPr>
+            <a:lstStyle/>
+            <a:p>
+              <a:r>
+                <a:rPr lang="pt-BR" sz="1400" dirty="0">
+                  <a:latin typeface="Arial" panose="020B0604020202020204" pitchFamily="34" charset="0"/>
+                  <a:cs typeface="Arial" panose="020B0604020202020204" pitchFamily="34" charset="0"/>
+                </a:rPr>
+                <a:t>Distancia</a:t>
+              </a:r>
+              <a:endParaRPr lang="pt-BR" sz="1400" dirty="0">
+                <a:latin typeface="Arial" panose="020B0604020202020204" pitchFamily="34" charset="0"/>
+                <a:cs typeface="Arial" panose="020B0604020202020204" pitchFamily="34" charset="0"/>
+              </a:endParaRPr>
+            </a:p>
+          </p:txBody>
+        </p:sp>
+        <p:sp>
+          <p:nvSpPr>
+            <p:cNvPr id="147" name="Retângulo de cantos arredondados 146"/>
+            <p:cNvSpPr/>
+            <p:nvPr/>
+          </p:nvSpPr>
+          <p:spPr>
+            <a:xfrm>
+              <a:off x="-3673157" y="5015374"/>
+              <a:ext cx="713210" cy="369332"/>
+            </a:xfrm>
+            <a:prstGeom prst="roundRect">
+              <a:avLst/>
+            </a:prstGeom>
+            <a:solidFill>
+              <a:schemeClr val="bg1"/>
+            </a:solidFill>
+          </p:spPr>
+          <p:style>
+            <a:lnRef idx="2">
+              <a:schemeClr val="accent1">
+                <a:shade val="50000"/>
+              </a:schemeClr>
+            </a:lnRef>
+            <a:fillRef idx="1">
+              <a:schemeClr val="accent1"/>
+            </a:fillRef>
+            <a:effectRef idx="0">
+              <a:schemeClr val="accent1"/>
+            </a:effectRef>
+            <a:fontRef idx="minor">
+              <a:schemeClr val="lt1"/>
+            </a:fontRef>
+          </p:style>
+          <p:txBody>
+            <a:bodyPr rtlCol="0" anchor="ctr"/>
+            <a:lstStyle/>
+            <a:p>
+              <a:pPr algn="ctr"/>
+              <a:endParaRPr lang="pt-BR"/>
+            </a:p>
+          </p:txBody>
+        </p:sp>
+        <p:sp>
+          <p:nvSpPr>
+            <p:cNvPr id="151" name="CaixaDeTexto 150"/>
+            <p:cNvSpPr txBox="1"/>
+            <p:nvPr/>
+          </p:nvSpPr>
+          <p:spPr>
+            <a:xfrm>
+              <a:off x="-4509149" y="4990303"/>
+              <a:ext cx="779861" cy="384721"/>
+            </a:xfrm>
+            <a:prstGeom prst="rect">
+              <a:avLst/>
+            </a:prstGeom>
+            <a:noFill/>
+          </p:spPr>
+          <p:txBody>
+            <a:bodyPr wrap="none" rtlCol="0">
+              <a:spAutoFit/>
+            </a:bodyPr>
+            <a:lstStyle/>
+            <a:p>
+              <a:r>
+                <a:rPr lang="pt-BR" sz="1400" dirty="0">
+                  <a:latin typeface="Arial" panose="020B0604020202020204" pitchFamily="34" charset="0"/>
+                  <a:cs typeface="Arial" panose="020B0604020202020204" pitchFamily="34" charset="0"/>
+                </a:rPr>
+                <a:t>XX m</a:t>
+              </a:r>
+              <a:endParaRPr lang="pt-BR" sz="1400" dirty="0">
+                <a:latin typeface="Arial" panose="020B0604020202020204" pitchFamily="34" charset="0"/>
+                <a:cs typeface="Arial" panose="020B0604020202020204" pitchFamily="34" charset="0"/>
+              </a:endParaRPr>
+            </a:p>
+          </p:txBody>
+        </p:sp>
+      </p:grpSp>
+      <p:grpSp>
+        <p:nvGrpSpPr>
+          <p:cNvPr id="51" name="Agrupar 50"/>
+          <p:cNvGrpSpPr>
+            <a:grpSpLocks/>
+          </p:cNvGrpSpPr>
+          <p:nvPr/>
+        </p:nvGrpSpPr>
+        <p:grpSpPr>
+          <a:xfrm>
+            <a:off x="339135" y="2642643"/>
+            <a:ext cx="2058095" cy="588791"/>
+            <a:chOff x="-5915791" y="2670511"/>
+            <a:chExt cx="2572618" cy="735988"/>
+          </a:xfrm>
+        </p:grpSpPr>
+        <p:sp>
+          <p:nvSpPr>
+            <p:cNvPr id="10" name="Retângulo 9"/>
+            <p:cNvSpPr/>
+            <p:nvPr/>
+          </p:nvSpPr>
+          <p:spPr>
+            <a:xfrm>
+              <a:off x="-5915791" y="2670511"/>
+              <a:ext cx="1312860" cy="384721"/>
+            </a:xfrm>
+            <a:prstGeom prst="rect">
+              <a:avLst/>
+            </a:prstGeom>
+          </p:spPr>
+          <p:txBody>
+            <a:bodyPr wrap="none">
+              <a:spAutoFit/>
+            </a:bodyPr>
+            <a:lstStyle/>
+            <a:p>
+              <a:r>
+                <a:rPr lang="pt-BR" sz="1400" dirty="0">
+                  <a:latin typeface="Arial" panose="020B0604020202020204" pitchFamily="34" charset="0"/>
+                  <a:cs typeface="Arial" panose="020B0604020202020204" pitchFamily="34" charset="0"/>
+                </a:rPr>
+                <a:t>Iluminação</a:t>
+              </a:r>
+              <a:endParaRPr lang="pt-BR" sz="1400" dirty="0">
+                <a:latin typeface="Arial" panose="020B0604020202020204" pitchFamily="34" charset="0"/>
+                <a:cs typeface="Arial" panose="020B0604020202020204" pitchFamily="34" charset="0"/>
+              </a:endParaRPr>
+            </a:p>
+          </p:txBody>
+        </p:sp>
+        <p:sp>
+          <p:nvSpPr>
+            <p:cNvPr id="85" name="Retângulo de cantos arredondados 84"/>
+            <p:cNvSpPr/>
+            <p:nvPr/>
+          </p:nvSpPr>
+          <p:spPr>
+            <a:xfrm>
+              <a:off x="-5477506" y="3147197"/>
+              <a:ext cx="1678278" cy="190570"/>
+            </a:xfrm>
+            <a:prstGeom prst="roundRect">
+              <a:avLst/>
+            </a:prstGeom>
+            <a:solidFill>
+              <a:schemeClr val="tx2">
+                <a:lumMod val="20000"/>
+                <a:lumOff val="80000"/>
+              </a:schemeClr>
+            </a:solidFill>
+            <a:ln>
+              <a:solidFill>
+                <a:schemeClr val="tx1">
+                  <a:lumMod val="65000"/>
+                  <a:lumOff val="35000"/>
+                </a:schemeClr>
+              </a:solidFill>
+            </a:ln>
+          </p:spPr>
+          <p:style>
+            <a:lnRef idx="2">
+              <a:schemeClr val="accent1">
+                <a:shade val="50000"/>
+              </a:schemeClr>
+            </a:lnRef>
+            <a:fillRef idx="1">
+              <a:schemeClr val="accent1"/>
+            </a:fillRef>
+            <a:effectRef idx="0">
+              <a:schemeClr val="accent1"/>
+            </a:effectRef>
+            <a:fontRef idx="minor">
+              <a:schemeClr val="lt1"/>
+            </a:fontRef>
+          </p:style>
+          <p:txBody>
+            <a:bodyPr rtlCol="0" anchor="ctr"/>
+            <a:lstStyle/>
+            <a:p>
+              <a:pPr algn="ctr"/>
+              <a:endParaRPr lang="pt-BR"/>
+            </a:p>
+          </p:txBody>
+        </p:sp>
+        <p:sp>
+          <p:nvSpPr>
+            <p:cNvPr id="88" name="Elipse 87"/>
+            <p:cNvSpPr/>
+            <p:nvPr/>
+          </p:nvSpPr>
+          <p:spPr>
+            <a:xfrm>
+              <a:off x="-4715570" y="3089260"/>
+              <a:ext cx="90377" cy="272072"/>
+            </a:xfrm>
+            <a:prstGeom prst="ellipse">
+              <a:avLst/>
+            </a:prstGeom>
+            <a:solidFill>
+              <a:schemeClr val="accent1">
+                <a:lumMod val="75000"/>
+              </a:schemeClr>
+            </a:solidFill>
+            <a:ln>
+              <a:solidFill>
+                <a:schemeClr val="accent1">
+                  <a:lumMod val="75000"/>
+                </a:schemeClr>
+              </a:solidFill>
+            </a:ln>
+          </p:spPr>
+          <p:style>
+            <a:lnRef idx="2">
+              <a:schemeClr val="accent1">
+                <a:shade val="50000"/>
+              </a:schemeClr>
+            </a:lnRef>
+            <a:fillRef idx="1">
+              <a:schemeClr val="accent1"/>
+            </a:fillRef>
+            <a:effectRef idx="0">
+              <a:schemeClr val="accent1"/>
+            </a:effectRef>
+            <a:fontRef idx="minor">
+              <a:schemeClr val="lt1"/>
+            </a:fontRef>
+          </p:style>
+          <p:txBody>
+            <a:bodyPr rtlCol="0" anchor="ctr"/>
+            <a:lstStyle/>
+            <a:p>
+              <a:pPr algn="ctr"/>
+              <a:endParaRPr lang="pt-BR"/>
+            </a:p>
+          </p:txBody>
+        </p:sp>
+        <p:sp>
+          <p:nvSpPr>
+            <p:cNvPr id="96" name="Elipse 95"/>
+            <p:cNvSpPr/>
+            <p:nvPr/>
+          </p:nvSpPr>
+          <p:spPr>
+            <a:xfrm>
+              <a:off x="-3636102" y="2997972"/>
+              <a:ext cx="292929" cy="317308"/>
+            </a:xfrm>
+            <a:prstGeom prst="ellipse">
+              <a:avLst/>
+            </a:prstGeom>
+            <a:solidFill>
+              <a:srgbClr val="FFFF00"/>
+            </a:solidFill>
+            <a:ln>
+              <a:solidFill>
+                <a:srgbClr val="FFFF00"/>
+              </a:solidFill>
+            </a:ln>
+            <a:effectLst>
+              <a:glow rad="228600">
+                <a:schemeClr val="accent4">
+                  <a:satMod val="175000"/>
+                  <a:alpha val="40000"/>
+                </a:schemeClr>
+              </a:glow>
+            </a:effectLst>
+          </p:spPr>
+          <p:style>
+            <a:lnRef idx="2">
+              <a:schemeClr val="accent1">
+                <a:shade val="50000"/>
+              </a:schemeClr>
+            </a:lnRef>
+            <a:fillRef idx="1">
+              <a:schemeClr val="accent1"/>
+            </a:fillRef>
+            <a:effectRef idx="0">
+              <a:schemeClr val="accent1"/>
+            </a:effectRef>
+            <a:fontRef idx="minor">
+              <a:schemeClr val="lt1"/>
+            </a:fontRef>
+          </p:style>
+          <p:txBody>
+            <a:bodyPr rtlCol="0" anchor="ctr"/>
+            <a:lstStyle/>
+            <a:p>
+              <a:pPr algn="ctr"/>
+              <a:endParaRPr lang="pt-BR">
+                <a:solidFill>
+                  <a:srgbClr val="FFFF00"/>
+                </a:solidFill>
+              </a:endParaRPr>
+            </a:p>
+          </p:txBody>
+        </p:sp>
+        <p:sp>
+          <p:nvSpPr>
+            <p:cNvPr id="179" name="Elipse 178"/>
+            <p:cNvSpPr/>
+            <p:nvPr/>
+          </p:nvSpPr>
+          <p:spPr>
+            <a:xfrm>
+              <a:off x="-5909421" y="3078463"/>
+              <a:ext cx="328237" cy="328036"/>
+            </a:xfrm>
+            <a:prstGeom prst="ellipse">
+              <a:avLst/>
+            </a:prstGeom>
+            <a:solidFill>
+              <a:schemeClr val="bg1">
+                <a:lumMod val="65000"/>
+              </a:schemeClr>
+            </a:solidFill>
+            <a:ln>
+              <a:solidFill>
+                <a:schemeClr val="bg2">
+                  <a:lumMod val="50000"/>
+                </a:schemeClr>
+              </a:solidFill>
+            </a:ln>
+            <a:effectLst>
+              <a:innerShdw blurRad="63500" dist="50800" dir="13500000">
+                <a:prstClr val="black">
+                  <a:alpha val="50000"/>
+                </a:prstClr>
+              </a:innerShdw>
+            </a:effectLst>
+          </p:spPr>
+          <p:style>
+            <a:lnRef idx="2">
+              <a:schemeClr val="dk1">
+                <a:shade val="50000"/>
+              </a:schemeClr>
+            </a:lnRef>
+            <a:fillRef idx="1">
+              <a:schemeClr val="dk1"/>
+            </a:fillRef>
+            <a:effectRef idx="0">
+              <a:schemeClr val="dk1"/>
+            </a:effectRef>
+            <a:fontRef idx="minor">
+              <a:schemeClr val="lt1"/>
+            </a:fontRef>
+          </p:style>
+          <p:txBody>
+            <a:bodyPr rtlCol="0" anchor="ctr"/>
+            <a:lstStyle/>
+            <a:p>
+              <a:pPr algn="ctr"/>
+              <a:endParaRPr lang="pt-BR">
+                <a:solidFill>
+                  <a:schemeClr val="tx1">
+                    <a:lumMod val="85000"/>
+                    <a:lumOff val="15000"/>
+                  </a:schemeClr>
+                </a:solidFill>
+              </a:endParaRPr>
+            </a:p>
+          </p:txBody>
+        </p:sp>
+      </p:grpSp>
+      <p:grpSp>
+        <p:nvGrpSpPr>
+          <p:cNvPr id="48" name="Agrupar 47"/>
+          <p:cNvGrpSpPr>
+            <a:grpSpLocks/>
+          </p:cNvGrpSpPr>
+          <p:nvPr/>
+        </p:nvGrpSpPr>
+        <p:grpSpPr>
+          <a:xfrm>
+            <a:off x="229145" y="408353"/>
+            <a:ext cx="587092" cy="624184"/>
+            <a:chOff x="-6023814" y="-495027"/>
+            <a:chExt cx="1306007" cy="1270940"/>
+          </a:xfrm>
+        </p:grpSpPr>
+        <p:sp>
+          <p:nvSpPr>
+            <p:cNvPr id="97" name="Seta para cima 96"/>
+            <p:cNvSpPr/>
+            <p:nvPr/>
+          </p:nvSpPr>
+          <p:spPr>
+            <a:xfrm>
+              <a:off x="-5534461" y="-495027"/>
+              <a:ext cx="351527" cy="495027"/>
+            </a:xfrm>
+            <a:prstGeom prst="upArrow">
+              <a:avLst/>
+            </a:prstGeom>
+          </p:spPr>
+          <p:style>
+            <a:lnRef idx="2">
+              <a:schemeClr val="accent1">
+                <a:shade val="50000"/>
+              </a:schemeClr>
+            </a:lnRef>
+            <a:fillRef idx="1">
+              <a:schemeClr val="accent1"/>
+            </a:fillRef>
+            <a:effectRef idx="0">
+              <a:schemeClr val="accent1"/>
+            </a:effectRef>
+            <a:fontRef idx="minor">
+              <a:schemeClr val="lt1"/>
+            </a:fontRef>
+          </p:style>
+          <p:txBody>
+            <a:bodyPr rtlCol="0" anchor="ctr"/>
+            <a:lstStyle/>
+            <a:p>
+              <a:pPr algn="ctr"/>
+              <a:endParaRPr lang="pt-BR" dirty="0"/>
+            </a:p>
+          </p:txBody>
+        </p:sp>
+        <p:sp>
+          <p:nvSpPr>
+            <p:cNvPr id="181" name="Seta para cima 180"/>
+            <p:cNvSpPr/>
+            <p:nvPr/>
+          </p:nvSpPr>
+          <p:spPr>
+            <a:xfrm rot="5400000">
+              <a:off x="-5126135" y="-86435"/>
+              <a:ext cx="351527" cy="465129"/>
+            </a:xfrm>
+            <a:prstGeom prst="upArrow">
+              <a:avLst/>
+            </a:prstGeom>
+          </p:spPr>
+          <p:style>
+            <a:lnRef idx="2">
+              <a:schemeClr val="accent1">
+                <a:shade val="50000"/>
+              </a:schemeClr>
+            </a:lnRef>
+            <a:fillRef idx="1">
+              <a:schemeClr val="accent1"/>
+            </a:fillRef>
+            <a:effectRef idx="0">
+              <a:schemeClr val="accent1"/>
+            </a:effectRef>
+            <a:fontRef idx="minor">
+              <a:schemeClr val="lt1"/>
+            </a:fontRef>
+          </p:style>
+          <p:txBody>
+            <a:bodyPr rtlCol="0" anchor="ctr"/>
+            <a:lstStyle/>
+            <a:p>
+              <a:pPr algn="ctr"/>
+              <a:endParaRPr lang="pt-BR"/>
+            </a:p>
+          </p:txBody>
+        </p:sp>
+        <p:sp>
+          <p:nvSpPr>
+            <p:cNvPr id="182" name="Seta para cima 181"/>
+            <p:cNvSpPr/>
+            <p:nvPr/>
+          </p:nvSpPr>
+          <p:spPr>
+            <a:xfrm rot="5400000" flipV="1">
+              <a:off x="-5954901" y="-89286"/>
+              <a:ext cx="351527" cy="489354"/>
+            </a:xfrm>
+            <a:prstGeom prst="upArrow">
+              <a:avLst/>
+            </a:prstGeom>
+          </p:spPr>
+          <p:style>
+            <a:lnRef idx="2">
+              <a:schemeClr val="accent1">
+                <a:shade val="50000"/>
+              </a:schemeClr>
+            </a:lnRef>
+            <a:fillRef idx="1">
+              <a:schemeClr val="accent1"/>
+            </a:fillRef>
+            <a:effectRef idx="0">
+              <a:schemeClr val="accent1"/>
+            </a:effectRef>
+            <a:fontRef idx="minor">
+              <a:schemeClr val="lt1"/>
+            </a:fontRef>
+          </p:style>
+          <p:txBody>
+            <a:bodyPr rtlCol="0" anchor="ctr"/>
+            <a:lstStyle/>
+            <a:p>
+              <a:pPr algn="ctr"/>
+              <a:endParaRPr lang="pt-BR"/>
+            </a:p>
+          </p:txBody>
+        </p:sp>
+        <p:sp>
+          <p:nvSpPr>
+            <p:cNvPr id="183" name="Seta para cima 182"/>
+            <p:cNvSpPr/>
+            <p:nvPr/>
+          </p:nvSpPr>
+          <p:spPr>
+            <a:xfrm flipV="1">
+              <a:off x="-5534462" y="307114"/>
+              <a:ext cx="351527" cy="468799"/>
+            </a:xfrm>
+            <a:prstGeom prst="upArrow">
+              <a:avLst/>
+            </a:prstGeom>
+          </p:spPr>
+          <p:style>
+            <a:lnRef idx="2">
+              <a:schemeClr val="accent1">
+                <a:shade val="50000"/>
+              </a:schemeClr>
+            </a:lnRef>
+            <a:fillRef idx="1">
+              <a:schemeClr val="accent1"/>
+            </a:fillRef>
+            <a:effectRef idx="0">
+              <a:schemeClr val="accent1"/>
+            </a:effectRef>
+            <a:fontRef idx="minor">
+              <a:schemeClr val="lt1"/>
+            </a:fontRef>
+          </p:style>
+          <p:txBody>
+            <a:bodyPr rtlCol="0" anchor="ctr"/>
+            <a:lstStyle/>
+            <a:p>
+              <a:pPr algn="ctr"/>
+              <a:endParaRPr lang="pt-BR" dirty="0"/>
+            </a:p>
+          </p:txBody>
+        </p:sp>
+      </p:grpSp>
+      <p:grpSp>
+        <p:nvGrpSpPr>
+          <p:cNvPr id="50" name="Agrupar 49"/>
+          <p:cNvGrpSpPr>
+            <a:grpSpLocks/>
+          </p:cNvGrpSpPr>
+          <p:nvPr/>
+        </p:nvGrpSpPr>
+        <p:grpSpPr>
+          <a:xfrm>
+            <a:off x="229145" y="1090717"/>
+            <a:ext cx="2434680" cy="1629705"/>
+            <a:chOff x="-6091643" y="889341"/>
+            <a:chExt cx="2926198" cy="1875632"/>
+          </a:xfrm>
+        </p:grpSpPr>
+        <p:sp>
+          <p:nvSpPr>
+            <p:cNvPr id="142" name="Semicírculos 141"/>
+            <p:cNvSpPr/>
+            <p:nvPr/>
+          </p:nvSpPr>
+          <p:spPr>
+            <a:xfrm rot="5400000" flipV="1">
+              <a:off x="-4750003" y="940950"/>
+              <a:ext cx="1550658" cy="1447442"/>
+            </a:xfrm>
+            <a:prstGeom prst="blockArc">
+              <a:avLst>
+                <a:gd name="adj1" fmla="val 10943223"/>
+                <a:gd name="adj2" fmla="val 21498503"/>
+                <a:gd name="adj3" fmla="val 11655"/>
+              </a:avLst>
+            </a:prstGeom>
+            <a:gradFill flip="none" rotWithShape="1">
+              <a:gsLst>
+                <a:gs pos="0">
+                  <a:schemeClr val="accent1">
+                    <a:lumMod val="40000"/>
+                    <a:lumOff val="60000"/>
+                    <a:shade val="30000"/>
+                    <a:satMod val="115000"/>
+                  </a:schemeClr>
+                </a:gs>
+                <a:gs pos="50000">
+                  <a:schemeClr val="accent1">
+                    <a:lumMod val="40000"/>
+                    <a:lumOff val="60000"/>
+                    <a:shade val="67500"/>
+                    <a:satMod val="115000"/>
+                  </a:schemeClr>
+                </a:gs>
+                <a:gs pos="100000">
+                  <a:schemeClr val="accent1">
+                    <a:lumMod val="40000"/>
+                    <a:lumOff val="60000"/>
+                    <a:shade val="100000"/>
+                    <a:satMod val="115000"/>
+                  </a:schemeClr>
+                </a:gs>
+              </a:gsLst>
+              <a:lin ang="5400000" scaled="1"/>
+              <a:tileRect/>
+            </a:gradFill>
+            <a:ln>
+              <a:noFill/>
+            </a:ln>
+          </p:spPr>
+          <p:style>
+            <a:lnRef idx="2">
+              <a:schemeClr val="accent1">
+                <a:shade val="50000"/>
+              </a:schemeClr>
+            </a:lnRef>
+            <a:fillRef idx="1">
+              <a:schemeClr val="accent1"/>
+            </a:fillRef>
+            <a:effectRef idx="0">
+              <a:schemeClr val="accent1"/>
+            </a:effectRef>
+            <a:fontRef idx="minor">
+              <a:schemeClr val="lt1"/>
+            </a:fontRef>
+          </p:style>
+          <p:txBody>
+            <a:bodyPr rtlCol="0" anchor="ctr"/>
+            <a:lstStyle/>
+            <a:p>
+              <a:pPr algn="ctr"/>
+              <a:endParaRPr lang="pt-BR">
+                <a:solidFill>
+                  <a:schemeClr val="tx1"/>
+                </a:solidFill>
+              </a:endParaRPr>
+            </a:p>
+          </p:txBody>
+        </p:sp>
+        <p:sp>
+          <p:nvSpPr>
+            <p:cNvPr id="84" name="Semicírculos 83"/>
+            <p:cNvSpPr/>
+            <p:nvPr/>
+          </p:nvSpPr>
+          <p:spPr>
+            <a:xfrm rot="5400000">
+              <a:off x="-6075792" y="910338"/>
+              <a:ext cx="1552573" cy="1510579"/>
+            </a:xfrm>
+            <a:prstGeom prst="blockArc">
+              <a:avLst>
+                <a:gd name="adj1" fmla="val 10943223"/>
+                <a:gd name="adj2" fmla="val 21498503"/>
+                <a:gd name="adj3" fmla="val 11655"/>
+              </a:avLst>
+            </a:prstGeom>
+            <a:gradFill flip="none" rotWithShape="1">
+              <a:gsLst>
+                <a:gs pos="0">
+                  <a:schemeClr val="accent1">
+                    <a:lumMod val="40000"/>
+                    <a:lumOff val="60000"/>
+                    <a:shade val="30000"/>
+                    <a:satMod val="115000"/>
+                  </a:schemeClr>
+                </a:gs>
+                <a:gs pos="50000">
+                  <a:schemeClr val="accent1">
+                    <a:lumMod val="40000"/>
+                    <a:lumOff val="60000"/>
+                    <a:shade val="67500"/>
+                    <a:satMod val="115000"/>
+                  </a:schemeClr>
+                </a:gs>
+                <a:gs pos="100000">
+                  <a:schemeClr val="accent1">
+                    <a:lumMod val="40000"/>
+                    <a:lumOff val="60000"/>
+                    <a:shade val="100000"/>
+                    <a:satMod val="115000"/>
+                  </a:schemeClr>
+                </a:gs>
+              </a:gsLst>
+              <a:lin ang="5400000" scaled="1"/>
+              <a:tileRect/>
+            </a:gradFill>
+            <a:ln>
+              <a:noFill/>
+            </a:ln>
+          </p:spPr>
+          <p:style>
+            <a:lnRef idx="2">
+              <a:schemeClr val="accent1">
+                <a:shade val="50000"/>
+              </a:schemeClr>
+            </a:lnRef>
+            <a:fillRef idx="1">
+              <a:schemeClr val="accent1"/>
+            </a:fillRef>
+            <a:effectRef idx="0">
+              <a:schemeClr val="accent1"/>
+            </a:effectRef>
+            <a:fontRef idx="minor">
+              <a:schemeClr val="lt1"/>
+            </a:fontRef>
+          </p:style>
+          <p:txBody>
+            <a:bodyPr rtlCol="0" anchor="ctr"/>
+            <a:lstStyle/>
+            <a:p>
+              <a:pPr algn="ctr"/>
+              <a:endParaRPr lang="pt-BR">
+                <a:solidFill>
+                  <a:schemeClr val="tx1"/>
+                </a:solidFill>
+              </a:endParaRPr>
+            </a:p>
+          </p:txBody>
+        </p:sp>
+        <p:sp>
+          <p:nvSpPr>
+            <p:cNvPr id="14" name="Elipse 13"/>
+            <p:cNvSpPr/>
+            <p:nvPr/>
+          </p:nvSpPr>
+          <p:spPr>
+            <a:xfrm>
+              <a:off x="-5999975" y="1056258"/>
+              <a:ext cx="1257300" cy="1204913"/>
+            </a:xfrm>
+            <a:prstGeom prst="ellipse">
+              <a:avLst/>
+            </a:prstGeom>
+            <a:gradFill flip="none" rotWithShape="1">
+              <a:gsLst>
+                <a:gs pos="84000">
+                  <a:srgbClr val="BACDDE"/>
+                </a:gs>
+                <a:gs pos="20000">
+                  <a:schemeClr val="accent1">
+                    <a:lumMod val="60000"/>
+                    <a:lumOff val="40000"/>
+                  </a:schemeClr>
+                </a:gs>
+                <a:gs pos="70000">
+                  <a:schemeClr val="bg1">
+                    <a:shade val="67500"/>
+                    <a:satMod val="115000"/>
+                  </a:schemeClr>
+                </a:gs>
+                <a:gs pos="100000">
+                  <a:schemeClr val="bg1">
+                    <a:shade val="100000"/>
+                    <a:satMod val="115000"/>
+                  </a:schemeClr>
+                </a:gs>
+              </a:gsLst>
+              <a:path path="circle">
+                <a:fillToRect l="50000" t="50000" r="50000" b="50000"/>
+              </a:path>
+              <a:tileRect/>
+            </a:gradFill>
+            <a:ln w="28575">
+              <a:solidFill>
+                <a:schemeClr val="tx1"/>
+              </a:solidFill>
+            </a:ln>
+          </p:spPr>
+          <p:style>
+            <a:lnRef idx="2">
+              <a:schemeClr val="accent1">
+                <a:shade val="50000"/>
+              </a:schemeClr>
+            </a:lnRef>
+            <a:fillRef idx="1">
+              <a:schemeClr val="accent1"/>
+            </a:fillRef>
+            <a:effectRef idx="0">
+              <a:schemeClr val="accent1"/>
+            </a:effectRef>
+            <a:fontRef idx="minor">
+              <a:schemeClr val="lt1"/>
+            </a:fontRef>
+          </p:style>
+          <p:txBody>
+            <a:bodyPr rtlCol="0" anchor="ctr"/>
+            <a:lstStyle/>
+            <a:p>
+              <a:pPr algn="ctr"/>
+              <a:endParaRPr lang="pt-BR">
+                <a:ln>
+                  <a:solidFill>
+                    <a:schemeClr val="tx1"/>
+                  </a:solidFill>
+                </a:ln>
+                <a:noFill/>
+              </a:endParaRPr>
+            </a:p>
+          </p:txBody>
+        </p:sp>
+        <p:sp>
+          <p:nvSpPr>
+            <p:cNvPr id="17" name="Elipse 16"/>
+            <p:cNvSpPr/>
+            <p:nvPr/>
+          </p:nvSpPr>
+          <p:spPr>
+            <a:xfrm>
+              <a:off x="-4539279" y="1056258"/>
+              <a:ext cx="1257300" cy="1204913"/>
+            </a:xfrm>
+            <a:prstGeom prst="ellipse">
+              <a:avLst/>
+            </a:prstGeom>
+            <a:gradFill flip="none" rotWithShape="1">
+              <a:gsLst>
+                <a:gs pos="84000">
+                  <a:srgbClr val="BACDDE"/>
+                </a:gs>
+                <a:gs pos="20000">
+                  <a:schemeClr val="accent1">
+                    <a:lumMod val="60000"/>
+                    <a:lumOff val="40000"/>
+                  </a:schemeClr>
+                </a:gs>
+                <a:gs pos="70000">
+                  <a:schemeClr val="bg1">
+                    <a:shade val="67500"/>
+                    <a:satMod val="115000"/>
+                  </a:schemeClr>
+                </a:gs>
+                <a:gs pos="100000">
+                  <a:schemeClr val="bg1">
+                    <a:shade val="100000"/>
+                    <a:satMod val="115000"/>
+                  </a:schemeClr>
+                </a:gs>
+              </a:gsLst>
+              <a:path path="circle">
+                <a:fillToRect l="50000" t="50000" r="50000" b="50000"/>
+              </a:path>
+              <a:tileRect/>
+            </a:gradFill>
+            <a:ln w="28575">
+              <a:solidFill>
+                <a:schemeClr val="tx1"/>
+              </a:solidFill>
+            </a:ln>
+          </p:spPr>
+          <p:style>
+            <a:lnRef idx="2">
+              <a:schemeClr val="accent1">
+                <a:shade val="50000"/>
+              </a:schemeClr>
+            </a:lnRef>
+            <a:fillRef idx="1">
+              <a:schemeClr val="accent1"/>
+            </a:fillRef>
+            <a:effectRef idx="0">
+              <a:schemeClr val="accent1"/>
+            </a:effectRef>
+            <a:fontRef idx="minor">
+              <a:schemeClr val="lt1"/>
+            </a:fontRef>
+          </p:style>
+          <p:txBody>
+            <a:bodyPr rtlCol="0" anchor="ctr"/>
+            <a:lstStyle/>
+            <a:p>
+              <a:pPr algn="ctr"/>
+              <a:endParaRPr lang="pt-BR">
+                <a:ln>
+                  <a:solidFill>
+                    <a:schemeClr val="tx1"/>
+                  </a:solidFill>
+                </a:ln>
+                <a:noFill/>
+              </a:endParaRPr>
+            </a:p>
+          </p:txBody>
+        </p:sp>
+        <p:cxnSp>
+          <p:nvCxnSpPr>
+            <p:cNvPr id="22" name="Conector reto 21"/>
+            <p:cNvCxnSpPr>
+              <a:stCxn id="14" idx="4"/>
+              <a:endCxn id="14" idx="0"/>
+            </p:cNvCxnSpPr>
+            <p:nvPr/>
+          </p:nvCxnSpPr>
+          <p:spPr>
+            <a:xfrm flipV="1">
+              <a:off x="-5371325" y="1056258"/>
+              <a:ext cx="0" cy="1204913"/>
+            </a:xfrm>
+            <a:prstGeom prst="line">
+              <a:avLst/>
+            </a:prstGeom>
+            <a:ln>
+              <a:solidFill>
+                <a:schemeClr val="bg1">
+                  <a:lumMod val="65000"/>
+                </a:schemeClr>
+              </a:solidFill>
+            </a:ln>
+          </p:spPr>
+          <p:style>
+            <a:lnRef idx="1">
+              <a:schemeClr val="accent1"/>
+            </a:lnRef>
+            <a:fillRef idx="0">
+              <a:schemeClr val="accent1"/>
+            </a:fillRef>
+            <a:effectRef idx="0">
+              <a:schemeClr val="accent1"/>
+            </a:effectRef>
+            <a:fontRef idx="minor">
+              <a:schemeClr val="tx1"/>
+            </a:fontRef>
+          </p:style>
+        </p:cxnSp>
+        <p:grpSp>
+          <p:nvGrpSpPr>
+            <p:cNvPr id="1039" name="Grupo 1038"/>
+            <p:cNvGrpSpPr/>
+            <p:nvPr/>
+          </p:nvGrpSpPr>
+          <p:grpSpPr>
+            <a:xfrm rot="2519862">
+              <a:off x="-5337292" y="1581877"/>
+              <a:ext cx="692135" cy="356600"/>
+              <a:chOff x="936740" y="2750541"/>
+              <a:chExt cx="692135" cy="356600"/>
+            </a:xfrm>
+          </p:grpSpPr>
+          <p:cxnSp>
+            <p:nvCxnSpPr>
+              <p:cNvPr id="57" name="Conector reto 56"/>
+              <p:cNvCxnSpPr/>
+              <p:nvPr/>
+            </p:nvCxnSpPr>
+            <p:spPr>
+              <a:xfrm flipV="1">
+                <a:off x="944582" y="2750541"/>
+                <a:ext cx="594386" cy="353229"/>
+              </a:xfrm>
+              <a:prstGeom prst="line">
+                <a:avLst/>
+              </a:prstGeom>
+              <a:ln>
+                <a:solidFill>
+                  <a:schemeClr val="bg1">
+                    <a:lumMod val="65000"/>
+                  </a:schemeClr>
+                </a:solidFill>
+              </a:ln>
+            </p:spPr>
+            <p:style>
+              <a:lnRef idx="1">
+                <a:schemeClr val="accent1"/>
+              </a:lnRef>
+              <a:fillRef idx="0">
+                <a:schemeClr val="accent1"/>
+              </a:fillRef>
+              <a:effectRef idx="0">
+                <a:schemeClr val="accent1"/>
+              </a:effectRef>
+              <a:fontRef idx="minor">
+                <a:schemeClr val="tx1"/>
+              </a:fontRef>
+            </p:style>
+          </p:cxnSp>
+          <p:cxnSp>
+            <p:nvCxnSpPr>
+              <p:cNvPr id="58" name="Conector reto 57"/>
+              <p:cNvCxnSpPr/>
+              <p:nvPr/>
+            </p:nvCxnSpPr>
+            <p:spPr>
+              <a:xfrm flipV="1">
+                <a:off x="936740" y="2983717"/>
+                <a:ext cx="692135" cy="123424"/>
+              </a:xfrm>
+              <a:prstGeom prst="line">
+                <a:avLst/>
+              </a:prstGeom>
+              <a:ln>
+                <a:solidFill>
+                  <a:schemeClr val="bg1">
+                    <a:lumMod val="65000"/>
+                  </a:schemeClr>
+                </a:solidFill>
+              </a:ln>
+            </p:spPr>
+            <p:style>
+              <a:lnRef idx="1">
+                <a:schemeClr val="accent1"/>
+              </a:lnRef>
+              <a:fillRef idx="0">
+                <a:schemeClr val="accent1"/>
+              </a:fillRef>
+              <a:effectRef idx="0">
+                <a:schemeClr val="accent1"/>
+              </a:effectRef>
+              <a:fontRef idx="minor">
+                <a:schemeClr val="tx1"/>
+              </a:fontRef>
+            </p:style>
+          </p:cxnSp>
+          <p:cxnSp>
+            <p:nvCxnSpPr>
+              <p:cNvPr id="59" name="Conector reto 58"/>
+              <p:cNvCxnSpPr/>
+              <p:nvPr/>
+            </p:nvCxnSpPr>
+            <p:spPr>
+              <a:xfrm flipV="1">
+                <a:off x="939259" y="2862437"/>
+                <a:ext cx="656709" cy="241793"/>
+              </a:xfrm>
+              <a:prstGeom prst="line">
+                <a:avLst/>
+              </a:prstGeom>
+              <a:ln>
+                <a:solidFill>
+                  <a:schemeClr val="bg1">
+                    <a:lumMod val="65000"/>
+                  </a:schemeClr>
+                </a:solidFill>
+              </a:ln>
+            </p:spPr>
+            <p:style>
+              <a:lnRef idx="1">
+                <a:schemeClr val="accent1"/>
+              </a:lnRef>
+              <a:fillRef idx="0">
+                <a:schemeClr val="accent1"/>
+              </a:fillRef>
+              <a:effectRef idx="0">
+                <a:schemeClr val="accent1"/>
+              </a:effectRef>
+              <a:fontRef idx="minor">
+                <a:schemeClr val="tx1"/>
+              </a:fontRef>
+            </p:style>
+          </p:cxnSp>
+        </p:grpSp>
+        <p:cxnSp>
+          <p:nvCxnSpPr>
+            <p:cNvPr id="1043" name="Conector reto 1042"/>
+            <p:cNvCxnSpPr/>
+            <p:nvPr/>
+          </p:nvCxnSpPr>
+          <p:spPr>
+            <a:xfrm>
+              <a:off x="-4866901" y="1179088"/>
+              <a:ext cx="457238" cy="0"/>
+            </a:xfrm>
+            <a:prstGeom prst="line">
+              <a:avLst/>
+            </a:prstGeom>
+            <a:ln>
+              <a:solidFill>
+                <a:schemeClr val="bg1">
+                  <a:lumMod val="75000"/>
+                </a:schemeClr>
+              </a:solidFill>
+            </a:ln>
+          </p:spPr>
+          <p:style>
+            <a:lnRef idx="1">
+              <a:schemeClr val="accent1"/>
+            </a:lnRef>
+            <a:fillRef idx="0">
+              <a:schemeClr val="accent1"/>
+            </a:fillRef>
+            <a:effectRef idx="0">
+              <a:schemeClr val="accent1"/>
+            </a:effectRef>
+            <a:fontRef idx="minor">
+              <a:schemeClr val="tx1"/>
+            </a:fontRef>
+          </p:style>
+        </p:cxnSp>
+        <p:cxnSp>
+          <p:nvCxnSpPr>
+            <p:cNvPr id="71" name="Conector reto 70"/>
+            <p:cNvCxnSpPr/>
+            <p:nvPr/>
+          </p:nvCxnSpPr>
+          <p:spPr>
+            <a:xfrm>
+              <a:off x="-4864520" y="2138339"/>
+              <a:ext cx="457238" cy="0"/>
+            </a:xfrm>
+            <a:prstGeom prst="line">
+              <a:avLst/>
+            </a:prstGeom>
+            <a:ln>
+              <a:solidFill>
+                <a:schemeClr val="bg1">
+                  <a:lumMod val="75000"/>
+                </a:schemeClr>
+              </a:solidFill>
+            </a:ln>
+          </p:spPr>
+          <p:style>
+            <a:lnRef idx="1">
+              <a:schemeClr val="accent1"/>
+            </a:lnRef>
+            <a:fillRef idx="0">
+              <a:schemeClr val="accent1"/>
+            </a:fillRef>
+            <a:effectRef idx="0">
+              <a:schemeClr val="accent1"/>
+            </a:effectRef>
+            <a:fontRef idx="minor">
+              <a:schemeClr val="tx1"/>
+            </a:fontRef>
+          </p:style>
+        </p:cxnSp>
+        <p:cxnSp>
+          <p:nvCxnSpPr>
+            <p:cNvPr id="1051" name="Conector reto 1050"/>
+            <p:cNvCxnSpPr>
+              <a:stCxn id="17" idx="0"/>
+              <a:endCxn id="17" idx="4"/>
+            </p:cNvCxnSpPr>
+            <p:nvPr/>
+          </p:nvCxnSpPr>
+          <p:spPr>
+            <a:xfrm>
+              <a:off x="-3910629" y="1056258"/>
+              <a:ext cx="0" cy="1204913"/>
+            </a:xfrm>
+            <a:prstGeom prst="line">
+              <a:avLst/>
+            </a:prstGeom>
+            <a:ln>
+              <a:solidFill>
+                <a:schemeClr val="bg1">
+                  <a:lumMod val="65000"/>
+                </a:schemeClr>
+              </a:solidFill>
+            </a:ln>
+          </p:spPr>
+          <p:style>
+            <a:lnRef idx="1">
+              <a:schemeClr val="accent1"/>
+            </a:lnRef>
+            <a:fillRef idx="0">
+              <a:schemeClr val="accent1"/>
+            </a:fillRef>
+            <a:effectRef idx="0">
+              <a:schemeClr val="accent1"/>
+            </a:effectRef>
+            <a:fontRef idx="minor">
+              <a:schemeClr val="tx1"/>
+            </a:fontRef>
+          </p:style>
+        </p:cxnSp>
+        <p:cxnSp>
+          <p:nvCxnSpPr>
+            <p:cNvPr id="1053" name="Conector reto 1052"/>
+            <p:cNvCxnSpPr>
+              <a:stCxn id="17" idx="5"/>
+            </p:cNvCxnSpPr>
+            <p:nvPr/>
+          </p:nvCxnSpPr>
+          <p:spPr>
+            <a:xfrm flipH="1" flipV="1">
+              <a:off x="-4409663" y="1179089"/>
+              <a:ext cx="943557" cy="905627"/>
+            </a:xfrm>
+            <a:prstGeom prst="line">
+              <a:avLst/>
+            </a:prstGeom>
+            <a:ln>
+              <a:solidFill>
+                <a:schemeClr val="bg1">
+                  <a:lumMod val="65000"/>
+                </a:schemeClr>
+              </a:solidFill>
+            </a:ln>
+          </p:spPr>
+          <p:style>
+            <a:lnRef idx="1">
+              <a:schemeClr val="accent1"/>
+            </a:lnRef>
+            <a:fillRef idx="0">
+              <a:schemeClr val="accent1"/>
+            </a:fillRef>
+            <a:effectRef idx="0">
+              <a:schemeClr val="accent1"/>
+            </a:effectRef>
+            <a:fontRef idx="minor">
+              <a:schemeClr val="tx1"/>
+            </a:fontRef>
+          </p:style>
+        </p:cxnSp>
+        <p:cxnSp>
+          <p:nvCxnSpPr>
+            <p:cNvPr id="1055" name="Conector reto 1054"/>
+            <p:cNvCxnSpPr/>
+            <p:nvPr/>
+          </p:nvCxnSpPr>
+          <p:spPr>
+            <a:xfrm flipH="1">
+              <a:off x="-4405965" y="1235887"/>
+              <a:ext cx="936684" cy="899530"/>
+            </a:xfrm>
+            <a:prstGeom prst="line">
+              <a:avLst/>
+            </a:prstGeom>
+            <a:ln>
+              <a:solidFill>
+                <a:schemeClr val="bg1">
+                  <a:lumMod val="65000"/>
+                </a:schemeClr>
+              </a:solidFill>
+            </a:ln>
+          </p:spPr>
+          <p:style>
+            <a:lnRef idx="1">
+              <a:schemeClr val="accent1"/>
+            </a:lnRef>
+            <a:fillRef idx="0">
+              <a:schemeClr val="accent1"/>
+            </a:fillRef>
+            <a:effectRef idx="0">
+              <a:schemeClr val="accent1"/>
+            </a:effectRef>
+            <a:fontRef idx="minor">
+              <a:schemeClr val="tx1"/>
+            </a:fontRef>
+          </p:style>
+        </p:cxnSp>
+        <p:sp>
+          <p:nvSpPr>
+            <p:cNvPr id="109" name="CaixaDeTexto 108"/>
+            <p:cNvSpPr txBox="1"/>
+            <p:nvPr/>
+          </p:nvSpPr>
+          <p:spPr>
+            <a:xfrm>
+              <a:off x="-4816369" y="1009694"/>
+              <a:ext cx="346453" cy="500138"/>
+            </a:xfrm>
+            <a:prstGeom prst="rect">
+              <a:avLst/>
+            </a:prstGeom>
+            <a:noFill/>
+          </p:spPr>
+          <p:txBody>
+            <a:bodyPr wrap="square" rtlCol="0">
+              <a:spAutoFit/>
+            </a:bodyPr>
+            <a:lstStyle/>
+            <a:p>
+              <a:pPr algn="ctr"/>
+              <a:r>
+                <a:rPr lang="pt-BR" sz="1000" dirty="0"/>
+                <a:t>45</a:t>
+              </a:r>
+              <a:endParaRPr lang="pt-BR" sz="1000" dirty="0"/>
+            </a:p>
+          </p:txBody>
+        </p:sp>
+        <p:sp>
+          <p:nvSpPr>
+            <p:cNvPr id="110" name="CaixaDeTexto 109"/>
+            <p:cNvSpPr txBox="1"/>
+            <p:nvPr/>
+          </p:nvSpPr>
+          <p:spPr>
+            <a:xfrm>
+              <a:off x="-4816130" y="1136020"/>
+              <a:ext cx="350196" cy="500138"/>
+            </a:xfrm>
+            <a:prstGeom prst="rect">
+              <a:avLst/>
+            </a:prstGeom>
+            <a:noFill/>
+          </p:spPr>
+          <p:txBody>
+            <a:bodyPr wrap="square" rtlCol="0">
+              <a:spAutoFit/>
+            </a:bodyPr>
+            <a:lstStyle/>
+            <a:p>
+              <a:pPr algn="ctr"/>
+              <a:r>
+                <a:rPr lang="pt-BR" sz="1000" dirty="0"/>
+                <a:t>30</a:t>
+              </a:r>
+              <a:endParaRPr lang="pt-BR" sz="1000" dirty="0"/>
+            </a:p>
+          </p:txBody>
+        </p:sp>
+        <p:sp>
+          <p:nvSpPr>
+            <p:cNvPr id="117" name="CaixaDeTexto 116"/>
+            <p:cNvSpPr txBox="1"/>
+            <p:nvPr/>
+          </p:nvSpPr>
+          <p:spPr>
+            <a:xfrm>
+              <a:off x="-4815560" y="1849791"/>
+              <a:ext cx="342323" cy="500138"/>
+            </a:xfrm>
+            <a:prstGeom prst="rect">
+              <a:avLst/>
+            </a:prstGeom>
+            <a:noFill/>
+          </p:spPr>
+          <p:txBody>
+            <a:bodyPr wrap="square" rtlCol="0">
+              <a:spAutoFit/>
+            </a:bodyPr>
+            <a:lstStyle/>
+            <a:p>
+              <a:pPr algn="ctr"/>
+              <a:r>
+                <a:rPr lang="pt-BR" sz="1000" dirty="0"/>
+                <a:t>20</a:t>
+              </a:r>
+              <a:endParaRPr lang="pt-BR" sz="1000" dirty="0"/>
+            </a:p>
+          </p:txBody>
+        </p:sp>
+        <p:sp>
+          <p:nvSpPr>
+            <p:cNvPr id="118" name="CaixaDeTexto 117"/>
+            <p:cNvSpPr txBox="1"/>
+            <p:nvPr/>
+          </p:nvSpPr>
+          <p:spPr>
+            <a:xfrm>
+              <a:off x="-4820490" y="1959725"/>
+              <a:ext cx="350196" cy="500138"/>
+            </a:xfrm>
+            <a:prstGeom prst="rect">
+              <a:avLst/>
+            </a:prstGeom>
+            <a:noFill/>
+          </p:spPr>
+          <p:txBody>
+            <a:bodyPr wrap="square" rtlCol="0">
+              <a:spAutoFit/>
+            </a:bodyPr>
+            <a:lstStyle/>
+            <a:p>
+              <a:pPr algn="ctr"/>
+              <a:r>
+                <a:rPr lang="pt-BR" sz="1000" dirty="0"/>
+                <a:t>30</a:t>
+              </a:r>
+              <a:endParaRPr lang="pt-BR" sz="1000" dirty="0"/>
+            </a:p>
+          </p:txBody>
+        </p:sp>
+        <p:sp>
+          <p:nvSpPr>
+            <p:cNvPr id="119" name="CaixaDeTexto 118"/>
+            <p:cNvSpPr txBox="1"/>
+            <p:nvPr/>
+          </p:nvSpPr>
+          <p:spPr>
+            <a:xfrm>
+              <a:off x="-4823017" y="2071239"/>
+              <a:ext cx="346453" cy="500138"/>
+            </a:xfrm>
+            <a:prstGeom prst="rect">
+              <a:avLst/>
+            </a:prstGeom>
+            <a:noFill/>
+          </p:spPr>
+          <p:txBody>
+            <a:bodyPr wrap="square" rtlCol="0">
+              <a:spAutoFit/>
+            </a:bodyPr>
+            <a:lstStyle/>
+            <a:p>
+              <a:pPr algn="ctr"/>
+              <a:r>
+                <a:rPr lang="pt-BR" sz="1000" dirty="0"/>
+                <a:t>45</a:t>
+              </a:r>
+              <a:endParaRPr lang="pt-BR" sz="1000" dirty="0"/>
+            </a:p>
+          </p:txBody>
+        </p:sp>
+        <p:cxnSp>
+          <p:nvCxnSpPr>
+            <p:cNvPr id="1030" name="Conector reto 1029"/>
+            <p:cNvCxnSpPr/>
+            <p:nvPr/>
+          </p:nvCxnSpPr>
+          <p:spPr>
+            <a:xfrm rot="20996361" flipV="1">
+              <a:off x="-5421966" y="1231233"/>
+              <a:ext cx="594386" cy="353229"/>
+            </a:xfrm>
+            <a:prstGeom prst="line">
+              <a:avLst/>
+            </a:prstGeom>
+            <a:ln>
+              <a:solidFill>
+                <a:schemeClr val="bg1">
+                  <a:lumMod val="65000"/>
+                </a:schemeClr>
+              </a:solidFill>
+            </a:ln>
+          </p:spPr>
+          <p:style>
+            <a:lnRef idx="1">
+              <a:schemeClr val="accent1"/>
+            </a:lnRef>
+            <a:fillRef idx="0">
+              <a:schemeClr val="accent1"/>
+            </a:fillRef>
+            <a:effectRef idx="0">
+              <a:schemeClr val="accent1"/>
+            </a:effectRef>
+            <a:fontRef idx="minor">
+              <a:schemeClr val="tx1"/>
+            </a:fontRef>
+          </p:style>
+        </p:cxnSp>
+        <p:sp>
+          <p:nvSpPr>
+            <p:cNvPr id="187" name="CaixaDeTexto 186"/>
+            <p:cNvSpPr txBox="1"/>
+            <p:nvPr/>
+          </p:nvSpPr>
+          <p:spPr>
+            <a:xfrm>
+              <a:off x="-3955325" y="2379744"/>
+              <a:ext cx="789880" cy="384721"/>
+            </a:xfrm>
+            <a:prstGeom prst="rect">
+              <a:avLst/>
+            </a:prstGeom>
+            <a:noFill/>
+          </p:spPr>
+          <p:txBody>
+            <a:bodyPr wrap="none" rtlCol="0">
+              <a:spAutoFit/>
+            </a:bodyPr>
+            <a:lstStyle/>
+            <a:p>
+              <a:r>
+                <a:rPr lang="pt-BR" sz="1400" dirty="0">
+                  <a:latin typeface="Arial" panose="020B0604020202020204" pitchFamily="34" charset="0"/>
+                  <a:cs typeface="Arial" panose="020B0604020202020204" pitchFamily="34" charset="0"/>
+                </a:rPr>
+                <a:t>graus</a:t>
+              </a:r>
+              <a:endParaRPr lang="pt-BR" sz="1400" dirty="0">
+                <a:latin typeface="Arial" panose="020B0604020202020204" pitchFamily="34" charset="0"/>
+                <a:cs typeface="Arial" panose="020B0604020202020204" pitchFamily="34" charset="0"/>
+              </a:endParaRPr>
+            </a:p>
+          </p:txBody>
+        </p:sp>
+        <p:sp>
+          <p:nvSpPr>
+            <p:cNvPr id="191" name="Retângulo de cantos arredondados 190"/>
+            <p:cNvSpPr/>
+            <p:nvPr/>
+          </p:nvSpPr>
+          <p:spPr>
+            <a:xfrm>
+              <a:off x="-4273014" y="2437606"/>
+              <a:ext cx="373562" cy="219262"/>
+            </a:xfrm>
+            <a:prstGeom prst="roundRect">
+              <a:avLst/>
+            </a:prstGeom>
+            <a:solidFill>
+              <a:schemeClr val="bg1"/>
+            </a:solidFill>
+          </p:spPr>
+          <p:style>
+            <a:lnRef idx="2">
+              <a:schemeClr val="accent1">
+                <a:shade val="50000"/>
+              </a:schemeClr>
+            </a:lnRef>
+            <a:fillRef idx="1">
+              <a:schemeClr val="accent1"/>
+            </a:fillRef>
+            <a:effectRef idx="0">
+              <a:schemeClr val="accent1"/>
+            </a:effectRef>
+            <a:fontRef idx="minor">
+              <a:schemeClr val="lt1"/>
+            </a:fontRef>
+          </p:style>
+          <p:txBody>
+            <a:bodyPr rtlCol="0" anchor="ctr"/>
+            <a:lstStyle/>
+            <a:p>
+              <a:pPr algn="ctr"/>
+              <a:endParaRPr lang="pt-BR"/>
+            </a:p>
+          </p:txBody>
+        </p:sp>
+        <p:sp>
+          <p:nvSpPr>
+            <p:cNvPr id="192" name="CaixaDeTexto 191"/>
+            <p:cNvSpPr txBox="1"/>
+            <p:nvPr/>
+          </p:nvSpPr>
+          <p:spPr>
+            <a:xfrm>
+              <a:off x="-5442965" y="2380252"/>
+              <a:ext cx="789880" cy="384721"/>
+            </a:xfrm>
+            <a:prstGeom prst="rect">
+              <a:avLst/>
+            </a:prstGeom>
+            <a:noFill/>
+          </p:spPr>
+          <p:txBody>
+            <a:bodyPr wrap="none" rtlCol="0">
+              <a:spAutoFit/>
+            </a:bodyPr>
+            <a:lstStyle/>
+            <a:p>
+              <a:r>
+                <a:rPr lang="pt-BR" sz="1400" dirty="0">
+                  <a:latin typeface="Arial" panose="020B0604020202020204" pitchFamily="34" charset="0"/>
+                  <a:cs typeface="Arial" panose="020B0604020202020204" pitchFamily="34" charset="0"/>
+                </a:rPr>
+                <a:t>graus</a:t>
+              </a:r>
+              <a:endParaRPr lang="pt-BR" sz="1400" dirty="0">
+                <a:latin typeface="Arial" panose="020B0604020202020204" pitchFamily="34" charset="0"/>
+                <a:cs typeface="Arial" panose="020B0604020202020204" pitchFamily="34" charset="0"/>
+              </a:endParaRPr>
+            </a:p>
+          </p:txBody>
+        </p:sp>
+        <p:sp>
+          <p:nvSpPr>
+            <p:cNvPr id="193" name="Retângulo de cantos arredondados 192"/>
+            <p:cNvSpPr/>
+            <p:nvPr/>
+          </p:nvSpPr>
+          <p:spPr>
+            <a:xfrm>
+              <a:off x="-5760653" y="2438115"/>
+              <a:ext cx="373562" cy="219262"/>
+            </a:xfrm>
+            <a:prstGeom prst="roundRect">
+              <a:avLst/>
+            </a:prstGeom>
+            <a:solidFill>
+              <a:schemeClr val="bg1"/>
+            </a:solidFill>
+          </p:spPr>
+          <p:style>
+            <a:lnRef idx="2">
+              <a:schemeClr val="accent1">
+                <a:shade val="50000"/>
+              </a:schemeClr>
+            </a:lnRef>
+            <a:fillRef idx="1">
+              <a:schemeClr val="accent1"/>
+            </a:fillRef>
+            <a:effectRef idx="0">
+              <a:schemeClr val="accent1"/>
+            </a:effectRef>
+            <a:fontRef idx="minor">
+              <a:schemeClr val="lt1"/>
+            </a:fontRef>
+          </p:style>
+          <p:txBody>
+            <a:bodyPr rtlCol="0" anchor="ctr"/>
+            <a:lstStyle/>
+            <a:p>
+              <a:pPr algn="ctr"/>
+              <a:endParaRPr lang="pt-BR"/>
+            </a:p>
+          </p:txBody>
+        </p:sp>
+        <p:sp>
+          <p:nvSpPr>
+            <p:cNvPr id="99" name="Elipse 98"/>
+            <p:cNvSpPr/>
+            <p:nvPr/>
+          </p:nvSpPr>
+          <p:spPr>
+            <a:xfrm>
+              <a:off x="-6091643" y="2084974"/>
+              <a:ext cx="268430" cy="275251"/>
+            </a:xfrm>
+            <a:prstGeom prst="ellipse">
+              <a:avLst/>
+            </a:prstGeom>
+            <a:solidFill>
+              <a:srgbClr val="FF0000"/>
+            </a:solidFill>
+            <a:ln>
+              <a:solidFill>
+                <a:schemeClr val="tx1">
+                  <a:lumMod val="95000"/>
+                  <a:lumOff val="5000"/>
+                </a:schemeClr>
+              </a:solidFill>
+            </a:ln>
+          </p:spPr>
+          <p:style>
+            <a:lnRef idx="2">
+              <a:schemeClr val="accent1">
+                <a:shade val="50000"/>
+              </a:schemeClr>
+            </a:lnRef>
+            <a:fillRef idx="1">
+              <a:schemeClr val="accent1"/>
+            </a:fillRef>
+            <a:effectRef idx="0">
+              <a:schemeClr val="accent1"/>
+            </a:effectRef>
+            <a:fontRef idx="minor">
+              <a:schemeClr val="lt1"/>
+            </a:fontRef>
+          </p:style>
+          <p:txBody>
+            <a:bodyPr rtlCol="0" anchor="ctr"/>
+            <a:lstStyle/>
+            <a:p>
+              <a:pPr algn="ctr"/>
+              <a:endParaRPr lang="pt-BR"/>
+            </a:p>
+          </p:txBody>
+        </p:sp>
+        <p:sp>
+          <p:nvSpPr>
+            <p:cNvPr id="195" name="Elipse 194"/>
+            <p:cNvSpPr/>
+            <p:nvPr/>
+          </p:nvSpPr>
+          <p:spPr>
+            <a:xfrm>
+              <a:off x="-3452938" y="2066812"/>
+              <a:ext cx="268430" cy="275251"/>
+            </a:xfrm>
+            <a:prstGeom prst="ellipse">
+              <a:avLst/>
+            </a:prstGeom>
+            <a:solidFill>
+              <a:srgbClr val="FF0000"/>
+            </a:solidFill>
+            <a:ln>
+              <a:solidFill>
+                <a:schemeClr val="tx1">
+                  <a:lumMod val="95000"/>
+                  <a:lumOff val="5000"/>
+                </a:schemeClr>
+              </a:solidFill>
+            </a:ln>
+          </p:spPr>
+          <p:style>
+            <a:lnRef idx="2">
+              <a:schemeClr val="accent1">
+                <a:shade val="50000"/>
+              </a:schemeClr>
+            </a:lnRef>
+            <a:fillRef idx="1">
+              <a:schemeClr val="accent1"/>
+            </a:fillRef>
+            <a:effectRef idx="0">
+              <a:schemeClr val="accent1"/>
+            </a:effectRef>
+            <a:fontRef idx="minor">
+              <a:schemeClr val="lt1"/>
+            </a:fontRef>
+          </p:style>
+          <p:txBody>
+            <a:bodyPr rtlCol="0" anchor="ctr"/>
+            <a:lstStyle/>
+            <a:p>
+              <a:pPr algn="ctr"/>
+              <a:endParaRPr lang="pt-BR"/>
+            </a:p>
+          </p:txBody>
+        </p:sp>
+        <p:sp>
+          <p:nvSpPr>
+            <p:cNvPr id="196" name="CaixaDeTexto 195"/>
+            <p:cNvSpPr txBox="1"/>
+            <p:nvPr/>
+          </p:nvSpPr>
+          <p:spPr>
+            <a:xfrm>
+              <a:off x="-5898413" y="2179125"/>
+              <a:ext cx="577483" cy="307776"/>
+            </a:xfrm>
+            <a:prstGeom prst="rect">
+              <a:avLst/>
+            </a:prstGeom>
+            <a:noFill/>
+          </p:spPr>
+          <p:txBody>
+            <a:bodyPr wrap="none" rtlCol="0">
+              <a:spAutoFit/>
+            </a:bodyPr>
+            <a:lstStyle/>
+            <a:p>
+              <a:r>
+                <a:rPr lang="pt-BR" sz="1000" dirty="0">
+                  <a:latin typeface="Arial" panose="020B0604020202020204" pitchFamily="34" charset="0"/>
+                  <a:cs typeface="Arial" panose="020B0604020202020204" pitchFamily="34" charset="0"/>
+                </a:rPr>
+                <a:t>Máx.</a:t>
+              </a:r>
+              <a:endParaRPr lang="pt-BR" sz="1000" dirty="0">
+                <a:latin typeface="Arial" panose="020B0604020202020204" pitchFamily="34" charset="0"/>
+                <a:cs typeface="Arial" panose="020B0604020202020204" pitchFamily="34" charset="0"/>
+              </a:endParaRPr>
+            </a:p>
+          </p:txBody>
+        </p:sp>
+        <p:sp>
+          <p:nvSpPr>
+            <p:cNvPr id="197" name="CaixaDeTexto 196"/>
+            <p:cNvSpPr txBox="1"/>
+            <p:nvPr/>
+          </p:nvSpPr>
+          <p:spPr>
+            <a:xfrm>
+              <a:off x="-3801554" y="2178192"/>
+              <a:ext cx="577483" cy="307776"/>
+            </a:xfrm>
+            <a:prstGeom prst="rect">
+              <a:avLst/>
+            </a:prstGeom>
+            <a:noFill/>
+          </p:spPr>
+          <p:txBody>
+            <a:bodyPr wrap="none" rtlCol="0">
+              <a:spAutoFit/>
+            </a:bodyPr>
+            <a:lstStyle/>
+            <a:p>
+              <a:r>
+                <a:rPr lang="pt-BR" sz="1000" dirty="0">
+                  <a:latin typeface="Arial" panose="020B0604020202020204" pitchFamily="34" charset="0"/>
+                  <a:cs typeface="Arial" panose="020B0604020202020204" pitchFamily="34" charset="0"/>
+                </a:rPr>
+                <a:t>Máx.</a:t>
+              </a:r>
+              <a:endParaRPr lang="pt-BR" sz="1000" dirty="0">
+                <a:latin typeface="Arial" panose="020B0604020202020204" pitchFamily="34" charset="0"/>
+                <a:cs typeface="Arial" panose="020B0604020202020204" pitchFamily="34" charset="0"/>
+              </a:endParaRPr>
+            </a:p>
+          </p:txBody>
+        </p:sp>
+        <p:cxnSp>
+          <p:nvCxnSpPr>
+            <p:cNvPr id="26" name="Conector reto 25"/>
+            <p:cNvCxnSpPr>
+              <a:stCxn id="14" idx="1"/>
+            </p:cNvCxnSpPr>
+            <p:nvPr/>
+          </p:nvCxnSpPr>
+          <p:spPr>
+            <a:xfrm>
+              <a:off x="-5815848" y="1232713"/>
+              <a:ext cx="948947" cy="905627"/>
+            </a:xfrm>
+            <a:prstGeom prst="line">
+              <a:avLst/>
+            </a:prstGeom>
+            <a:ln>
+              <a:solidFill>
+                <a:schemeClr val="bg1">
+                  <a:lumMod val="65000"/>
+                </a:schemeClr>
+              </a:solidFill>
+            </a:ln>
+          </p:spPr>
+          <p:style>
+            <a:lnRef idx="1">
+              <a:schemeClr val="accent1"/>
+            </a:lnRef>
+            <a:fillRef idx="0">
+              <a:schemeClr val="accent1"/>
+            </a:fillRef>
+            <a:effectRef idx="0">
+              <a:schemeClr val="accent1"/>
+            </a:effectRef>
+            <a:fontRef idx="minor">
+              <a:schemeClr val="tx1"/>
+            </a:fontRef>
+          </p:style>
+        </p:cxnSp>
+        <p:sp>
+          <p:nvSpPr>
+            <p:cNvPr id="15" name="Retângulo 14"/>
+            <p:cNvSpPr/>
+            <p:nvPr/>
+          </p:nvSpPr>
+          <p:spPr>
+            <a:xfrm>
+              <a:off x="-4409663" y="1370352"/>
+              <a:ext cx="990986" cy="335755"/>
+            </a:xfrm>
+            <a:prstGeom prst="rect">
+              <a:avLst/>
+            </a:prstGeom>
+            <a:solidFill>
+              <a:schemeClr val="bg1">
+                <a:lumMod val="65000"/>
+              </a:schemeClr>
+            </a:solidFill>
+            <a:ln>
+              <a:solidFill>
+                <a:schemeClr val="bg1">
+                  <a:lumMod val="50000"/>
+                </a:schemeClr>
+              </a:solidFill>
+            </a:ln>
+          </p:spPr>
+          <p:style>
+            <a:lnRef idx="2">
+              <a:schemeClr val="accent1">
+                <a:shade val="50000"/>
+              </a:schemeClr>
+            </a:lnRef>
+            <a:fillRef idx="1">
+              <a:schemeClr val="accent1"/>
+            </a:fillRef>
+            <a:effectRef idx="0">
+              <a:schemeClr val="accent1"/>
+            </a:effectRef>
+            <a:fontRef idx="minor">
+              <a:schemeClr val="lt1"/>
+            </a:fontRef>
+          </p:style>
+          <p:txBody>
+            <a:bodyPr rtlCol="0" anchor="ctr"/>
+            <a:lstStyle/>
+            <a:p>
+              <a:pPr algn="ctr"/>
+              <a:endParaRPr lang="pt-BR" dirty="0"/>
+            </a:p>
+          </p:txBody>
+        </p:sp>
+        <p:sp>
+          <p:nvSpPr>
+            <p:cNvPr id="2" name="Elipse 1"/>
+            <p:cNvSpPr/>
+            <p:nvPr/>
+          </p:nvSpPr>
+          <p:spPr>
+            <a:xfrm>
+              <a:off x="-4462645" y="1465532"/>
+              <a:ext cx="373487" cy="386367"/>
+            </a:xfrm>
+            <a:prstGeom prst="ellipse">
+              <a:avLst/>
+            </a:prstGeom>
+            <a:solidFill>
+              <a:schemeClr val="bg2">
+                <a:lumMod val="25000"/>
+              </a:schemeClr>
+            </a:solidFill>
+            <a:ln>
+              <a:solidFill>
+                <a:schemeClr val="bg2">
+                  <a:lumMod val="25000"/>
+                </a:schemeClr>
+              </a:solidFill>
+            </a:ln>
+          </p:spPr>
+          <p:style>
+            <a:lnRef idx="2">
+              <a:schemeClr val="dk1">
+                <a:shade val="50000"/>
+              </a:schemeClr>
+            </a:lnRef>
+            <a:fillRef idx="1">
+              <a:schemeClr val="dk1"/>
+            </a:fillRef>
+            <a:effectRef idx="0">
+              <a:schemeClr val="dk1"/>
+            </a:effectRef>
+            <a:fontRef idx="minor">
+              <a:schemeClr val="lt1"/>
+            </a:fontRef>
+          </p:style>
+          <p:txBody>
+            <a:bodyPr rtlCol="0" anchor="ctr"/>
+            <a:lstStyle/>
+            <a:p>
+              <a:pPr algn="ctr"/>
+              <a:endParaRPr lang="pt-BR"/>
+            </a:p>
+          </p:txBody>
+        </p:sp>
+        <p:sp>
+          <p:nvSpPr>
+            <p:cNvPr id="12" name="Elipse 11"/>
+            <p:cNvSpPr/>
+            <p:nvPr/>
+          </p:nvSpPr>
+          <p:spPr>
+            <a:xfrm>
+              <a:off x="-3755686" y="1465533"/>
+              <a:ext cx="373487" cy="386367"/>
+            </a:xfrm>
+            <a:prstGeom prst="ellipse">
+              <a:avLst/>
+            </a:prstGeom>
+            <a:solidFill>
+              <a:schemeClr val="bg2">
+                <a:lumMod val="25000"/>
+              </a:schemeClr>
+            </a:solidFill>
+            <a:ln>
+              <a:solidFill>
+                <a:schemeClr val="bg2">
+                  <a:lumMod val="25000"/>
+                </a:schemeClr>
+              </a:solidFill>
+            </a:ln>
+          </p:spPr>
+          <p:style>
+            <a:lnRef idx="2">
+              <a:schemeClr val="dk1">
+                <a:shade val="50000"/>
+              </a:schemeClr>
+            </a:lnRef>
+            <a:fillRef idx="1">
+              <a:schemeClr val="dk1"/>
+            </a:fillRef>
+            <a:effectRef idx="0">
+              <a:schemeClr val="dk1"/>
+            </a:effectRef>
+            <a:fontRef idx="minor">
+              <a:schemeClr val="lt1"/>
+            </a:fontRef>
+          </p:style>
+          <p:txBody>
+            <a:bodyPr rtlCol="0" anchor="ctr"/>
+            <a:lstStyle/>
+            <a:p>
+              <a:pPr algn="ctr"/>
+              <a:endParaRPr lang="pt-BR"/>
+            </a:p>
+          </p:txBody>
+        </p:sp>
+        <p:cxnSp>
+          <p:nvCxnSpPr>
+            <p:cNvPr id="1045" name="Conector reto 1044"/>
+            <p:cNvCxnSpPr/>
+            <p:nvPr/>
+          </p:nvCxnSpPr>
+          <p:spPr>
+            <a:xfrm>
+              <a:off x="-4768112" y="1303861"/>
+              <a:ext cx="270600" cy="0"/>
+            </a:xfrm>
+            <a:prstGeom prst="line">
+              <a:avLst/>
+            </a:prstGeom>
+            <a:ln>
+              <a:solidFill>
+                <a:schemeClr val="bg1">
+                  <a:lumMod val="75000"/>
+                </a:schemeClr>
+              </a:solidFill>
+            </a:ln>
+          </p:spPr>
+          <p:style>
+            <a:lnRef idx="1">
+              <a:schemeClr val="accent1"/>
+            </a:lnRef>
+            <a:fillRef idx="0">
+              <a:schemeClr val="accent1"/>
+            </a:fillRef>
+            <a:effectRef idx="0">
+              <a:schemeClr val="accent1"/>
+            </a:effectRef>
+            <a:fontRef idx="minor">
+              <a:schemeClr val="tx1"/>
+            </a:fontRef>
+          </p:style>
+        </p:cxnSp>
+        <p:cxnSp>
+          <p:nvCxnSpPr>
+            <p:cNvPr id="1047" name="Conector reto 1046"/>
+            <p:cNvCxnSpPr/>
+            <p:nvPr/>
+          </p:nvCxnSpPr>
+          <p:spPr>
+            <a:xfrm>
+              <a:off x="-4704762" y="1415757"/>
+              <a:ext cx="149306" cy="0"/>
+            </a:xfrm>
+            <a:prstGeom prst="line">
+              <a:avLst/>
+            </a:prstGeom>
+            <a:ln>
+              <a:solidFill>
+                <a:schemeClr val="bg1">
+                  <a:lumMod val="75000"/>
+                </a:schemeClr>
+              </a:solidFill>
+            </a:ln>
+          </p:spPr>
+          <p:style>
+            <a:lnRef idx="1">
+              <a:schemeClr val="accent1"/>
+            </a:lnRef>
+            <a:fillRef idx="0">
+              <a:schemeClr val="accent1"/>
+            </a:fillRef>
+            <a:effectRef idx="0">
+              <a:schemeClr val="accent1"/>
+            </a:effectRef>
+            <a:fontRef idx="minor">
+              <a:schemeClr val="tx1"/>
+            </a:fontRef>
+          </p:style>
+        </p:cxnSp>
+        <p:cxnSp>
+          <p:nvCxnSpPr>
+            <p:cNvPr id="1049" name="Conector reto 1048"/>
+            <p:cNvCxnSpPr/>
+            <p:nvPr/>
+          </p:nvCxnSpPr>
+          <p:spPr>
+            <a:xfrm>
+              <a:off x="-4672027" y="1536653"/>
+              <a:ext cx="90377" cy="0"/>
+            </a:xfrm>
+            <a:prstGeom prst="line">
+              <a:avLst/>
+            </a:prstGeom>
+            <a:ln>
+              <a:solidFill>
+                <a:schemeClr val="bg1">
+                  <a:lumMod val="75000"/>
+                </a:schemeClr>
+              </a:solidFill>
+            </a:ln>
+          </p:spPr>
+          <p:style>
+            <a:lnRef idx="1">
+              <a:schemeClr val="accent1"/>
+            </a:lnRef>
+            <a:fillRef idx="0">
+              <a:schemeClr val="accent1"/>
+            </a:fillRef>
+            <a:effectRef idx="0">
+              <a:schemeClr val="accent1"/>
+            </a:effectRef>
+            <a:fontRef idx="minor">
+              <a:schemeClr val="tx1"/>
+            </a:fontRef>
+          </p:style>
+        </p:cxnSp>
+        <p:cxnSp>
+          <p:nvCxnSpPr>
+            <p:cNvPr id="72" name="Conector reto 71"/>
+            <p:cNvCxnSpPr/>
+            <p:nvPr/>
+          </p:nvCxnSpPr>
+          <p:spPr>
+            <a:xfrm>
+              <a:off x="-4768906" y="2032523"/>
+              <a:ext cx="270600" cy="0"/>
+            </a:xfrm>
+            <a:prstGeom prst="line">
+              <a:avLst/>
+            </a:prstGeom>
+            <a:ln>
+              <a:solidFill>
+                <a:schemeClr val="bg1">
+                  <a:lumMod val="75000"/>
+                </a:schemeClr>
+              </a:solidFill>
+            </a:ln>
+          </p:spPr>
+          <p:style>
+            <a:lnRef idx="1">
+              <a:schemeClr val="accent1"/>
+            </a:lnRef>
+            <a:fillRef idx="0">
+              <a:schemeClr val="accent1"/>
+            </a:fillRef>
+            <a:effectRef idx="0">
+              <a:schemeClr val="accent1"/>
+            </a:effectRef>
+            <a:fontRef idx="minor">
+              <a:schemeClr val="tx1"/>
+            </a:fontRef>
+          </p:style>
+        </p:cxnSp>
+        <p:cxnSp>
+          <p:nvCxnSpPr>
+            <p:cNvPr id="73" name="Conector reto 72"/>
+            <p:cNvCxnSpPr/>
+            <p:nvPr/>
+          </p:nvCxnSpPr>
+          <p:spPr>
+            <a:xfrm>
+              <a:off x="-4706389" y="1920582"/>
+              <a:ext cx="149306" cy="0"/>
+            </a:xfrm>
+            <a:prstGeom prst="line">
+              <a:avLst/>
+            </a:prstGeom>
+            <a:ln>
+              <a:solidFill>
+                <a:schemeClr val="bg1">
+                  <a:lumMod val="75000"/>
+                </a:schemeClr>
+              </a:solidFill>
+            </a:ln>
+          </p:spPr>
+          <p:style>
+            <a:lnRef idx="1">
+              <a:schemeClr val="accent1"/>
+            </a:lnRef>
+            <a:fillRef idx="0">
+              <a:schemeClr val="accent1"/>
+            </a:fillRef>
+            <a:effectRef idx="0">
+              <a:schemeClr val="accent1"/>
+            </a:effectRef>
+            <a:fontRef idx="minor">
+              <a:schemeClr val="tx1"/>
+            </a:fontRef>
+          </p:style>
+        </p:cxnSp>
+        <p:cxnSp>
+          <p:nvCxnSpPr>
+            <p:cNvPr id="74" name="Conector reto 73"/>
+            <p:cNvCxnSpPr/>
+            <p:nvPr/>
+          </p:nvCxnSpPr>
+          <p:spPr>
+            <a:xfrm>
+              <a:off x="-4676537" y="1800031"/>
+              <a:ext cx="90377" cy="0"/>
+            </a:xfrm>
+            <a:prstGeom prst="line">
+              <a:avLst/>
+            </a:prstGeom>
+            <a:ln>
+              <a:solidFill>
+                <a:schemeClr val="bg1">
+                  <a:lumMod val="75000"/>
+                </a:schemeClr>
+              </a:solidFill>
+            </a:ln>
+          </p:spPr>
+          <p:style>
+            <a:lnRef idx="1">
+              <a:schemeClr val="accent1"/>
+            </a:lnRef>
+            <a:fillRef idx="0">
+              <a:schemeClr val="accent1"/>
+            </a:fillRef>
+            <a:effectRef idx="0">
+              <a:schemeClr val="accent1"/>
+            </a:effectRef>
+            <a:fontRef idx="minor">
+              <a:schemeClr val="tx1"/>
+            </a:fontRef>
+          </p:style>
+        </p:cxnSp>
+        <p:cxnSp>
+          <p:nvCxnSpPr>
+            <p:cNvPr id="33" name="Conector reto 32"/>
+            <p:cNvCxnSpPr/>
+            <p:nvPr/>
+          </p:nvCxnSpPr>
+          <p:spPr>
+            <a:xfrm>
+              <a:off x="-4496083" y="1301920"/>
+              <a:ext cx="581913" cy="359258"/>
+            </a:xfrm>
+            <a:prstGeom prst="line">
+              <a:avLst/>
+            </a:prstGeom>
+            <a:ln>
+              <a:solidFill>
+                <a:schemeClr val="bg1">
+                  <a:lumMod val="65000"/>
+                </a:schemeClr>
+              </a:solidFill>
+            </a:ln>
+          </p:spPr>
+          <p:style>
+            <a:lnRef idx="1">
+              <a:schemeClr val="accent1"/>
+            </a:lnRef>
+            <a:fillRef idx="0">
+              <a:schemeClr val="accent1"/>
+            </a:fillRef>
+            <a:effectRef idx="0">
+              <a:schemeClr val="accent1"/>
+            </a:effectRef>
+            <a:fontRef idx="minor">
+              <a:schemeClr val="tx1"/>
+            </a:fontRef>
+          </p:style>
+        </p:cxnSp>
+        <p:cxnSp>
+          <p:nvCxnSpPr>
+            <p:cNvPr id="38" name="Conector reto 37"/>
+            <p:cNvCxnSpPr/>
+            <p:nvPr/>
+          </p:nvCxnSpPr>
+          <p:spPr>
+            <a:xfrm>
+              <a:off x="-4559119" y="1416949"/>
+              <a:ext cx="644949" cy="238351"/>
+            </a:xfrm>
+            <a:prstGeom prst="line">
+              <a:avLst/>
+            </a:prstGeom>
+            <a:ln>
+              <a:solidFill>
+                <a:schemeClr val="bg1">
+                  <a:lumMod val="65000"/>
+                </a:schemeClr>
+              </a:solidFill>
+            </a:ln>
+          </p:spPr>
+          <p:style>
+            <a:lnRef idx="1">
+              <a:schemeClr val="accent1"/>
+            </a:lnRef>
+            <a:fillRef idx="0">
+              <a:schemeClr val="accent1"/>
+            </a:fillRef>
+            <a:effectRef idx="0">
+              <a:schemeClr val="accent1"/>
+            </a:effectRef>
+            <a:fontRef idx="minor">
+              <a:schemeClr val="tx1"/>
+            </a:fontRef>
+          </p:style>
+        </p:cxnSp>
+        <p:cxnSp>
+          <p:nvCxnSpPr>
+            <p:cNvPr id="41" name="Conector reto 40"/>
+            <p:cNvCxnSpPr/>
+            <p:nvPr/>
+          </p:nvCxnSpPr>
+          <p:spPr>
+            <a:xfrm flipH="1" flipV="1">
+              <a:off x="-4586160" y="1535883"/>
+              <a:ext cx="675090" cy="119688"/>
+            </a:xfrm>
+            <a:prstGeom prst="line">
+              <a:avLst/>
+            </a:prstGeom>
+            <a:ln>
+              <a:solidFill>
+                <a:schemeClr val="bg1">
+                  <a:lumMod val="65000"/>
+                </a:schemeClr>
+              </a:solidFill>
+            </a:ln>
+          </p:spPr>
+          <p:style>
+            <a:lnRef idx="1">
+              <a:schemeClr val="accent1"/>
+            </a:lnRef>
+            <a:fillRef idx="0">
+              <a:schemeClr val="accent1"/>
+            </a:fillRef>
+            <a:effectRef idx="0">
+              <a:schemeClr val="accent1"/>
+            </a:effectRef>
+            <a:fontRef idx="minor">
+              <a:schemeClr val="tx1"/>
+            </a:fontRef>
+          </p:style>
+        </p:cxnSp>
+        <p:cxnSp>
+          <p:nvCxnSpPr>
+            <p:cNvPr id="47" name="Conector reto 46"/>
+            <p:cNvCxnSpPr/>
+            <p:nvPr/>
+          </p:nvCxnSpPr>
+          <p:spPr>
+            <a:xfrm flipV="1">
+              <a:off x="-4588000" y="1661809"/>
+              <a:ext cx="673830" cy="141710"/>
+            </a:xfrm>
+            <a:prstGeom prst="line">
+              <a:avLst/>
+            </a:prstGeom>
+            <a:ln>
+              <a:solidFill>
+                <a:schemeClr val="bg1">
+                  <a:lumMod val="65000"/>
+                </a:schemeClr>
+              </a:solidFill>
+            </a:ln>
+          </p:spPr>
+          <p:style>
+            <a:lnRef idx="1">
+              <a:schemeClr val="accent1"/>
+            </a:lnRef>
+            <a:fillRef idx="0">
+              <a:schemeClr val="accent1"/>
+            </a:fillRef>
+            <a:effectRef idx="0">
+              <a:schemeClr val="accent1"/>
+            </a:effectRef>
+            <a:fontRef idx="minor">
+              <a:schemeClr val="tx1"/>
+            </a:fontRef>
+          </p:style>
+        </p:cxnSp>
+        <p:cxnSp>
+          <p:nvCxnSpPr>
+            <p:cNvPr id="63" name="Conector reto 62"/>
+            <p:cNvCxnSpPr/>
+            <p:nvPr/>
+          </p:nvCxnSpPr>
+          <p:spPr>
+            <a:xfrm flipV="1">
+              <a:off x="-4499740" y="1663954"/>
+              <a:ext cx="582073" cy="368569"/>
+            </a:xfrm>
+            <a:prstGeom prst="line">
+              <a:avLst/>
+            </a:prstGeom>
+            <a:ln>
+              <a:solidFill>
+                <a:schemeClr val="bg1">
+                  <a:lumMod val="65000"/>
+                </a:schemeClr>
+              </a:solidFill>
+            </a:ln>
+          </p:spPr>
+          <p:style>
+            <a:lnRef idx="1">
+              <a:schemeClr val="accent1"/>
+            </a:lnRef>
+            <a:fillRef idx="0">
+              <a:schemeClr val="accent1"/>
+            </a:fillRef>
+            <a:effectRef idx="0">
+              <a:schemeClr val="accent1"/>
+            </a:effectRef>
+            <a:fontRef idx="minor">
+              <a:schemeClr val="tx1"/>
+            </a:fontRef>
+          </p:style>
+        </p:cxnSp>
+        <p:cxnSp>
+          <p:nvCxnSpPr>
+            <p:cNvPr id="66" name="Conector reto 65"/>
+            <p:cNvCxnSpPr/>
+            <p:nvPr/>
+          </p:nvCxnSpPr>
+          <p:spPr>
+            <a:xfrm flipV="1">
+              <a:off x="-4564146" y="1670892"/>
+              <a:ext cx="643521" cy="252932"/>
+            </a:xfrm>
+            <a:prstGeom prst="line">
+              <a:avLst/>
+            </a:prstGeom>
+            <a:ln>
+              <a:solidFill>
+                <a:schemeClr val="bg1">
+                  <a:lumMod val="65000"/>
+                </a:schemeClr>
+              </a:solidFill>
+            </a:ln>
+          </p:spPr>
+          <p:style>
+            <a:lnRef idx="1">
+              <a:schemeClr val="accent1"/>
+            </a:lnRef>
+            <a:fillRef idx="0">
+              <a:schemeClr val="accent1"/>
+            </a:fillRef>
+            <a:effectRef idx="0">
+              <a:schemeClr val="accent1"/>
+            </a:effectRef>
+            <a:fontRef idx="minor">
+              <a:schemeClr val="tx1"/>
+            </a:fontRef>
+          </p:style>
+        </p:cxnSp>
+        <p:cxnSp>
+          <p:nvCxnSpPr>
+            <p:cNvPr id="18" name="Conector reto 17"/>
+            <p:cNvCxnSpPr>
+              <a:endCxn id="14" idx="6"/>
+            </p:cNvCxnSpPr>
+            <p:nvPr/>
+          </p:nvCxnSpPr>
+          <p:spPr>
+            <a:xfrm>
+              <a:off x="-6000889" y="1658714"/>
+              <a:ext cx="1258214" cy="1"/>
+            </a:xfrm>
+            <a:prstGeom prst="line">
+              <a:avLst/>
+            </a:prstGeom>
+            <a:ln w="38100">
+              <a:solidFill>
+                <a:srgbClr val="FF0000"/>
+              </a:solidFill>
+            </a:ln>
+          </p:spPr>
+          <p:style>
+            <a:lnRef idx="1">
+              <a:schemeClr val="accent1"/>
+            </a:lnRef>
+            <a:fillRef idx="0">
+              <a:schemeClr val="accent1"/>
+            </a:fillRef>
+            <a:effectRef idx="0">
+              <a:schemeClr val="accent1"/>
+            </a:effectRef>
+            <a:fontRef idx="minor">
+              <a:schemeClr val="tx1"/>
+            </a:fontRef>
+          </p:style>
+        </p:cxnSp>
+        <p:cxnSp>
+          <p:nvCxnSpPr>
+            <p:cNvPr id="21" name="Conector reto 20"/>
+            <p:cNvCxnSpPr/>
+            <p:nvPr/>
+          </p:nvCxnSpPr>
+          <p:spPr>
+            <a:xfrm>
+              <a:off x="-4537277" y="1658714"/>
+              <a:ext cx="1258214" cy="1"/>
+            </a:xfrm>
+            <a:prstGeom prst="line">
+              <a:avLst/>
+            </a:prstGeom>
+            <a:ln w="38100">
+              <a:solidFill>
+                <a:srgbClr val="FF0000"/>
+              </a:solidFill>
+            </a:ln>
+          </p:spPr>
+          <p:style>
+            <a:lnRef idx="1">
+              <a:schemeClr val="accent1"/>
+            </a:lnRef>
+            <a:fillRef idx="0">
+              <a:schemeClr val="accent1"/>
+            </a:fillRef>
+            <a:effectRef idx="0">
+              <a:schemeClr val="accent1"/>
+            </a:effectRef>
+            <a:fontRef idx="minor">
+              <a:schemeClr val="tx1"/>
+            </a:fontRef>
+          </p:style>
+        </p:cxnSp>
+        <p:sp>
+          <p:nvSpPr>
+            <p:cNvPr id="70" name="CaixaDeTexto 69"/>
+            <p:cNvSpPr txBox="1"/>
+            <p:nvPr/>
+          </p:nvSpPr>
+          <p:spPr>
+            <a:xfrm>
+              <a:off x="-4706244" y="1534478"/>
+              <a:ext cx="129433" cy="307776"/>
+            </a:xfrm>
+            <a:prstGeom prst="rect">
+              <a:avLst/>
+            </a:prstGeom>
+            <a:noFill/>
+          </p:spPr>
+          <p:txBody>
+            <a:bodyPr wrap="square" rtlCol="0">
+              <a:spAutoFit/>
+            </a:bodyPr>
+            <a:lstStyle/>
+            <a:p>
+              <a:pPr algn="ctr"/>
+              <a:r>
+                <a:rPr lang="pt-BR" sz="1000" dirty="0"/>
+                <a:t>0</a:t>
+              </a:r>
+              <a:endParaRPr lang="pt-BR" sz="1000" dirty="0"/>
+            </a:p>
+          </p:txBody>
+        </p:sp>
+        <p:sp>
+          <p:nvSpPr>
+            <p:cNvPr id="114" name="CaixaDeTexto 113"/>
+            <p:cNvSpPr txBox="1"/>
+            <p:nvPr/>
+          </p:nvSpPr>
+          <p:spPr>
+            <a:xfrm>
+              <a:off x="-4815354" y="1245107"/>
+              <a:ext cx="342323" cy="500138"/>
+            </a:xfrm>
+            <a:prstGeom prst="rect">
+              <a:avLst/>
+            </a:prstGeom>
+            <a:noFill/>
+          </p:spPr>
+          <p:txBody>
+            <a:bodyPr wrap="square" rtlCol="0">
+              <a:spAutoFit/>
+            </a:bodyPr>
+            <a:lstStyle/>
+            <a:p>
+              <a:pPr algn="ctr"/>
+              <a:r>
+                <a:rPr lang="pt-BR" sz="1000" dirty="0"/>
+                <a:t>20</a:t>
+              </a:r>
+              <a:endParaRPr lang="pt-BR" sz="1000" dirty="0"/>
+            </a:p>
+          </p:txBody>
+        </p:sp>
+        <p:sp>
+          <p:nvSpPr>
+            <p:cNvPr id="115" name="CaixaDeTexto 114"/>
+            <p:cNvSpPr txBox="1"/>
+            <p:nvPr/>
+          </p:nvSpPr>
+          <p:spPr>
+            <a:xfrm>
+              <a:off x="-4833489" y="1361234"/>
+              <a:ext cx="373023" cy="500138"/>
+            </a:xfrm>
+            <a:prstGeom prst="rect">
+              <a:avLst/>
+            </a:prstGeom>
+            <a:noFill/>
+          </p:spPr>
+          <p:txBody>
+            <a:bodyPr wrap="square" rtlCol="0">
+              <a:spAutoFit/>
+            </a:bodyPr>
+            <a:lstStyle/>
+            <a:p>
+              <a:pPr algn="ctr"/>
+              <a:r>
+                <a:rPr lang="pt-BR" sz="1000" dirty="0"/>
+                <a:t>10</a:t>
+              </a:r>
+              <a:endParaRPr lang="pt-BR" sz="1000" dirty="0"/>
+            </a:p>
+          </p:txBody>
+        </p:sp>
+        <p:sp>
+          <p:nvSpPr>
+            <p:cNvPr id="116" name="CaixaDeTexto 115"/>
+            <p:cNvSpPr txBox="1"/>
+            <p:nvPr/>
+          </p:nvSpPr>
+          <p:spPr>
+            <a:xfrm>
+              <a:off x="-4834182" y="1733709"/>
+              <a:ext cx="373023" cy="500138"/>
+            </a:xfrm>
+            <a:prstGeom prst="rect">
+              <a:avLst/>
+            </a:prstGeom>
+            <a:noFill/>
+          </p:spPr>
+          <p:txBody>
+            <a:bodyPr wrap="square" rtlCol="0">
+              <a:spAutoFit/>
+            </a:bodyPr>
+            <a:lstStyle/>
+            <a:p>
+              <a:pPr algn="ctr"/>
+              <a:r>
+                <a:rPr lang="pt-BR" sz="1000" dirty="0"/>
+                <a:t>10</a:t>
+              </a:r>
+              <a:endParaRPr lang="pt-BR" sz="1000" dirty="0"/>
+            </a:p>
+          </p:txBody>
+        </p:sp>
+        <p:cxnSp>
+          <p:nvCxnSpPr>
+            <p:cNvPr id="1032" name="Conector reto 1031"/>
+            <p:cNvCxnSpPr/>
+            <p:nvPr/>
+          </p:nvCxnSpPr>
+          <p:spPr>
+            <a:xfrm rot="20996361" flipV="1">
+              <a:off x="-5395492" y="1474469"/>
+              <a:ext cx="692135" cy="123424"/>
+            </a:xfrm>
+            <a:prstGeom prst="line">
+              <a:avLst/>
+            </a:prstGeom>
+            <a:ln>
+              <a:solidFill>
+                <a:schemeClr val="bg1">
+                  <a:lumMod val="65000"/>
+                </a:schemeClr>
+              </a:solidFill>
+            </a:ln>
+          </p:spPr>
+          <p:style>
+            <a:lnRef idx="1">
+              <a:schemeClr val="accent1"/>
+            </a:lnRef>
+            <a:fillRef idx="0">
+              <a:schemeClr val="accent1"/>
+            </a:fillRef>
+            <a:effectRef idx="0">
+              <a:schemeClr val="accent1"/>
+            </a:effectRef>
+            <a:fontRef idx="minor">
+              <a:schemeClr val="tx1"/>
+            </a:fontRef>
+          </p:style>
+        </p:cxnSp>
+        <p:cxnSp>
+          <p:nvCxnSpPr>
+            <p:cNvPr id="44" name="Conector reto 43"/>
+            <p:cNvCxnSpPr/>
+            <p:nvPr/>
+          </p:nvCxnSpPr>
+          <p:spPr>
+            <a:xfrm rot="20996361" flipV="1">
+              <a:off x="-5403587" y="1356799"/>
+              <a:ext cx="656709" cy="241793"/>
+            </a:xfrm>
+            <a:prstGeom prst="line">
+              <a:avLst/>
+            </a:prstGeom>
+            <a:ln>
+              <a:solidFill>
+                <a:schemeClr val="bg1">
+                  <a:lumMod val="65000"/>
+                </a:schemeClr>
+              </a:solidFill>
+            </a:ln>
+          </p:spPr>
+          <p:style>
+            <a:lnRef idx="1">
+              <a:schemeClr val="accent1"/>
+            </a:lnRef>
+            <a:fillRef idx="0">
+              <a:schemeClr val="accent1"/>
+            </a:fillRef>
+            <a:effectRef idx="0">
+              <a:schemeClr val="accent1"/>
+            </a:effectRef>
+            <a:fontRef idx="minor">
+              <a:schemeClr val="tx1"/>
+            </a:fontRef>
+          </p:style>
+        </p:cxnSp>
+        <p:sp>
+          <p:nvSpPr>
+            <p:cNvPr id="7" name="Retângulo 6"/>
+            <p:cNvSpPr/>
+            <p:nvPr/>
+          </p:nvSpPr>
+          <p:spPr>
+            <a:xfrm>
+              <a:off x="-5680294" y="1367970"/>
+              <a:ext cx="629334" cy="338137"/>
+            </a:xfrm>
+            <a:prstGeom prst="rect">
+              <a:avLst/>
+            </a:prstGeom>
+            <a:solidFill>
+              <a:schemeClr val="bg1">
+                <a:lumMod val="65000"/>
+              </a:schemeClr>
+            </a:solidFill>
+            <a:ln>
+              <a:solidFill>
+                <a:schemeClr val="bg1">
+                  <a:lumMod val="50000"/>
+                </a:schemeClr>
+              </a:solidFill>
+            </a:ln>
+          </p:spPr>
+          <p:style>
+            <a:lnRef idx="2">
+              <a:schemeClr val="accent1">
+                <a:shade val="50000"/>
+              </a:schemeClr>
+            </a:lnRef>
+            <a:fillRef idx="1">
+              <a:schemeClr val="accent1"/>
+            </a:fillRef>
+            <a:effectRef idx="0">
+              <a:schemeClr val="accent1"/>
+            </a:effectRef>
+            <a:fontRef idx="minor">
+              <a:schemeClr val="lt1"/>
+            </a:fontRef>
+          </p:style>
+          <p:txBody>
+            <a:bodyPr rtlCol="0" anchor="ctr"/>
+            <a:lstStyle/>
+            <a:p>
+              <a:pPr algn="ctr"/>
+              <a:endParaRPr lang="pt-BR" dirty="0"/>
+            </a:p>
+          </p:txBody>
+        </p:sp>
+        <p:sp>
+          <p:nvSpPr>
+            <p:cNvPr id="3" name="Retângulo de cantos arredondados 2"/>
+            <p:cNvSpPr/>
+            <p:nvPr/>
+          </p:nvSpPr>
+          <p:spPr>
+            <a:xfrm>
+              <a:off x="-5006862" y="1463150"/>
+              <a:ext cx="118540" cy="386367"/>
+            </a:xfrm>
+            <a:prstGeom prst="roundRect">
+              <a:avLst/>
+            </a:prstGeom>
+            <a:solidFill>
+              <a:schemeClr val="bg2">
+                <a:lumMod val="25000"/>
+              </a:schemeClr>
+            </a:solidFill>
+            <a:ln>
+              <a:solidFill>
+                <a:schemeClr val="bg2">
+                  <a:lumMod val="25000"/>
+                </a:schemeClr>
+              </a:solidFill>
+            </a:ln>
+          </p:spPr>
+          <p:style>
+            <a:lnRef idx="2">
+              <a:schemeClr val="dk1">
+                <a:shade val="50000"/>
+              </a:schemeClr>
+            </a:lnRef>
+            <a:fillRef idx="1">
+              <a:schemeClr val="dk1"/>
+            </a:fillRef>
+            <a:effectRef idx="0">
+              <a:schemeClr val="dk1"/>
+            </a:effectRef>
+            <a:fontRef idx="minor">
+              <a:schemeClr val="lt1"/>
+            </a:fontRef>
+          </p:style>
+          <p:txBody>
+            <a:bodyPr rtlCol="0" anchor="ctr"/>
+            <a:lstStyle/>
+            <a:p>
+              <a:pPr algn="ctr"/>
+              <a:endParaRPr lang="pt-BR"/>
+            </a:p>
+          </p:txBody>
+        </p:sp>
+        <p:sp>
+          <p:nvSpPr>
+            <p:cNvPr id="13" name="Retângulo de cantos arredondados 12"/>
+            <p:cNvSpPr/>
+            <p:nvPr/>
+          </p:nvSpPr>
+          <p:spPr>
+            <a:xfrm>
+              <a:off x="-5830753" y="1463150"/>
+              <a:ext cx="118540" cy="386367"/>
+            </a:xfrm>
+            <a:prstGeom prst="roundRect">
+              <a:avLst/>
+            </a:prstGeom>
+            <a:solidFill>
+              <a:schemeClr val="bg2">
+                <a:lumMod val="25000"/>
+              </a:schemeClr>
+            </a:solidFill>
+            <a:ln>
+              <a:solidFill>
+                <a:schemeClr val="bg2">
+                  <a:lumMod val="25000"/>
+                </a:schemeClr>
+              </a:solidFill>
+            </a:ln>
+          </p:spPr>
+          <p:style>
+            <a:lnRef idx="2">
+              <a:schemeClr val="dk1">
+                <a:shade val="50000"/>
+              </a:schemeClr>
+            </a:lnRef>
+            <a:fillRef idx="1">
+              <a:schemeClr val="dk1"/>
+            </a:fillRef>
+            <a:effectRef idx="0">
+              <a:schemeClr val="dk1"/>
+            </a:effectRef>
+            <a:fontRef idx="minor">
+              <a:schemeClr val="lt1"/>
+            </a:fontRef>
+          </p:style>
+          <p:txBody>
+            <a:bodyPr rtlCol="0" anchor="ctr"/>
+            <a:lstStyle/>
+            <a:p>
+              <a:pPr algn="ctr"/>
+              <a:endParaRPr lang="pt-BR"/>
+            </a:p>
+          </p:txBody>
+        </p:sp>
+      </p:grpSp>
+      <p:grpSp>
+        <p:nvGrpSpPr>
+          <p:cNvPr id="139" name="Agrupar 138"/>
+          <p:cNvGrpSpPr>
+            <a:grpSpLocks/>
+          </p:cNvGrpSpPr>
+          <p:nvPr/>
+        </p:nvGrpSpPr>
+        <p:grpSpPr>
+          <a:xfrm>
+            <a:off x="202280" y="5490404"/>
+            <a:ext cx="2360321" cy="315523"/>
+            <a:chOff x="-5910349" y="4990303"/>
+            <a:chExt cx="2950402" cy="394403"/>
+          </a:xfrm>
+        </p:grpSpPr>
+        <p:sp>
+          <p:nvSpPr>
+            <p:cNvPr id="140" name="CaixaDeTexto 139"/>
+            <p:cNvSpPr txBox="1"/>
+            <p:nvPr/>
+          </p:nvSpPr>
+          <p:spPr>
+            <a:xfrm>
+              <a:off x="-5910349" y="4997333"/>
+              <a:ext cx="1326567" cy="384721"/>
+            </a:xfrm>
+            <a:prstGeom prst="rect">
+              <a:avLst/>
+            </a:prstGeom>
+            <a:noFill/>
+          </p:spPr>
+          <p:txBody>
+            <a:bodyPr wrap="none" rtlCol="0">
+              <a:spAutoFit/>
+            </a:bodyPr>
+            <a:lstStyle/>
+            <a:p>
+              <a:r>
+                <a:rPr lang="pt-BR" sz="1400" dirty="0">
+                  <a:latin typeface="Arial" panose="020B0604020202020204" pitchFamily="34" charset="0"/>
+                  <a:cs typeface="Arial" panose="020B0604020202020204" pitchFamily="34" charset="0"/>
+                </a:rPr>
+                <a:t>Velocidade</a:t>
+              </a:r>
+              <a:endParaRPr lang="pt-BR" sz="1400" dirty="0">
+                <a:latin typeface="Arial" panose="020B0604020202020204" pitchFamily="34" charset="0"/>
+                <a:cs typeface="Arial" panose="020B0604020202020204" pitchFamily="34" charset="0"/>
+              </a:endParaRPr>
+            </a:p>
+          </p:txBody>
+        </p:sp>
+        <p:sp>
+          <p:nvSpPr>
+            <p:cNvPr id="141" name="Retângulo de cantos arredondados 146"/>
+            <p:cNvSpPr/>
+            <p:nvPr/>
+          </p:nvSpPr>
+          <p:spPr>
+            <a:xfrm>
+              <a:off x="-3673157" y="5015374"/>
+              <a:ext cx="713210" cy="369332"/>
+            </a:xfrm>
+            <a:prstGeom prst="roundRect">
+              <a:avLst/>
+            </a:prstGeom>
+            <a:solidFill>
+              <a:schemeClr val="bg1"/>
+            </a:solidFill>
+          </p:spPr>
+          <p:style>
+            <a:lnRef idx="2">
+              <a:schemeClr val="accent1">
+                <a:shade val="50000"/>
+              </a:schemeClr>
+            </a:lnRef>
+            <a:fillRef idx="1">
+              <a:schemeClr val="accent1"/>
+            </a:fillRef>
+            <a:effectRef idx="0">
+              <a:schemeClr val="accent1"/>
+            </a:effectRef>
+            <a:fontRef idx="minor">
+              <a:schemeClr val="lt1"/>
+            </a:fontRef>
+          </p:style>
+          <p:txBody>
+            <a:bodyPr rtlCol="0" anchor="ctr"/>
+            <a:lstStyle/>
+            <a:p>
+              <a:pPr algn="ctr"/>
+              <a:endParaRPr lang="pt-BR"/>
+            </a:p>
+          </p:txBody>
+        </p:sp>
+        <p:sp>
+          <p:nvSpPr>
+            <p:cNvPr id="143" name="CaixaDeTexto 142"/>
+            <p:cNvSpPr txBox="1"/>
+            <p:nvPr/>
+          </p:nvSpPr>
+          <p:spPr>
+            <a:xfrm>
+              <a:off x="-4509149" y="4990303"/>
+              <a:ext cx="954189" cy="384721"/>
+            </a:xfrm>
+            <a:prstGeom prst="rect">
+              <a:avLst/>
+            </a:prstGeom>
+            <a:noFill/>
+          </p:spPr>
+          <p:txBody>
+            <a:bodyPr wrap="none" rtlCol="0">
+              <a:spAutoFit/>
+            </a:bodyPr>
+            <a:lstStyle/>
+            <a:p>
+              <a:r>
+                <a:rPr lang="pt-BR" sz="1400" dirty="0">
+                  <a:latin typeface="Arial" panose="020B0604020202020204" pitchFamily="34" charset="0"/>
+                  <a:cs typeface="Arial" panose="020B0604020202020204" pitchFamily="34" charset="0"/>
+                </a:rPr>
+                <a:t>XX m/s</a:t>
+              </a:r>
+              <a:endParaRPr lang="pt-BR" sz="1400" dirty="0">
+                <a:latin typeface="Arial" panose="020B0604020202020204" pitchFamily="34" charset="0"/>
+                <a:cs typeface="Arial" panose="020B0604020202020204" pitchFamily="34" charset="0"/>
+              </a:endParaRPr>
+            </a:p>
+          </p:txBody>
+        </p:sp>
+      </p:grpSp>
+      <p:grpSp>
+        <p:nvGrpSpPr>
+          <p:cNvPr id="144" name="Agrupar 143"/>
+          <p:cNvGrpSpPr>
+            <a:grpSpLocks/>
+          </p:cNvGrpSpPr>
+          <p:nvPr/>
+        </p:nvGrpSpPr>
+        <p:grpSpPr>
+          <a:xfrm>
+            <a:off x="194838" y="4634042"/>
+            <a:ext cx="1741643" cy="313401"/>
+            <a:chOff x="-5910349" y="4990303"/>
+            <a:chExt cx="2177054" cy="391751"/>
+          </a:xfrm>
+        </p:grpSpPr>
+        <p:sp>
+          <p:nvSpPr>
+            <p:cNvPr id="148" name="CaixaDeTexto 147"/>
+            <p:cNvSpPr txBox="1"/>
+            <p:nvPr/>
+          </p:nvSpPr>
+          <p:spPr>
+            <a:xfrm>
+              <a:off x="-5910349" y="4997333"/>
+              <a:ext cx="940161" cy="384721"/>
+            </a:xfrm>
+            <a:prstGeom prst="rect">
+              <a:avLst/>
+            </a:prstGeom>
+            <a:noFill/>
+          </p:spPr>
+          <p:txBody>
+            <a:bodyPr wrap="none" rtlCol="0">
+              <a:spAutoFit/>
+            </a:bodyPr>
+            <a:lstStyle/>
+            <a:p>
+              <a:r>
+                <a:rPr lang="pt-BR" sz="1400" dirty="0">
+                  <a:latin typeface="Arial" panose="020B0604020202020204" pitchFamily="34" charset="0"/>
+                  <a:cs typeface="Arial" panose="020B0604020202020204" pitchFamily="34" charset="0"/>
+                </a:rPr>
+                <a:t>Bateria</a:t>
+              </a:r>
+              <a:endParaRPr lang="pt-BR" sz="1400" dirty="0">
+                <a:latin typeface="Arial" panose="020B0604020202020204" pitchFamily="34" charset="0"/>
+                <a:cs typeface="Arial" panose="020B0604020202020204" pitchFamily="34" charset="0"/>
+              </a:endParaRPr>
+            </a:p>
+          </p:txBody>
+        </p:sp>
+        <p:sp>
+          <p:nvSpPr>
+            <p:cNvPr id="163" name="CaixaDeTexto 162"/>
+            <p:cNvSpPr txBox="1"/>
+            <p:nvPr/>
+          </p:nvSpPr>
+          <p:spPr>
+            <a:xfrm>
+              <a:off x="-4509149" y="4990303"/>
+              <a:ext cx="775854" cy="384721"/>
+            </a:xfrm>
+            <a:prstGeom prst="rect">
+              <a:avLst/>
+            </a:prstGeom>
+            <a:noFill/>
+          </p:spPr>
+          <p:txBody>
+            <a:bodyPr wrap="none" rtlCol="0">
+              <a:spAutoFit/>
+            </a:bodyPr>
+            <a:lstStyle/>
+            <a:p>
+              <a:r>
+                <a:rPr lang="pt-BR" sz="1400" dirty="0" err="1">
+                  <a:latin typeface="Arial" panose="020B0604020202020204" pitchFamily="34" charset="0"/>
+                  <a:cs typeface="Arial" panose="020B0604020202020204" pitchFamily="34" charset="0"/>
+                </a:rPr>
+                <a:t>XXºC</a:t>
+              </a:r>
+              <a:endParaRPr lang="pt-BR" sz="1400" dirty="0">
+                <a:latin typeface="Arial" panose="020B0604020202020204" pitchFamily="34" charset="0"/>
+                <a:cs typeface="Arial" panose="020B0604020202020204" pitchFamily="34" charset="0"/>
+              </a:endParaRPr>
+            </a:p>
+          </p:txBody>
+        </p:sp>
+      </p:grpSp>
+      <p:grpSp>
+        <p:nvGrpSpPr>
+          <p:cNvPr id="164" name="Agrupar 163"/>
+          <p:cNvGrpSpPr>
+            <a:grpSpLocks/>
+          </p:cNvGrpSpPr>
+          <p:nvPr/>
+        </p:nvGrpSpPr>
+        <p:grpSpPr>
+          <a:xfrm>
+            <a:off x="196084" y="4210152"/>
+            <a:ext cx="2360321" cy="315523"/>
+            <a:chOff x="-5910349" y="4990303"/>
+            <a:chExt cx="2950402" cy="394403"/>
+          </a:xfrm>
+        </p:grpSpPr>
+        <p:sp>
+          <p:nvSpPr>
+            <p:cNvPr id="165" name="CaixaDeTexto 164"/>
+            <p:cNvSpPr txBox="1"/>
+            <p:nvPr/>
+          </p:nvSpPr>
+          <p:spPr>
+            <a:xfrm>
+              <a:off x="-5910349" y="4997333"/>
+              <a:ext cx="1052372" cy="384721"/>
+            </a:xfrm>
+            <a:prstGeom prst="rect">
+              <a:avLst/>
+            </a:prstGeom>
+            <a:noFill/>
+          </p:spPr>
+          <p:txBody>
+            <a:bodyPr wrap="none" rtlCol="0">
+              <a:spAutoFit/>
+            </a:bodyPr>
+            <a:lstStyle/>
+            <a:p>
+              <a:r>
+                <a:rPr lang="pt-BR" sz="1400" dirty="0" err="1">
+                  <a:latin typeface="Arial" panose="020B0604020202020204" pitchFamily="34" charset="0"/>
+                  <a:cs typeface="Arial" panose="020B0604020202020204" pitchFamily="34" charset="0"/>
+                </a:rPr>
+                <a:t>Pressao</a:t>
+              </a:r>
+              <a:endParaRPr lang="pt-BR" sz="1400" dirty="0">
+                <a:latin typeface="Arial" panose="020B0604020202020204" pitchFamily="34" charset="0"/>
+                <a:cs typeface="Arial" panose="020B0604020202020204" pitchFamily="34" charset="0"/>
+              </a:endParaRPr>
+            </a:p>
+          </p:txBody>
+        </p:sp>
+        <p:sp>
+          <p:nvSpPr>
+            <p:cNvPr id="166" name="Retângulo de cantos arredondados 146"/>
+            <p:cNvSpPr/>
+            <p:nvPr/>
+          </p:nvSpPr>
+          <p:spPr>
+            <a:xfrm>
+              <a:off x="-3673157" y="5015374"/>
+              <a:ext cx="713210" cy="369332"/>
+            </a:xfrm>
+            <a:prstGeom prst="roundRect">
+              <a:avLst/>
+            </a:prstGeom>
+            <a:solidFill>
+              <a:schemeClr val="bg1"/>
+            </a:solidFill>
+          </p:spPr>
+          <p:style>
+            <a:lnRef idx="2">
+              <a:schemeClr val="accent1">
+                <a:shade val="50000"/>
+              </a:schemeClr>
+            </a:lnRef>
+            <a:fillRef idx="1">
+              <a:schemeClr val="accent1"/>
+            </a:fillRef>
+            <a:effectRef idx="0">
+              <a:schemeClr val="accent1"/>
+            </a:effectRef>
+            <a:fontRef idx="minor">
+              <a:schemeClr val="lt1"/>
+            </a:fontRef>
+          </p:style>
+          <p:txBody>
+            <a:bodyPr rtlCol="0" anchor="ctr"/>
+            <a:lstStyle/>
+            <a:p>
+              <a:pPr algn="ctr"/>
+              <a:endParaRPr lang="pt-BR"/>
+            </a:p>
+          </p:txBody>
+        </p:sp>
+        <p:sp>
+          <p:nvSpPr>
+            <p:cNvPr id="167" name="CaixaDeTexto 166"/>
+            <p:cNvSpPr txBox="1"/>
+            <p:nvPr/>
+          </p:nvSpPr>
+          <p:spPr>
+            <a:xfrm>
+              <a:off x="-4509149" y="4990303"/>
+              <a:ext cx="868026" cy="384721"/>
+            </a:xfrm>
+            <a:prstGeom prst="rect">
+              <a:avLst/>
+            </a:prstGeom>
+            <a:noFill/>
+          </p:spPr>
+          <p:txBody>
+            <a:bodyPr wrap="none" rtlCol="0">
+              <a:spAutoFit/>
+            </a:bodyPr>
+            <a:lstStyle/>
+            <a:p>
+              <a:r>
+                <a:rPr lang="pt-BR" sz="1400" dirty="0">
+                  <a:latin typeface="Arial" panose="020B0604020202020204" pitchFamily="34" charset="0"/>
+                  <a:cs typeface="Arial" panose="020B0604020202020204" pitchFamily="34" charset="0"/>
+                </a:rPr>
+                <a:t>XX </a:t>
+              </a:r>
+              <a:r>
+                <a:rPr lang="pt-BR" sz="1400" dirty="0" err="1">
+                  <a:latin typeface="Arial" panose="020B0604020202020204" pitchFamily="34" charset="0"/>
+                  <a:cs typeface="Arial" panose="020B0604020202020204" pitchFamily="34" charset="0"/>
+                </a:rPr>
+                <a:t>Pa</a:t>
+              </a:r>
+              <a:endParaRPr lang="pt-BR" sz="1400" dirty="0">
+                <a:latin typeface="Arial" panose="020B0604020202020204" pitchFamily="34" charset="0"/>
+                <a:cs typeface="Arial" panose="020B0604020202020204" pitchFamily="34" charset="0"/>
+              </a:endParaRPr>
+            </a:p>
+          </p:txBody>
+        </p:sp>
+      </p:grpSp>
+      <p:grpSp>
+        <p:nvGrpSpPr>
+          <p:cNvPr id="174" name="Agrupar 173"/>
+          <p:cNvGrpSpPr>
+            <a:grpSpLocks/>
+          </p:cNvGrpSpPr>
+          <p:nvPr/>
+        </p:nvGrpSpPr>
+        <p:grpSpPr>
+          <a:xfrm>
+            <a:off x="196084" y="3793610"/>
+            <a:ext cx="2360321" cy="315523"/>
+            <a:chOff x="-5910349" y="4990303"/>
+            <a:chExt cx="2950402" cy="394403"/>
+          </a:xfrm>
+        </p:grpSpPr>
+        <p:sp>
+          <p:nvSpPr>
+            <p:cNvPr id="175" name="CaixaDeTexto 174"/>
+            <p:cNvSpPr txBox="1"/>
+            <p:nvPr/>
+          </p:nvSpPr>
+          <p:spPr>
+            <a:xfrm>
+              <a:off x="-5910349" y="4997333"/>
+              <a:ext cx="1484382" cy="384721"/>
+            </a:xfrm>
+            <a:prstGeom prst="rect">
+              <a:avLst/>
+            </a:prstGeom>
+            <a:noFill/>
+          </p:spPr>
+          <p:txBody>
+            <a:bodyPr wrap="none" rtlCol="0">
+              <a:spAutoFit/>
+            </a:bodyPr>
+            <a:lstStyle/>
+            <a:p>
+              <a:r>
+                <a:rPr lang="pt-BR" sz="1400" dirty="0">
+                  <a:latin typeface="Arial" panose="020B0604020202020204" pitchFamily="34" charset="0"/>
+                  <a:cs typeface="Arial" panose="020B0604020202020204" pitchFamily="34" charset="0"/>
+                </a:rPr>
+                <a:t>Temperatura</a:t>
+              </a:r>
+            </a:p>
+          </p:txBody>
+        </p:sp>
+        <p:sp>
+          <p:nvSpPr>
+            <p:cNvPr id="176" name="Retângulo de cantos arredondados 146"/>
+            <p:cNvSpPr/>
+            <p:nvPr/>
+          </p:nvSpPr>
+          <p:spPr>
+            <a:xfrm>
+              <a:off x="-3673157" y="5015374"/>
+              <a:ext cx="713210" cy="369332"/>
+            </a:xfrm>
+            <a:prstGeom prst="roundRect">
+              <a:avLst/>
+            </a:prstGeom>
+            <a:solidFill>
+              <a:schemeClr val="bg1"/>
+            </a:solidFill>
+          </p:spPr>
+          <p:style>
+            <a:lnRef idx="2">
+              <a:schemeClr val="accent1">
+                <a:shade val="50000"/>
+              </a:schemeClr>
+            </a:lnRef>
+            <a:fillRef idx="1">
+              <a:schemeClr val="accent1"/>
+            </a:fillRef>
+            <a:effectRef idx="0">
+              <a:schemeClr val="accent1"/>
+            </a:effectRef>
+            <a:fontRef idx="minor">
+              <a:schemeClr val="lt1"/>
+            </a:fontRef>
+          </p:style>
+          <p:txBody>
+            <a:bodyPr rtlCol="0" anchor="ctr"/>
+            <a:lstStyle/>
+            <a:p>
+              <a:pPr algn="ctr"/>
+              <a:endParaRPr lang="pt-BR"/>
+            </a:p>
+          </p:txBody>
+        </p:sp>
+        <p:sp>
+          <p:nvSpPr>
+            <p:cNvPr id="177" name="CaixaDeTexto 176"/>
+            <p:cNvSpPr txBox="1"/>
+            <p:nvPr/>
+          </p:nvSpPr>
+          <p:spPr>
+            <a:xfrm>
+              <a:off x="-4509149" y="4990303"/>
+              <a:ext cx="775854" cy="384721"/>
+            </a:xfrm>
+            <a:prstGeom prst="rect">
+              <a:avLst/>
+            </a:prstGeom>
+            <a:noFill/>
+          </p:spPr>
+          <p:txBody>
+            <a:bodyPr wrap="none" rtlCol="0">
+              <a:spAutoFit/>
+            </a:bodyPr>
+            <a:lstStyle/>
+            <a:p>
+              <a:r>
+                <a:rPr lang="pt-BR" sz="1400" dirty="0" err="1">
+                  <a:latin typeface="Arial" panose="020B0604020202020204" pitchFamily="34" charset="0"/>
+                  <a:cs typeface="Arial" panose="020B0604020202020204" pitchFamily="34" charset="0"/>
+                </a:rPr>
+                <a:t>XXºC</a:t>
+              </a:r>
+              <a:endParaRPr lang="pt-BR" sz="1400" dirty="0">
+                <a:latin typeface="Arial" panose="020B0604020202020204" pitchFamily="34" charset="0"/>
+                <a:cs typeface="Arial" panose="020B0604020202020204" pitchFamily="34" charset="0"/>
+              </a:endParaRPr>
+            </a:p>
+          </p:txBody>
+        </p:sp>
+      </p:grpSp>
+      <p:sp>
+        <p:nvSpPr>
+          <p:cNvPr id="178" name="Retângulo de cantos arredondados 151"/>
+          <p:cNvSpPr>
+            <a:spLocks/>
+          </p:cNvSpPr>
+          <p:nvPr/>
+        </p:nvSpPr>
+        <p:spPr>
+          <a:xfrm>
+            <a:off x="2065504" y="4643986"/>
+            <a:ext cx="56881" cy="288001"/>
+          </a:xfrm>
+          <a:prstGeom prst="roundRect">
+            <a:avLst/>
+          </a:prstGeom>
+        </p:spPr>
+        <p:style>
+          <a:lnRef idx="2">
+            <a:schemeClr val="accent1">
+              <a:shade val="50000"/>
+            </a:schemeClr>
+          </a:lnRef>
+          <a:fillRef idx="1">
+            <a:schemeClr val="accent1"/>
+          </a:fillRef>
+          <a:effectRef idx="0">
+            <a:schemeClr val="accent1"/>
+          </a:effectRef>
+          <a:fontRef idx="minor">
+            <a:schemeClr val="lt1"/>
+          </a:fontRef>
+        </p:style>
+        <p:txBody>
+          <a:bodyPr rtlCol="0" anchor="ctr"/>
+          <a:lstStyle/>
+          <a:p>
+            <a:pPr algn="ctr"/>
+            <a:endParaRPr lang="pt-BR" dirty="0"/>
+          </a:p>
+        </p:txBody>
+      </p:sp>
+      <p:sp>
+        <p:nvSpPr>
+          <p:cNvPr id="180" name="Retângulo de cantos arredondados 152"/>
+          <p:cNvSpPr>
+            <a:spLocks/>
+          </p:cNvSpPr>
+          <p:nvPr/>
+        </p:nvSpPr>
+        <p:spPr>
+          <a:xfrm>
+            <a:off x="2158580" y="4643986"/>
+            <a:ext cx="56881" cy="288001"/>
+          </a:xfrm>
+          <a:prstGeom prst="roundRect">
+            <a:avLst/>
+          </a:prstGeom>
+        </p:spPr>
+        <p:style>
+          <a:lnRef idx="2">
+            <a:schemeClr val="accent1">
+              <a:shade val="50000"/>
+            </a:schemeClr>
+          </a:lnRef>
+          <a:fillRef idx="1">
+            <a:schemeClr val="accent1"/>
+          </a:fillRef>
+          <a:effectRef idx="0">
+            <a:schemeClr val="accent1"/>
+          </a:effectRef>
+          <a:fontRef idx="minor">
+            <a:schemeClr val="lt1"/>
+          </a:fontRef>
+        </p:style>
+        <p:txBody>
+          <a:bodyPr rtlCol="0" anchor="ctr"/>
+          <a:lstStyle/>
+          <a:p>
+            <a:pPr algn="ctr"/>
+            <a:endParaRPr lang="pt-BR"/>
+          </a:p>
+        </p:txBody>
+      </p:sp>
+      <p:sp>
+        <p:nvSpPr>
+          <p:cNvPr id="185" name="Retângulo de cantos arredondados 153"/>
+          <p:cNvSpPr>
+            <a:spLocks/>
+          </p:cNvSpPr>
+          <p:nvPr/>
+        </p:nvSpPr>
+        <p:spPr>
+          <a:xfrm>
+            <a:off x="2252179" y="4649038"/>
+            <a:ext cx="56881" cy="288001"/>
+          </a:xfrm>
+          <a:prstGeom prst="roundRect">
+            <a:avLst/>
+          </a:prstGeom>
+        </p:spPr>
+        <p:style>
+          <a:lnRef idx="2">
+            <a:schemeClr val="accent1">
+              <a:shade val="50000"/>
+            </a:schemeClr>
+          </a:lnRef>
+          <a:fillRef idx="1">
+            <a:schemeClr val="accent1"/>
+          </a:fillRef>
+          <a:effectRef idx="0">
+            <a:schemeClr val="accent1"/>
+          </a:effectRef>
+          <a:fontRef idx="minor">
+            <a:schemeClr val="lt1"/>
+          </a:fontRef>
+        </p:style>
+        <p:txBody>
+          <a:bodyPr rtlCol="0" anchor="ctr"/>
+          <a:lstStyle/>
+          <a:p>
+            <a:pPr algn="ctr"/>
+            <a:endParaRPr lang="pt-BR"/>
+          </a:p>
+        </p:txBody>
+      </p:sp>
+      <p:sp>
+        <p:nvSpPr>
+          <p:cNvPr id="186" name="Retângulo de cantos arredondados 154"/>
+          <p:cNvSpPr>
+            <a:spLocks/>
+          </p:cNvSpPr>
+          <p:nvPr/>
+        </p:nvSpPr>
+        <p:spPr>
+          <a:xfrm>
+            <a:off x="2339841" y="4649038"/>
+            <a:ext cx="56881" cy="288001"/>
+          </a:xfrm>
+          <a:prstGeom prst="roundRect">
+            <a:avLst/>
+          </a:prstGeom>
+        </p:spPr>
+        <p:style>
+          <a:lnRef idx="2">
+            <a:schemeClr val="accent1">
+              <a:shade val="50000"/>
+            </a:schemeClr>
+          </a:lnRef>
+          <a:fillRef idx="1">
+            <a:schemeClr val="accent1"/>
+          </a:fillRef>
+          <a:effectRef idx="0">
+            <a:schemeClr val="accent1"/>
+          </a:effectRef>
+          <a:fontRef idx="minor">
+            <a:schemeClr val="lt1"/>
+          </a:fontRef>
+        </p:style>
+        <p:txBody>
+          <a:bodyPr rtlCol="0" anchor="ctr"/>
+          <a:lstStyle/>
+          <a:p>
+            <a:pPr algn="ctr"/>
+            <a:endParaRPr lang="pt-BR"/>
+          </a:p>
+        </p:txBody>
+      </p:sp>
+      <p:sp>
+        <p:nvSpPr>
+          <p:cNvPr id="188" name="Retângulo de cantos arredondados 155"/>
+          <p:cNvSpPr>
+            <a:spLocks/>
+          </p:cNvSpPr>
+          <p:nvPr/>
+        </p:nvSpPr>
+        <p:spPr>
+          <a:xfrm>
+            <a:off x="2431281" y="4649038"/>
+            <a:ext cx="56881" cy="288001"/>
+          </a:xfrm>
+          <a:prstGeom prst="roundRect">
+            <a:avLst/>
+          </a:prstGeom>
+        </p:spPr>
+        <p:style>
+          <a:lnRef idx="2">
+            <a:schemeClr val="accent1">
+              <a:shade val="50000"/>
+            </a:schemeClr>
+          </a:lnRef>
+          <a:fillRef idx="1">
+            <a:schemeClr val="accent1"/>
+          </a:fillRef>
+          <a:effectRef idx="0">
+            <a:schemeClr val="accent1"/>
+          </a:effectRef>
+          <a:fontRef idx="minor">
+            <a:schemeClr val="lt1"/>
+          </a:fontRef>
+        </p:style>
+        <p:txBody>
+          <a:bodyPr rtlCol="0" anchor="ctr"/>
+          <a:lstStyle/>
+          <a:p>
+            <a:pPr algn="ctr"/>
+            <a:endParaRPr lang="pt-BR" dirty="0"/>
+          </a:p>
+        </p:txBody>
+      </p:sp>
+      <p:sp>
+        <p:nvSpPr>
+          <p:cNvPr id="189" name="Retângulo de cantos arredondados 168"/>
+          <p:cNvSpPr>
+            <a:spLocks/>
+          </p:cNvSpPr>
+          <p:nvPr/>
+        </p:nvSpPr>
+        <p:spPr>
+          <a:xfrm>
+            <a:off x="2522721" y="4654118"/>
+            <a:ext cx="56881" cy="288001"/>
+          </a:xfrm>
+          <a:prstGeom prst="roundRect">
+            <a:avLst/>
+          </a:prstGeom>
+        </p:spPr>
+        <p:style>
+          <a:lnRef idx="2">
+            <a:schemeClr val="accent1">
+              <a:shade val="50000"/>
+            </a:schemeClr>
+          </a:lnRef>
+          <a:fillRef idx="1">
+            <a:schemeClr val="accent1"/>
+          </a:fillRef>
+          <a:effectRef idx="0">
+            <a:schemeClr val="accent1"/>
+          </a:effectRef>
+          <a:fontRef idx="minor">
+            <a:schemeClr val="lt1"/>
+          </a:fontRef>
+        </p:style>
+        <p:txBody>
+          <a:bodyPr rtlCol="0" anchor="ctr"/>
+          <a:lstStyle/>
+          <a:p>
+            <a:pPr algn="ctr"/>
+            <a:endParaRPr lang="pt-BR" dirty="0"/>
+          </a:p>
+        </p:txBody>
+      </p:sp>
+      <p:sp>
+        <p:nvSpPr>
+          <p:cNvPr id="61" name="CaixaDeTexto 60"/>
+          <p:cNvSpPr txBox="1"/>
+          <p:nvPr/>
+        </p:nvSpPr>
+        <p:spPr>
+          <a:xfrm>
+            <a:off x="-52486" y="-66833"/>
+            <a:ext cx="1180782" cy="246221"/>
+          </a:xfrm>
+          <a:prstGeom prst="rect">
+            <a:avLst/>
+          </a:prstGeom>
+          <a:noFill/>
+        </p:spPr>
+        <p:txBody>
+          <a:bodyPr wrap="square" rtlCol="0">
+            <a:spAutoFit/>
+          </a:bodyPr>
+          <a:lstStyle/>
+          <a:p>
+            <a:r>
+              <a:rPr lang="pt-BR" sz="1000" dirty="0" err="1" smtClean="0"/>
+              <a:t>Ping</a:t>
+            </a:r>
+            <a:r>
+              <a:rPr lang="pt-BR" sz="1000" dirty="0" smtClean="0"/>
+              <a:t>: 	00ms</a:t>
+            </a:r>
+            <a:endParaRPr lang="pt-BR" sz="1000" dirty="0"/>
+          </a:p>
+        </p:txBody>
+      </p:sp>
+    </p:spTree>
+    <p:extLst>
+      <p:ext uri="{BB962C8B-B14F-4D97-AF65-F5344CB8AC3E}">
+        <p14:creationId xmlns:p14="http://schemas.microsoft.com/office/powerpoint/2010/main" val="2581780898"/>
+      </p:ext>
+    </p:extLst>
+  </p:cSld>
+  <p:clrMapOvr>
+    <a:masterClrMapping/>
+  </p:clrMapOvr>
+  <mc:AlternateContent xmlns:mc="http://schemas.openxmlformats.org/markup-compatibility/2006">
+    <mc:Choice xmlns:p14="http://schemas.microsoft.com/office/powerpoint/2010/main" Requires="p14">
+      <p:transition spd="slow" p14:dur="2000"/>
+    </mc:Choice>
+    <mc:Fallback>
+      <p:transition spd="slow"/>
+    </mc:Fallback>
+  </mc:AlternateContent>
+  <p:timing>
+    <p:tnLst>
+      <p:par>
+        <p:cTn id="1" dur="indefinite" restart="never" nodeType="tmRoot"/>
+      </p:par>
+    </p:tnLst>
+  </p:timing>
+</p:sld>
+</file>
+
+<file path=ppt/slides/slide3.xml><?xml version="1.0" encoding="utf-8"?>
+<p:sld xmlns:a="http://schemas.openxmlformats.org/drawingml/2006/main" xmlns:r="http://schemas.openxmlformats.org/officeDocument/2006/relationships" xmlns:p="http://schemas.openxmlformats.org/presentationml/2006/main">
+  <p:cSld>
+    <p:bg>
+      <p:bgPr>
+        <a:solidFill>
+          <a:schemeClr val="bg1">
+            <a:lumMod val="75000"/>
+          </a:schemeClr>
+        </a:solidFill>
+        <a:effectLst/>
+      </p:bgPr>
+    </p:bg>
+    <p:spTree>
+      <p:nvGrpSpPr>
+        <p:cNvPr id="1" name=""/>
+        <p:cNvGrpSpPr/>
+        <p:nvPr/>
+      </p:nvGrpSpPr>
+      <p:grpSpPr>
+        <a:xfrm>
+          <a:off x="0" y="0"/>
+          <a:ext cx="0" cy="0"/>
+          <a:chOff x="0" y="0"/>
+          <a:chExt cx="0" cy="0"/>
+        </a:xfrm>
+      </p:grpSpPr>
+      <p:sp>
+        <p:nvSpPr>
+          <p:cNvPr id="4" name="CaixaDeTexto 3"/>
+          <p:cNvSpPr txBox="1"/>
+          <p:nvPr/>
+        </p:nvSpPr>
+        <p:spPr>
+          <a:xfrm>
+            <a:off x="215900" y="457201"/>
+            <a:ext cx="2447925" cy="461665"/>
+          </a:xfrm>
+          <a:prstGeom prst="rect">
+            <a:avLst/>
+          </a:prstGeom>
+          <a:noFill/>
+        </p:spPr>
+        <p:txBody>
+          <a:bodyPr wrap="square" rtlCol="0">
+            <a:spAutoFit/>
+          </a:bodyPr>
+          <a:lstStyle/>
+          <a:p>
+            <a:pPr algn="ctr"/>
+            <a:r>
+              <a:rPr lang="pt-BR" sz="2400" dirty="0" err="1"/>
+              <a:t>Concremat</a:t>
+            </a:r>
+            <a:endParaRPr lang="pt-BR" sz="2400" dirty="0"/>
+          </a:p>
+        </p:txBody>
+      </p:sp>
+      <p:sp>
+        <p:nvSpPr>
+          <p:cNvPr id="5" name="CaixaDeTexto 4"/>
+          <p:cNvSpPr txBox="1"/>
+          <p:nvPr/>
+        </p:nvSpPr>
+        <p:spPr>
+          <a:xfrm>
+            <a:off x="827088" y="1114508"/>
+            <a:ext cx="1225550" cy="369332"/>
+          </a:xfrm>
+          <a:prstGeom prst="rect">
+            <a:avLst/>
+          </a:prstGeom>
+          <a:noFill/>
+        </p:spPr>
+        <p:txBody>
+          <a:bodyPr wrap="square" rtlCol="0">
+            <a:spAutoFit/>
+          </a:bodyPr>
+          <a:lstStyle/>
+          <a:p>
+            <a:pPr algn="ctr"/>
+            <a:r>
+              <a:rPr lang="pt-BR" sz="1800" dirty="0" err="1" smtClean="0"/>
+              <a:t>Robo</a:t>
+            </a:r>
+            <a:endParaRPr lang="pt-BR" sz="900" dirty="0"/>
+          </a:p>
+        </p:txBody>
+      </p:sp>
+      <p:sp>
+        <p:nvSpPr>
+          <p:cNvPr id="6" name="CaixaDeTexto 5"/>
+          <p:cNvSpPr txBox="1"/>
+          <p:nvPr/>
+        </p:nvSpPr>
+        <p:spPr>
+          <a:xfrm>
+            <a:off x="649705" y="2478505"/>
+            <a:ext cx="184731" cy="228396"/>
+          </a:xfrm>
+          <a:prstGeom prst="rect">
+            <a:avLst/>
+          </a:prstGeom>
+          <a:noFill/>
+        </p:spPr>
+        <p:txBody>
+          <a:bodyPr wrap="none" rtlCol="0">
+            <a:spAutoFit/>
+          </a:bodyPr>
+          <a:lstStyle/>
+          <a:p>
+            <a:endParaRPr lang="pt-BR" dirty="0"/>
+          </a:p>
+        </p:txBody>
+      </p:sp>
+      <p:sp>
+        <p:nvSpPr>
+          <p:cNvPr id="11" name="Retângulo 10"/>
+          <p:cNvSpPr/>
+          <p:nvPr/>
+        </p:nvSpPr>
+        <p:spPr>
+          <a:xfrm>
+            <a:off x="805156" y="4752975"/>
+            <a:ext cx="1225551" cy="430898"/>
+          </a:xfrm>
+          <a:prstGeom prst="rect">
+            <a:avLst/>
+          </a:prstGeom>
+          <a:solidFill>
+            <a:schemeClr val="bg1">
+              <a:lumMod val="65000"/>
+            </a:schemeClr>
+          </a:solidFill>
+          <a:ln>
+            <a:solidFill>
+              <a:schemeClr val="tx1"/>
+            </a:solidFill>
+          </a:ln>
+        </p:spPr>
+        <p:style>
+          <a:lnRef idx="2">
+            <a:schemeClr val="accent1">
+              <a:shade val="50000"/>
+            </a:schemeClr>
+          </a:lnRef>
+          <a:fillRef idx="1">
+            <a:schemeClr val="accent1"/>
+          </a:fillRef>
+          <a:effectRef idx="0">
+            <a:schemeClr val="accent1"/>
+          </a:effectRef>
+          <a:fontRef idx="minor">
+            <a:schemeClr val="lt1"/>
+          </a:fontRef>
+        </p:style>
+        <p:txBody>
+          <a:bodyPr rtlCol="0" anchor="ctr"/>
+          <a:lstStyle/>
+          <a:p>
+            <a:pPr algn="ctr"/>
+            <a:r>
+              <a:rPr lang="pt-BR" dirty="0" smtClean="0"/>
+              <a:t>Conectar</a:t>
+            </a:r>
+            <a:endParaRPr lang="pt-BR" dirty="0"/>
+          </a:p>
+        </p:txBody>
+      </p:sp>
+      <p:sp>
+        <p:nvSpPr>
+          <p:cNvPr id="101" name="Retângulo 100"/>
+          <p:cNvSpPr/>
+          <p:nvPr/>
+        </p:nvSpPr>
+        <p:spPr>
+          <a:xfrm>
+            <a:off x="849018" y="5508625"/>
+            <a:ext cx="1181689" cy="386849"/>
+          </a:xfrm>
+          <a:prstGeom prst="rect">
+            <a:avLst/>
+          </a:prstGeom>
+          <a:solidFill>
+            <a:schemeClr val="bg1">
+              <a:lumMod val="65000"/>
+            </a:schemeClr>
+          </a:solidFill>
+          <a:ln>
+            <a:solidFill>
+              <a:schemeClr val="tx1"/>
+            </a:solidFill>
+          </a:ln>
+        </p:spPr>
+        <p:style>
+          <a:lnRef idx="2">
+            <a:schemeClr val="accent1">
+              <a:shade val="50000"/>
+            </a:schemeClr>
+          </a:lnRef>
+          <a:fillRef idx="1">
+            <a:schemeClr val="accent1"/>
+          </a:fillRef>
+          <a:effectRef idx="0">
+            <a:schemeClr val="accent1"/>
+          </a:effectRef>
+          <a:fontRef idx="minor">
+            <a:schemeClr val="lt1"/>
+          </a:fontRef>
+        </p:style>
+        <p:txBody>
+          <a:bodyPr rtlCol="0" anchor="ctr"/>
+          <a:lstStyle/>
+          <a:p>
+            <a:pPr algn="ctr"/>
+            <a:r>
+              <a:rPr lang="pt-BR" dirty="0" smtClean="0"/>
+              <a:t>Opções</a:t>
+            </a:r>
+            <a:endParaRPr lang="pt-BR" dirty="0"/>
+          </a:p>
+        </p:txBody>
+      </p:sp>
+      <p:sp>
+        <p:nvSpPr>
+          <p:cNvPr id="19" name="Elipse 18"/>
+          <p:cNvSpPr/>
+          <p:nvPr/>
+        </p:nvSpPr>
+        <p:spPr>
+          <a:xfrm>
+            <a:off x="1096962" y="2911044"/>
+            <a:ext cx="685800" cy="658087"/>
+          </a:xfrm>
+          <a:prstGeom prst="ellipse">
+            <a:avLst/>
+          </a:prstGeom>
+          <a:solidFill>
+            <a:schemeClr val="bg1">
+              <a:lumMod val="65000"/>
+            </a:schemeClr>
+          </a:solidFill>
+          <a:ln>
+            <a:solidFill>
+              <a:schemeClr val="tx1"/>
+            </a:solidFill>
+          </a:ln>
+        </p:spPr>
+        <p:style>
+          <a:lnRef idx="2">
+            <a:schemeClr val="accent1">
+              <a:shade val="50000"/>
+            </a:schemeClr>
+          </a:lnRef>
+          <a:fillRef idx="1">
+            <a:schemeClr val="accent1"/>
+          </a:fillRef>
+          <a:effectRef idx="0">
+            <a:schemeClr val="accent1"/>
+          </a:effectRef>
+          <a:fontRef idx="minor">
+            <a:schemeClr val="lt1"/>
+          </a:fontRef>
+        </p:style>
+        <p:txBody>
+          <a:bodyPr rtlCol="0" anchor="ctr"/>
+          <a:lstStyle/>
+          <a:p>
+            <a:pPr algn="ctr"/>
+            <a:r>
+              <a:rPr lang="pt-BR" dirty="0" err="1" smtClean="0"/>
+              <a:t>Connecting</a:t>
+            </a:r>
+            <a:endParaRPr lang="pt-BR" dirty="0"/>
+          </a:p>
+        </p:txBody>
+      </p:sp>
+      <p:sp>
+        <p:nvSpPr>
+          <p:cNvPr id="20" name="CaixaDeTexto 19"/>
+          <p:cNvSpPr txBox="1"/>
+          <p:nvPr/>
+        </p:nvSpPr>
+        <p:spPr>
+          <a:xfrm>
+            <a:off x="1096962" y="1809102"/>
+            <a:ext cx="742511" cy="261610"/>
+          </a:xfrm>
+          <a:prstGeom prst="rect">
+            <a:avLst/>
+          </a:prstGeom>
+          <a:noFill/>
+        </p:spPr>
+        <p:txBody>
+          <a:bodyPr wrap="none" rtlCol="0">
+            <a:spAutoFit/>
+          </a:bodyPr>
+          <a:lstStyle/>
+          <a:p>
+            <a:r>
+              <a:rPr lang="pt-BR" sz="1100" dirty="0" smtClean="0">
+                <a:solidFill>
+                  <a:srgbClr val="FF0000"/>
+                </a:solidFill>
+              </a:rPr>
+              <a:t>MESSAGE</a:t>
+            </a:r>
+            <a:endParaRPr lang="pt-BR" sz="1100" dirty="0">
+              <a:solidFill>
+                <a:srgbClr val="FF0000"/>
+              </a:solidFill>
+            </a:endParaRPr>
+          </a:p>
+        </p:txBody>
+      </p:sp>
+    </p:spTree>
+    <p:extLst>
+      <p:ext uri="{BB962C8B-B14F-4D97-AF65-F5344CB8AC3E}">
+        <p14:creationId xmlns:p14="http://schemas.microsoft.com/office/powerpoint/2010/main" val="1942826807"/>
+      </p:ext>
+    </p:extLst>
+  </p:cSld>
+  <p:clrMapOvr>
+    <a:masterClrMapping/>
+  </p:clrMapOvr>
+  <mc:AlternateContent xmlns:mc="http://schemas.openxmlformats.org/markup-compatibility/2006">
+    <mc:Choice xmlns:p14="http://schemas.microsoft.com/office/powerpoint/2010/main" Requires="p14">
+      <p:transition spd="slow" p14:dur="2000"/>
+    </mc:Choice>
+    <mc:Fallback>
+      <p:transition spd="slow"/>
+    </mc:Fallback>
+  </mc:AlternateContent>
+  <p:timing>
+    <p:tnLst>
+      <p:par>
+        <p:cTn id="1" dur="indefinite" restart="never" nodeType="tmRoot"/>
+      </p:par>
+    </p:tnLst>
+  </p:timing>
+</p:sld>
+</file>
+
+<file path=ppt/slides/slide4.xml><?xml version="1.0" encoding="utf-8"?>
+<p:sld xmlns:a="http://schemas.openxmlformats.org/drawingml/2006/main" xmlns:r="http://schemas.openxmlformats.org/officeDocument/2006/relationships" xmlns:p="http://schemas.openxmlformats.org/presentationml/2006/main">
+  <p:cSld>
+    <p:bg>
+      <p:bgPr>
+        <a:solidFill>
+          <a:schemeClr val="bg1">
+            <a:lumMod val="75000"/>
+          </a:schemeClr>
+        </a:solidFill>
+        <a:effectLst/>
+      </p:bgPr>
+    </p:bg>
+    <p:spTree>
+      <p:nvGrpSpPr>
+        <p:cNvPr id="1" name=""/>
+        <p:cNvGrpSpPr/>
+        <p:nvPr/>
+      </p:nvGrpSpPr>
+      <p:grpSpPr>
+        <a:xfrm>
+          <a:off x="0" y="0"/>
+          <a:ext cx="0" cy="0"/>
+          <a:chOff x="0" y="0"/>
+          <a:chExt cx="0" cy="0"/>
+        </a:xfrm>
+      </p:grpSpPr>
+      <p:sp>
+        <p:nvSpPr>
+          <p:cNvPr id="4" name="CaixaDeTexto 3"/>
+          <p:cNvSpPr txBox="1"/>
+          <p:nvPr/>
+        </p:nvSpPr>
+        <p:spPr>
+          <a:xfrm>
+            <a:off x="215900" y="457201"/>
+            <a:ext cx="2447925" cy="461665"/>
+          </a:xfrm>
+          <a:prstGeom prst="rect">
+            <a:avLst/>
+          </a:prstGeom>
+          <a:noFill/>
+        </p:spPr>
+        <p:txBody>
+          <a:bodyPr wrap="square" rtlCol="0">
+            <a:spAutoFit/>
+          </a:bodyPr>
+          <a:lstStyle/>
+          <a:p>
+            <a:pPr algn="ctr"/>
+            <a:r>
+              <a:rPr lang="pt-BR" sz="2400" dirty="0" err="1"/>
+              <a:t>Concremat</a:t>
+            </a:r>
+            <a:endParaRPr lang="pt-BR" sz="2400" dirty="0"/>
+          </a:p>
+        </p:txBody>
+      </p:sp>
+      <p:sp>
+        <p:nvSpPr>
+          <p:cNvPr id="5" name="CaixaDeTexto 4"/>
+          <p:cNvSpPr txBox="1"/>
+          <p:nvPr/>
+        </p:nvSpPr>
+        <p:spPr>
+          <a:xfrm>
+            <a:off x="827088" y="1114508"/>
+            <a:ext cx="1225550" cy="369332"/>
+          </a:xfrm>
+          <a:prstGeom prst="rect">
+            <a:avLst/>
+          </a:prstGeom>
+          <a:noFill/>
+        </p:spPr>
+        <p:txBody>
+          <a:bodyPr wrap="square" rtlCol="0">
+            <a:spAutoFit/>
+          </a:bodyPr>
+          <a:lstStyle/>
+          <a:p>
+            <a:pPr algn="ctr"/>
+            <a:r>
+              <a:rPr lang="pt-BR" sz="1800" dirty="0" err="1" smtClean="0"/>
+              <a:t>Options</a:t>
+            </a:r>
+            <a:endParaRPr lang="pt-BR" sz="900" dirty="0"/>
+          </a:p>
+        </p:txBody>
+      </p:sp>
+      <p:sp>
+        <p:nvSpPr>
+          <p:cNvPr id="6" name="CaixaDeTexto 5"/>
+          <p:cNvSpPr txBox="1"/>
+          <p:nvPr/>
+        </p:nvSpPr>
+        <p:spPr>
+          <a:xfrm>
+            <a:off x="649705" y="2478505"/>
+            <a:ext cx="184731" cy="228396"/>
+          </a:xfrm>
+          <a:prstGeom prst="rect">
+            <a:avLst/>
+          </a:prstGeom>
+          <a:noFill/>
+        </p:spPr>
+        <p:txBody>
+          <a:bodyPr wrap="none" rtlCol="0">
+            <a:spAutoFit/>
+          </a:bodyPr>
+          <a:lstStyle/>
+          <a:p>
+            <a:endParaRPr lang="pt-BR" dirty="0"/>
+          </a:p>
+        </p:txBody>
+      </p:sp>
+    </p:spTree>
+    <p:extLst>
+      <p:ext uri="{BB962C8B-B14F-4D97-AF65-F5344CB8AC3E}">
+        <p14:creationId xmlns:p14="http://schemas.microsoft.com/office/powerpoint/2010/main" val="1636484326"/>
+      </p:ext>
+    </p:extLst>
+  </p:cSld>
+  <p:clrMapOvr>
+    <a:masterClrMapping/>
+  </p:clrMapOvr>
+  <mc:AlternateContent xmlns:mc="http://schemas.openxmlformats.org/markup-compatibility/2006">
+    <mc:Choice xmlns:p14="http://schemas.microsoft.com/office/powerpoint/2010/main" Requires="p14">
+      <p:transition spd="slow" p14:dur="2000"/>
+    </mc:Choice>
+    <mc:Fallback>
+      <p:transition spd="slow"/>
+    </mc:Fallback>
+  </mc:AlternateContent>
+  <p:timing>
+    <p:tnLst>
+      <p:par>
+        <p:cTn id="1" dur="indefinite" restart="never" nodeType="tmRoot"/>
+      </p:par>
+    </p:tnLst>
+  </p:timing>
+</p:sld>
+</file>
+
 <file path=ppt/theme/theme1.xml><?xml version="1.0" encoding="utf-8"?>
 <a:theme xmlns:a="http://schemas.openxmlformats.org/drawingml/2006/main" name="Tema do Office">
   <a:themeElements>
-    <a:clrScheme name="Escritório">
+    <a:clrScheme name="Tema do Office">
       <a:dk1>
         <a:sysClr val="windowText" lastClr="000000"/>
       </a:dk1>
@@ -7263,14 +11578,14 @@
         <a:srgbClr val="954F72"/>
       </a:folHlink>
     </a:clrScheme>
-    <a:fontScheme name="Escritório">
+    <a:fontScheme name="Tema do Office">
       <a:majorFont>
         <a:latin typeface="Calibri Light" panose="020F0302020204030204"/>
         <a:ea typeface=""/>
         <a:cs typeface=""/>
-        <a:font script="Jpan" typeface="ＭＳ Ｐゴシック"/>
+        <a:font script="Jpan" typeface="游ゴシック Light"/>
         <a:font script="Hang" typeface="맑은 고딕"/>
-        <a:font script="Hans" typeface="宋体"/>
+        <a:font script="Hans" typeface="等线 Light"/>
         <a:font script="Hant" typeface="新細明體"/>
         <a:font script="Arab" typeface="Times New Roman"/>
         <a:font script="Hebr" typeface="Times New Roman"/>
@@ -7303,9 +11618,9 @@
         <a:latin typeface="Calibri" panose="020F0502020204030204"/>
         <a:ea typeface=""/>
         <a:cs typeface=""/>
-        <a:font script="Jpan" typeface="ＭＳ Ｐゴシック"/>
+        <a:font script="Jpan" typeface="游ゴシック"/>
         <a:font script="Hang" typeface="맑은 고딕"/>
-        <a:font script="Hans" typeface="宋体"/>
+        <a:font script="Hans" typeface="等线"/>
         <a:font script="Hant" typeface="新細明體"/>
         <a:font script="Arab" typeface="Arial"/>
         <a:font script="Hebr" typeface="Arial"/>
@@ -7335,7 +11650,7 @@
         <a:font script="Geor" typeface="Sylfaen"/>
       </a:minorFont>
     </a:fontScheme>
-    <a:fmtScheme name="Escritório">
+    <a:fmtScheme name="Tema do Office">
       <a:fillStyleLst>
         <a:solidFill>
           <a:schemeClr val="phClr"/>
